--- a/專題資料夾/專題報告資料夾/1080910/第一組_車牌辨識_1080910.pptx
+++ b/專題資料夾/專題報告資料夾/1080910/第一組_車牌辨識_1080910.pptx
@@ -11,19 +11,22 @@
     <p:sldId id="266" r:id="rId5"/>
     <p:sldId id="267" r:id="rId6"/>
     <p:sldId id="270" r:id="rId7"/>
-    <p:sldId id="269" r:id="rId8"/>
-    <p:sldId id="271" r:id="rId9"/>
-    <p:sldId id="272" r:id="rId10"/>
-    <p:sldId id="273" r:id="rId11"/>
-    <p:sldId id="274" r:id="rId12"/>
-    <p:sldId id="275" r:id="rId13"/>
-    <p:sldId id="277" r:id="rId14"/>
-    <p:sldId id="276" r:id="rId15"/>
-    <p:sldId id="278" r:id="rId16"/>
-    <p:sldId id="279" r:id="rId17"/>
-    <p:sldId id="280" r:id="rId18"/>
-    <p:sldId id="268" r:id="rId19"/>
-    <p:sldId id="263" r:id="rId20"/>
+    <p:sldId id="281" r:id="rId8"/>
+    <p:sldId id="282" r:id="rId9"/>
+    <p:sldId id="283" r:id="rId10"/>
+    <p:sldId id="269" r:id="rId11"/>
+    <p:sldId id="271" r:id="rId12"/>
+    <p:sldId id="272" r:id="rId13"/>
+    <p:sldId id="273" r:id="rId14"/>
+    <p:sldId id="274" r:id="rId15"/>
+    <p:sldId id="275" r:id="rId16"/>
+    <p:sldId id="277" r:id="rId17"/>
+    <p:sldId id="276" r:id="rId18"/>
+    <p:sldId id="278" r:id="rId19"/>
+    <p:sldId id="279" r:id="rId20"/>
+    <p:sldId id="280" r:id="rId21"/>
+    <p:sldId id="268" r:id="rId22"/>
+    <p:sldId id="263" r:id="rId23"/>
   </p:sldIdLst>
   <p:sldSz cx="12192000" cy="6858000"/>
   <p:notesSz cx="6858000" cy="9144000"/>
@@ -180,7 +183,7 @@
           <a:noFill/>
           <a:extLst>
             <a:ext uri="{909E8E84-426E-40dd-AFC4-6F175D3DCCD1}">
-              <a14:hiddenFill xmlns="" xmlns:a14="http://schemas.microsoft.com/office/drawing/2010/main">
+              <a14:hiddenFill xmlns:a14="http://schemas.microsoft.com/office/drawing/2010/main" xmlns="">
                 <a:solidFill>
                   <a:srgbClr val="FFFFFF"/>
                 </a:solidFill>
@@ -240,7 +243,7 @@
             </a:ln>
             <a:extLst>
               <a:ext uri="{91240B29-F687-4f45-9708-019B960494DF}">
-                <a14:hiddenLine xmlns="" xmlns:a14="http://schemas.microsoft.com/office/drawing/2010/main" w="9525">
+                <a14:hiddenLine xmlns:a14="http://schemas.microsoft.com/office/drawing/2010/main" xmlns="" w="9525">
                   <a:solidFill>
                     <a:srgbClr val="000000"/>
                   </a:solidFill>
@@ -330,7 +333,7 @@
             </a:ln>
             <a:extLst>
               <a:ext uri="{91240B29-F687-4f45-9708-019B960494DF}">
-                <a14:hiddenLine xmlns="" xmlns:a14="http://schemas.microsoft.com/office/drawing/2010/main" w="9525">
+                <a14:hiddenLine xmlns:a14="http://schemas.microsoft.com/office/drawing/2010/main" xmlns="" w="9525">
                   <a:solidFill>
                     <a:srgbClr val="000000"/>
                   </a:solidFill>
@@ -420,7 +423,7 @@
             </a:ln>
             <a:extLst>
               <a:ext uri="{91240B29-F687-4f45-9708-019B960494DF}">
-                <a14:hiddenLine xmlns="" xmlns:a14="http://schemas.microsoft.com/office/drawing/2010/main" w="9525">
+                <a14:hiddenLine xmlns:a14="http://schemas.microsoft.com/office/drawing/2010/main" xmlns="" w="9525">
                   <a:solidFill>
                     <a:srgbClr val="000000"/>
                   </a:solidFill>
@@ -454,7 +457,7 @@
             </a:ln>
             <a:extLst>
               <a:ext uri="{91240B29-F687-4f45-9708-019B960494DF}">
-                <a14:hiddenLine xmlns="" xmlns:a14="http://schemas.microsoft.com/office/drawing/2010/main" w="9525">
+                <a14:hiddenLine xmlns:a14="http://schemas.microsoft.com/office/drawing/2010/main" xmlns="" w="9525">
                   <a:solidFill>
                     <a:srgbClr val="000000"/>
                   </a:solidFill>
@@ -544,7 +547,7 @@
             </a:ln>
             <a:extLst>
               <a:ext uri="{91240B29-F687-4f45-9708-019B960494DF}">
-                <a14:hiddenLine xmlns="" xmlns:a14="http://schemas.microsoft.com/office/drawing/2010/main" w="9525">
+                <a14:hiddenLine xmlns:a14="http://schemas.microsoft.com/office/drawing/2010/main" xmlns="" w="9525">
                   <a:solidFill>
                     <a:srgbClr val="000000"/>
                   </a:solidFill>
@@ -606,7 +609,7 @@
             </a:ln>
             <a:extLst>
               <a:ext uri="{91240B29-F687-4f45-9708-019B960494DF}">
-                <a14:hiddenLine xmlns="" xmlns:a14="http://schemas.microsoft.com/office/drawing/2010/main" w="9525">
+                <a14:hiddenLine xmlns:a14="http://schemas.microsoft.com/office/drawing/2010/main" xmlns="" w="9525">
                   <a:solidFill>
                     <a:srgbClr val="000000"/>
                   </a:solidFill>
@@ -668,7 +671,7 @@
             </a:ln>
             <a:extLst>
               <a:ext uri="{91240B29-F687-4f45-9708-019B960494DF}">
-                <a14:hiddenLine xmlns="" xmlns:a14="http://schemas.microsoft.com/office/drawing/2010/main" w="9525">
+                <a14:hiddenLine xmlns:a14="http://schemas.microsoft.com/office/drawing/2010/main" xmlns="" w="9525">
                   <a:solidFill>
                     <a:srgbClr val="000000"/>
                   </a:solidFill>
@@ -758,7 +761,7 @@
             </a:ln>
             <a:extLst>
               <a:ext uri="{91240B29-F687-4f45-9708-019B960494DF}">
-                <a14:hiddenLine xmlns="" xmlns:a14="http://schemas.microsoft.com/office/drawing/2010/main" w="9525">
+                <a14:hiddenLine xmlns:a14="http://schemas.microsoft.com/office/drawing/2010/main" xmlns="" w="9525">
                   <a:solidFill>
                     <a:srgbClr val="000000"/>
                   </a:solidFill>
@@ -820,7 +823,7 @@
             </a:ln>
             <a:extLst>
               <a:ext uri="{91240B29-F687-4f45-9708-019B960494DF}">
-                <a14:hiddenLine xmlns="" xmlns:a14="http://schemas.microsoft.com/office/drawing/2010/main" w="9525">
+                <a14:hiddenLine xmlns:a14="http://schemas.microsoft.com/office/drawing/2010/main" xmlns="" w="9525">
                   <a:solidFill>
                     <a:srgbClr val="000000"/>
                   </a:solidFill>
@@ -882,7 +885,7 @@
             </a:ln>
             <a:extLst>
               <a:ext uri="{91240B29-F687-4f45-9708-019B960494DF}">
-                <a14:hiddenLine xmlns="" xmlns:a14="http://schemas.microsoft.com/office/drawing/2010/main" w="9525">
+                <a14:hiddenLine xmlns:a14="http://schemas.microsoft.com/office/drawing/2010/main" xmlns="" w="9525">
                   <a:solidFill>
                     <a:srgbClr val="000000"/>
                   </a:solidFill>
@@ -972,7 +975,7 @@
             </a:ln>
             <a:extLst>
               <a:ext uri="{91240B29-F687-4f45-9708-019B960494DF}">
-                <a14:hiddenLine xmlns="" xmlns:a14="http://schemas.microsoft.com/office/drawing/2010/main" w="9525">
+                <a14:hiddenLine xmlns:a14="http://schemas.microsoft.com/office/drawing/2010/main" xmlns="" w="9525">
                   <a:solidFill>
                     <a:srgbClr val="000000"/>
                   </a:solidFill>
@@ -1062,7 +1065,7 @@
             </a:ln>
             <a:extLst>
               <a:ext uri="{91240B29-F687-4f45-9708-019B960494DF}">
-                <a14:hiddenLine xmlns="" xmlns:a14="http://schemas.microsoft.com/office/drawing/2010/main" w="9525">
+                <a14:hiddenLine xmlns:a14="http://schemas.microsoft.com/office/drawing/2010/main" xmlns="" w="9525">
                   <a:solidFill>
                     <a:srgbClr val="000000"/>
                   </a:solidFill>
@@ -1124,7 +1127,7 @@
             </a:ln>
             <a:extLst>
               <a:ext uri="{91240B29-F687-4f45-9708-019B960494DF}">
-                <a14:hiddenLine xmlns="" xmlns:a14="http://schemas.microsoft.com/office/drawing/2010/main" w="9525">
+                <a14:hiddenLine xmlns:a14="http://schemas.microsoft.com/office/drawing/2010/main" xmlns="" w="9525">
                   <a:solidFill>
                     <a:srgbClr val="000000"/>
                   </a:solidFill>
@@ -1234,7 +1237,7 @@
             </a:ln>
             <a:extLst>
               <a:ext uri="{91240B29-F687-4f45-9708-019B960494DF}">
-                <a14:hiddenLine xmlns="" xmlns:a14="http://schemas.microsoft.com/office/drawing/2010/main" w="9525">
+                <a14:hiddenLine xmlns:a14="http://schemas.microsoft.com/office/drawing/2010/main" xmlns="" w="9525">
                   <a:solidFill>
                     <a:srgbClr val="000000"/>
                   </a:solidFill>
@@ -1296,7 +1299,7 @@
             </a:ln>
             <a:extLst>
               <a:ext uri="{91240B29-F687-4f45-9708-019B960494DF}">
-                <a14:hiddenLine xmlns="" xmlns:a14="http://schemas.microsoft.com/office/drawing/2010/main" w="9525">
+                <a14:hiddenLine xmlns:a14="http://schemas.microsoft.com/office/drawing/2010/main" xmlns="" w="9525">
                   <a:solidFill>
                     <a:srgbClr val="000000"/>
                   </a:solidFill>
@@ -1386,7 +1389,7 @@
             </a:ln>
             <a:extLst>
               <a:ext uri="{91240B29-F687-4f45-9708-019B960494DF}">
-                <a14:hiddenLine xmlns="" xmlns:a14="http://schemas.microsoft.com/office/drawing/2010/main" w="9525">
+                <a14:hiddenLine xmlns:a14="http://schemas.microsoft.com/office/drawing/2010/main" xmlns="" w="9525">
                   <a:solidFill>
                     <a:srgbClr val="000000"/>
                   </a:solidFill>
@@ -1476,7 +1479,7 @@
             </a:ln>
             <a:extLst>
               <a:ext uri="{91240B29-F687-4f45-9708-019B960494DF}">
-                <a14:hiddenLine xmlns="" xmlns:a14="http://schemas.microsoft.com/office/drawing/2010/main" w="9525">
+                <a14:hiddenLine xmlns:a14="http://schemas.microsoft.com/office/drawing/2010/main" xmlns="" w="9525">
                   <a:solidFill>
                     <a:srgbClr val="000000"/>
                   </a:solidFill>
@@ -1538,7 +1541,7 @@
             </a:ln>
             <a:extLst>
               <a:ext uri="{91240B29-F687-4f45-9708-019B960494DF}">
-                <a14:hiddenLine xmlns="" xmlns:a14="http://schemas.microsoft.com/office/drawing/2010/main" w="9525">
+                <a14:hiddenLine xmlns:a14="http://schemas.microsoft.com/office/drawing/2010/main" xmlns="" w="9525">
                   <a:solidFill>
                     <a:srgbClr val="000000"/>
                   </a:solidFill>
@@ -1628,7 +1631,7 @@
             </a:ln>
             <a:extLst>
               <a:ext uri="{91240B29-F687-4f45-9708-019B960494DF}">
-                <a14:hiddenLine xmlns="" xmlns:a14="http://schemas.microsoft.com/office/drawing/2010/main" w="9525">
+                <a14:hiddenLine xmlns:a14="http://schemas.microsoft.com/office/drawing/2010/main" xmlns="" w="9525">
                   <a:solidFill>
                     <a:srgbClr val="000000"/>
                   </a:solidFill>
@@ -1718,7 +1721,7 @@
             </a:ln>
             <a:extLst>
               <a:ext uri="{91240B29-F687-4f45-9708-019B960494DF}">
-                <a14:hiddenLine xmlns="" xmlns:a14="http://schemas.microsoft.com/office/drawing/2010/main" w="9525">
+                <a14:hiddenLine xmlns:a14="http://schemas.microsoft.com/office/drawing/2010/main" xmlns="" w="9525">
                   <a:solidFill>
                     <a:srgbClr val="000000"/>
                   </a:solidFill>
@@ -1774,7 +1777,7 @@
             </a:ln>
             <a:extLst>
               <a:ext uri="{91240B29-F687-4f45-9708-019B960494DF}">
-                <a14:hiddenLine xmlns="" xmlns:a14="http://schemas.microsoft.com/office/drawing/2010/main" w="9525">
+                <a14:hiddenLine xmlns:a14="http://schemas.microsoft.com/office/drawing/2010/main" xmlns="" w="9525">
                   <a:solidFill>
                     <a:srgbClr val="000000"/>
                   </a:solidFill>
@@ -1864,7 +1867,7 @@
             </a:ln>
             <a:extLst>
               <a:ext uri="{91240B29-F687-4f45-9708-019B960494DF}">
-                <a14:hiddenLine xmlns="" xmlns:a14="http://schemas.microsoft.com/office/drawing/2010/main" w="9525">
+                <a14:hiddenLine xmlns:a14="http://schemas.microsoft.com/office/drawing/2010/main" xmlns="" w="9525">
                   <a:solidFill>
                     <a:srgbClr val="000000"/>
                   </a:solidFill>
@@ -1920,7 +1923,7 @@
             </a:ln>
             <a:extLst>
               <a:ext uri="{91240B29-F687-4f45-9708-019B960494DF}">
-                <a14:hiddenLine xmlns="" xmlns:a14="http://schemas.microsoft.com/office/drawing/2010/main" w="9525">
+                <a14:hiddenLine xmlns:a14="http://schemas.microsoft.com/office/drawing/2010/main" xmlns="" w="9525">
                   <a:solidFill>
                     <a:srgbClr val="000000"/>
                   </a:solidFill>
@@ -2010,7 +2013,7 @@
             </a:ln>
             <a:extLst>
               <a:ext uri="{91240B29-F687-4f45-9708-019B960494DF}">
-                <a14:hiddenLine xmlns="" xmlns:a14="http://schemas.microsoft.com/office/drawing/2010/main" w="9525">
+                <a14:hiddenLine xmlns:a14="http://schemas.microsoft.com/office/drawing/2010/main" xmlns="" w="9525">
                   <a:solidFill>
                     <a:srgbClr val="000000"/>
                   </a:solidFill>
@@ -2078,7 +2081,7 @@
             </a:ln>
             <a:extLst>
               <a:ext uri="{91240B29-F687-4f45-9708-019B960494DF}">
-                <a14:hiddenLine xmlns="" xmlns:a14="http://schemas.microsoft.com/office/drawing/2010/main" w="9525">
+                <a14:hiddenLine xmlns:a14="http://schemas.microsoft.com/office/drawing/2010/main" xmlns="" w="9525">
                   <a:solidFill>
                     <a:srgbClr val="000000"/>
                   </a:solidFill>
@@ -2168,7 +2171,7 @@
             </a:ln>
             <a:extLst>
               <a:ext uri="{91240B29-F687-4f45-9708-019B960494DF}">
-                <a14:hiddenLine xmlns="" xmlns:a14="http://schemas.microsoft.com/office/drawing/2010/main" w="9525">
+                <a14:hiddenLine xmlns:a14="http://schemas.microsoft.com/office/drawing/2010/main" xmlns="" w="9525">
                   <a:solidFill>
                     <a:srgbClr val="000000"/>
                   </a:solidFill>
@@ -2236,7 +2239,7 @@
             </a:ln>
             <a:extLst>
               <a:ext uri="{91240B29-F687-4f45-9708-019B960494DF}">
-                <a14:hiddenLine xmlns="" xmlns:a14="http://schemas.microsoft.com/office/drawing/2010/main" w="9525">
+                <a14:hiddenLine xmlns:a14="http://schemas.microsoft.com/office/drawing/2010/main" xmlns="" w="9525">
                   <a:solidFill>
                     <a:srgbClr val="000000"/>
                   </a:solidFill>
@@ -2326,7 +2329,7 @@
             </a:ln>
             <a:extLst>
               <a:ext uri="{91240B29-F687-4f45-9708-019B960494DF}">
-                <a14:hiddenLine xmlns="" xmlns:a14="http://schemas.microsoft.com/office/drawing/2010/main" w="9525">
+                <a14:hiddenLine xmlns:a14="http://schemas.microsoft.com/office/drawing/2010/main" xmlns="" w="9525">
                   <a:solidFill>
                     <a:srgbClr val="000000"/>
                   </a:solidFill>
@@ -2360,7 +2363,7 @@
             </a:ln>
             <a:extLst>
               <a:ext uri="{91240B29-F687-4f45-9708-019B960494DF}">
-                <a14:hiddenLine xmlns="" xmlns:a14="http://schemas.microsoft.com/office/drawing/2010/main" w="9525">
+                <a14:hiddenLine xmlns:a14="http://schemas.microsoft.com/office/drawing/2010/main" xmlns="" w="9525">
                   <a:solidFill>
                     <a:srgbClr val="000000"/>
                   </a:solidFill>
@@ -2450,7 +2453,7 @@
             </a:ln>
             <a:extLst>
               <a:ext uri="{91240B29-F687-4f45-9708-019B960494DF}">
-                <a14:hiddenLine xmlns="" xmlns:a14="http://schemas.microsoft.com/office/drawing/2010/main" w="9525">
+                <a14:hiddenLine xmlns:a14="http://schemas.microsoft.com/office/drawing/2010/main" xmlns="" w="9525">
                   <a:solidFill>
                     <a:srgbClr val="000000"/>
                   </a:solidFill>
@@ -2512,7 +2515,7 @@
             </a:ln>
             <a:extLst>
               <a:ext uri="{91240B29-F687-4f45-9708-019B960494DF}">
-                <a14:hiddenLine xmlns="" xmlns:a14="http://schemas.microsoft.com/office/drawing/2010/main" w="9525">
+                <a14:hiddenLine xmlns:a14="http://schemas.microsoft.com/office/drawing/2010/main" xmlns="" w="9525">
                   <a:solidFill>
                     <a:srgbClr val="000000"/>
                   </a:solidFill>
@@ -2574,7 +2577,7 @@
             </a:ln>
             <a:extLst>
               <a:ext uri="{91240B29-F687-4f45-9708-019B960494DF}">
-                <a14:hiddenLine xmlns="" xmlns:a14="http://schemas.microsoft.com/office/drawing/2010/main" w="9525">
+                <a14:hiddenLine xmlns:a14="http://schemas.microsoft.com/office/drawing/2010/main" xmlns="" w="9525">
                   <a:solidFill>
                     <a:srgbClr val="000000"/>
                   </a:solidFill>
@@ -2664,7 +2667,7 @@
             </a:ln>
             <a:extLst>
               <a:ext uri="{91240B29-F687-4f45-9708-019B960494DF}">
-                <a14:hiddenLine xmlns="" xmlns:a14="http://schemas.microsoft.com/office/drawing/2010/main" w="9525">
+                <a14:hiddenLine xmlns:a14="http://schemas.microsoft.com/office/drawing/2010/main" xmlns="" w="9525">
                   <a:solidFill>
                     <a:srgbClr val="000000"/>
                   </a:solidFill>
@@ -2732,7 +2735,7 @@
             </a:ln>
             <a:extLst>
               <a:ext uri="{91240B29-F687-4f45-9708-019B960494DF}">
-                <a14:hiddenLine xmlns="" xmlns:a14="http://schemas.microsoft.com/office/drawing/2010/main" w="9525">
+                <a14:hiddenLine xmlns:a14="http://schemas.microsoft.com/office/drawing/2010/main" xmlns="" w="9525">
                   <a:solidFill>
                     <a:srgbClr val="000000"/>
                   </a:solidFill>
@@ -2794,7 +2797,7 @@
             </a:ln>
             <a:extLst>
               <a:ext uri="{91240B29-F687-4f45-9708-019B960494DF}">
-                <a14:hiddenLine xmlns="" xmlns:a14="http://schemas.microsoft.com/office/drawing/2010/main" w="9525">
+                <a14:hiddenLine xmlns:a14="http://schemas.microsoft.com/office/drawing/2010/main" xmlns="" w="9525">
                   <a:solidFill>
                     <a:srgbClr val="000000"/>
                   </a:solidFill>
@@ -2884,7 +2887,7 @@
             </a:ln>
             <a:extLst>
               <a:ext uri="{91240B29-F687-4f45-9708-019B960494DF}">
-                <a14:hiddenLine xmlns="" xmlns:a14="http://schemas.microsoft.com/office/drawing/2010/main" w="9525">
+                <a14:hiddenLine xmlns:a14="http://schemas.microsoft.com/office/drawing/2010/main" xmlns="" w="9525">
                   <a:solidFill>
                     <a:srgbClr val="000000"/>
                   </a:solidFill>
@@ -2946,7 +2949,7 @@
             </a:ln>
             <a:extLst>
               <a:ext uri="{91240B29-F687-4f45-9708-019B960494DF}">
-                <a14:hiddenLine xmlns="" xmlns:a14="http://schemas.microsoft.com/office/drawing/2010/main" w="9525">
+                <a14:hiddenLine xmlns:a14="http://schemas.microsoft.com/office/drawing/2010/main" xmlns="" w="9525">
                   <a:solidFill>
                     <a:srgbClr val="000000"/>
                   </a:solidFill>
@@ -3036,7 +3039,7 @@
             </a:ln>
             <a:extLst>
               <a:ext uri="{91240B29-F687-4f45-9708-019B960494DF}">
-                <a14:hiddenLine xmlns="" xmlns:a14="http://schemas.microsoft.com/office/drawing/2010/main" w="9525">
+                <a14:hiddenLine xmlns:a14="http://schemas.microsoft.com/office/drawing/2010/main" xmlns="" w="9525">
                   <a:solidFill>
                     <a:srgbClr val="000000"/>
                   </a:solidFill>
@@ -3098,7 +3101,7 @@
             </a:ln>
             <a:extLst>
               <a:ext uri="{91240B29-F687-4f45-9708-019B960494DF}">
-                <a14:hiddenLine xmlns="" xmlns:a14="http://schemas.microsoft.com/office/drawing/2010/main" w="9525">
+                <a14:hiddenLine xmlns:a14="http://schemas.microsoft.com/office/drawing/2010/main" xmlns="" w="9525">
                   <a:solidFill>
                     <a:srgbClr val="000000"/>
                   </a:solidFill>
@@ -3188,7 +3191,7 @@
             </a:ln>
             <a:extLst>
               <a:ext uri="{91240B29-F687-4f45-9708-019B960494DF}">
-                <a14:hiddenLine xmlns="" xmlns:a14="http://schemas.microsoft.com/office/drawing/2010/main" w="9525">
+                <a14:hiddenLine xmlns:a14="http://schemas.microsoft.com/office/drawing/2010/main" xmlns="" w="9525">
                   <a:solidFill>
                     <a:srgbClr val="000000"/>
                   </a:solidFill>
@@ -3222,7 +3225,7 @@
             </a:ln>
             <a:extLst>
               <a:ext uri="{91240B29-F687-4f45-9708-019B960494DF}">
-                <a14:hiddenLine xmlns="" xmlns:a14="http://schemas.microsoft.com/office/drawing/2010/main" w="9525">
+                <a14:hiddenLine xmlns:a14="http://schemas.microsoft.com/office/drawing/2010/main" xmlns="" w="9525">
                   <a:solidFill>
                     <a:srgbClr val="000000"/>
                   </a:solidFill>
@@ -3287,7 +3290,7 @@
             </a:ln>
             <a:extLst>
               <a:ext uri="{91240B29-F687-4f45-9708-019B960494DF}">
-                <a14:hiddenLine xmlns="" xmlns:a14="http://schemas.microsoft.com/office/drawing/2010/main" w="9525">
+                <a14:hiddenLine xmlns:a14="http://schemas.microsoft.com/office/drawing/2010/main" xmlns="" w="9525">
                   <a:solidFill>
                     <a:srgbClr val="000000"/>
                   </a:solidFill>
@@ -3377,7 +3380,7 @@
             </a:ln>
             <a:extLst>
               <a:ext uri="{91240B29-F687-4f45-9708-019B960494DF}">
-                <a14:hiddenLine xmlns="" xmlns:a14="http://schemas.microsoft.com/office/drawing/2010/main" w="9525">
+                <a14:hiddenLine xmlns:a14="http://schemas.microsoft.com/office/drawing/2010/main" xmlns="" w="9525">
                   <a:solidFill>
                     <a:srgbClr val="000000"/>
                   </a:solidFill>
@@ -3439,7 +3442,7 @@
             </a:ln>
             <a:extLst>
               <a:ext uri="{91240B29-F687-4f45-9708-019B960494DF}">
-                <a14:hiddenLine xmlns="" xmlns:a14="http://schemas.microsoft.com/office/drawing/2010/main" w="9525">
+                <a14:hiddenLine xmlns:a14="http://schemas.microsoft.com/office/drawing/2010/main" xmlns="" w="9525">
                   <a:solidFill>
                     <a:srgbClr val="000000"/>
                   </a:solidFill>
@@ -3529,7 +3532,7 @@
             </a:ln>
             <a:extLst>
               <a:ext uri="{91240B29-F687-4f45-9708-019B960494DF}">
-                <a14:hiddenLine xmlns="" xmlns:a14="http://schemas.microsoft.com/office/drawing/2010/main" w="9525">
+                <a14:hiddenLine xmlns:a14="http://schemas.microsoft.com/office/drawing/2010/main" xmlns="" w="9525">
                   <a:solidFill>
                     <a:srgbClr val="000000"/>
                   </a:solidFill>
@@ -3619,7 +3622,7 @@
             </a:ln>
             <a:extLst>
               <a:ext uri="{91240B29-F687-4f45-9708-019B960494DF}">
-                <a14:hiddenLine xmlns="" xmlns:a14="http://schemas.microsoft.com/office/drawing/2010/main" w="9525">
+                <a14:hiddenLine xmlns:a14="http://schemas.microsoft.com/office/drawing/2010/main" xmlns="" w="9525">
                   <a:solidFill>
                     <a:srgbClr val="000000"/>
                   </a:solidFill>
@@ -3684,7 +3687,7 @@
             </a:ln>
             <a:extLst>
               <a:ext uri="{91240B29-F687-4f45-9708-019B960494DF}">
-                <a14:hiddenLine xmlns="" xmlns:a14="http://schemas.microsoft.com/office/drawing/2010/main" w="9525">
+                <a14:hiddenLine xmlns:a14="http://schemas.microsoft.com/office/drawing/2010/main" xmlns="" w="9525">
                   <a:solidFill>
                     <a:srgbClr val="000000"/>
                   </a:solidFill>
@@ -3746,7 +3749,7 @@
             </a:ln>
             <a:extLst>
               <a:ext uri="{91240B29-F687-4f45-9708-019B960494DF}">
-                <a14:hiddenLine xmlns="" xmlns:a14="http://schemas.microsoft.com/office/drawing/2010/main" w="9525">
+                <a14:hiddenLine xmlns:a14="http://schemas.microsoft.com/office/drawing/2010/main" xmlns="" w="9525">
                   <a:solidFill>
                     <a:srgbClr val="000000"/>
                   </a:solidFill>
@@ -3836,7 +3839,7 @@
             </a:ln>
             <a:extLst>
               <a:ext uri="{91240B29-F687-4f45-9708-019B960494DF}">
-                <a14:hiddenLine xmlns="" xmlns:a14="http://schemas.microsoft.com/office/drawing/2010/main" w="9525">
+                <a14:hiddenLine xmlns:a14="http://schemas.microsoft.com/office/drawing/2010/main" xmlns="" w="9525">
                   <a:solidFill>
                     <a:srgbClr val="000000"/>
                   </a:solidFill>
@@ -3926,7 +3929,7 @@
             </a:ln>
             <a:extLst>
               <a:ext uri="{91240B29-F687-4f45-9708-019B960494DF}">
-                <a14:hiddenLine xmlns="" xmlns:a14="http://schemas.microsoft.com/office/drawing/2010/main" w="9525">
+                <a14:hiddenLine xmlns:a14="http://schemas.microsoft.com/office/drawing/2010/main" xmlns="" w="9525">
                   <a:solidFill>
                     <a:srgbClr val="000000"/>
                   </a:solidFill>
@@ -3988,7 +3991,7 @@
             </a:ln>
             <a:extLst>
               <a:ext uri="{91240B29-F687-4f45-9708-019B960494DF}">
-                <a14:hiddenLine xmlns="" xmlns:a14="http://schemas.microsoft.com/office/drawing/2010/main" w="9525">
+                <a14:hiddenLine xmlns:a14="http://schemas.microsoft.com/office/drawing/2010/main" xmlns="" w="9525">
                   <a:solidFill>
                     <a:srgbClr val="000000"/>
                   </a:solidFill>
@@ -4108,7 +4111,7 @@
             </a:ln>
             <a:extLst>
               <a:ext uri="{91240B29-F687-4f45-9708-019B960494DF}">
-                <a14:hiddenLine xmlns="" xmlns:a14="http://schemas.microsoft.com/office/drawing/2010/main" w="9525">
+                <a14:hiddenLine xmlns:a14="http://schemas.microsoft.com/office/drawing/2010/main" xmlns="" w="9525">
                   <a:solidFill>
                     <a:srgbClr val="000000"/>
                   </a:solidFill>
@@ -4176,7 +4179,7 @@
             </a:ln>
             <a:extLst>
               <a:ext uri="{91240B29-F687-4f45-9708-019B960494DF}">
-                <a14:hiddenLine xmlns="" xmlns:a14="http://schemas.microsoft.com/office/drawing/2010/main" w="9525">
+                <a14:hiddenLine xmlns:a14="http://schemas.microsoft.com/office/drawing/2010/main" xmlns="" w="9525">
                   <a:solidFill>
                     <a:srgbClr val="000000"/>
                   </a:solidFill>
@@ -4266,7 +4269,7 @@
             </a:ln>
             <a:extLst>
               <a:ext uri="{91240B29-F687-4f45-9708-019B960494DF}">
-                <a14:hiddenLine xmlns="" xmlns:a14="http://schemas.microsoft.com/office/drawing/2010/main" w="9525">
+                <a14:hiddenLine xmlns:a14="http://schemas.microsoft.com/office/drawing/2010/main" xmlns="" w="9525">
                   <a:solidFill>
                     <a:srgbClr val="000000"/>
                   </a:solidFill>
@@ -8988,7 +8991,7 @@
           <a:noFill/>
           <a:extLst>
             <a:ext uri="{909E8E84-426E-40dd-AFC4-6F175D3DCCD1}">
-              <a14:hiddenFill xmlns="" xmlns:a14="http://schemas.microsoft.com/office/drawing/2010/main">
+              <a14:hiddenFill xmlns:a14="http://schemas.microsoft.com/office/drawing/2010/main" xmlns="">
                 <a:solidFill>
                   <a:srgbClr val="FFFFFF"/>
                 </a:solidFill>
@@ -9062,7 +9065,7 @@
               </a:ln>
               <a:extLst>
                 <a:ext uri="{91240B29-F687-4f45-9708-019B960494DF}">
-                  <a14:hiddenLine xmlns="" xmlns:a14="http://schemas.microsoft.com/office/drawing/2010/main" w="9525">
+                  <a14:hiddenLine xmlns:a14="http://schemas.microsoft.com/office/drawing/2010/main" xmlns="" w="9525">
                     <a:solidFill>
                       <a:srgbClr val="000000"/>
                     </a:solidFill>
@@ -9152,7 +9155,7 @@
               </a:ln>
               <a:extLst>
                 <a:ext uri="{91240B29-F687-4f45-9708-019B960494DF}">
-                  <a14:hiddenLine xmlns="" xmlns:a14="http://schemas.microsoft.com/office/drawing/2010/main" w="9525">
+                  <a14:hiddenLine xmlns:a14="http://schemas.microsoft.com/office/drawing/2010/main" xmlns="" w="9525">
                     <a:solidFill>
                       <a:srgbClr val="000000"/>
                     </a:solidFill>
@@ -9242,7 +9245,7 @@
               </a:ln>
               <a:extLst>
                 <a:ext uri="{91240B29-F687-4f45-9708-019B960494DF}">
-                  <a14:hiddenLine xmlns="" xmlns:a14="http://schemas.microsoft.com/office/drawing/2010/main" w="9525">
+                  <a14:hiddenLine xmlns:a14="http://schemas.microsoft.com/office/drawing/2010/main" xmlns="" w="9525">
                     <a:solidFill>
                       <a:srgbClr val="000000"/>
                     </a:solidFill>
@@ -9304,7 +9307,7 @@
               </a:ln>
               <a:extLst>
                 <a:ext uri="{91240B29-F687-4f45-9708-019B960494DF}">
-                  <a14:hiddenLine xmlns="" xmlns:a14="http://schemas.microsoft.com/office/drawing/2010/main" w="9525">
+                  <a14:hiddenLine xmlns:a14="http://schemas.microsoft.com/office/drawing/2010/main" xmlns="" w="9525">
                     <a:solidFill>
                       <a:srgbClr val="000000"/>
                     </a:solidFill>
@@ -9394,7 +9397,7 @@
               </a:ln>
               <a:extLst>
                 <a:ext uri="{91240B29-F687-4f45-9708-019B960494DF}">
-                  <a14:hiddenLine xmlns="" xmlns:a14="http://schemas.microsoft.com/office/drawing/2010/main" w="9525">
+                  <a14:hiddenLine xmlns:a14="http://schemas.microsoft.com/office/drawing/2010/main" xmlns="" w="9525">
                     <a:solidFill>
                       <a:srgbClr val="000000"/>
                     </a:solidFill>
@@ -9456,7 +9459,7 @@
               </a:ln>
               <a:extLst>
                 <a:ext uri="{91240B29-F687-4f45-9708-019B960494DF}">
-                  <a14:hiddenLine xmlns="" xmlns:a14="http://schemas.microsoft.com/office/drawing/2010/main" w="9525">
+                  <a14:hiddenLine xmlns:a14="http://schemas.microsoft.com/office/drawing/2010/main" xmlns="" w="9525">
                     <a:solidFill>
                       <a:srgbClr val="000000"/>
                     </a:solidFill>
@@ -9518,7 +9521,7 @@
               </a:ln>
               <a:extLst>
                 <a:ext uri="{91240B29-F687-4f45-9708-019B960494DF}">
-                  <a14:hiddenLine xmlns="" xmlns:a14="http://schemas.microsoft.com/office/drawing/2010/main" w="9525">
+                  <a14:hiddenLine xmlns:a14="http://schemas.microsoft.com/office/drawing/2010/main" xmlns="" w="9525">
                     <a:solidFill>
                       <a:srgbClr val="000000"/>
                     </a:solidFill>
@@ -9608,7 +9611,7 @@
               </a:ln>
               <a:extLst>
                 <a:ext uri="{91240B29-F687-4f45-9708-019B960494DF}">
-                  <a14:hiddenLine xmlns="" xmlns:a14="http://schemas.microsoft.com/office/drawing/2010/main" w="9525">
+                  <a14:hiddenLine xmlns:a14="http://schemas.microsoft.com/office/drawing/2010/main" xmlns="" w="9525">
                     <a:solidFill>
                       <a:srgbClr val="000000"/>
                     </a:solidFill>
@@ -9698,7 +9701,7 @@
               </a:ln>
               <a:extLst>
                 <a:ext uri="{91240B29-F687-4f45-9708-019B960494DF}">
-                  <a14:hiddenLine xmlns="" xmlns:a14="http://schemas.microsoft.com/office/drawing/2010/main" w="9525">
+                  <a14:hiddenLine xmlns:a14="http://schemas.microsoft.com/office/drawing/2010/main" xmlns="" w="9525">
                     <a:solidFill>
                       <a:srgbClr val="000000"/>
                     </a:solidFill>
@@ -9760,7 +9763,7 @@
               </a:ln>
               <a:extLst>
                 <a:ext uri="{91240B29-F687-4f45-9708-019B960494DF}">
-                  <a14:hiddenLine xmlns="" xmlns:a14="http://schemas.microsoft.com/office/drawing/2010/main" w="9525">
+                  <a14:hiddenLine xmlns:a14="http://schemas.microsoft.com/office/drawing/2010/main" xmlns="" w="9525">
                     <a:solidFill>
                       <a:srgbClr val="000000"/>
                     </a:solidFill>
@@ -9870,7 +9873,7 @@
               </a:ln>
               <a:extLst>
                 <a:ext uri="{91240B29-F687-4f45-9708-019B960494DF}">
-                  <a14:hiddenLine xmlns="" xmlns:a14="http://schemas.microsoft.com/office/drawing/2010/main" w="9525">
+                  <a14:hiddenLine xmlns:a14="http://schemas.microsoft.com/office/drawing/2010/main" xmlns="" w="9525">
                     <a:solidFill>
                       <a:srgbClr val="000000"/>
                     </a:solidFill>
@@ -9954,7 +9957,7 @@
               </a:ln>
               <a:extLst>
                 <a:ext uri="{91240B29-F687-4f45-9708-019B960494DF}">
-                  <a14:hiddenLine xmlns="" xmlns:a14="http://schemas.microsoft.com/office/drawing/2010/main" w="9525">
+                  <a14:hiddenLine xmlns:a14="http://schemas.microsoft.com/office/drawing/2010/main" xmlns="" w="9525">
                     <a:solidFill>
                       <a:srgbClr val="000000"/>
                     </a:solidFill>
@@ -10016,7 +10019,7 @@
               </a:ln>
               <a:extLst>
                 <a:ext uri="{91240B29-F687-4f45-9708-019B960494DF}">
-                  <a14:hiddenLine xmlns="" xmlns:a14="http://schemas.microsoft.com/office/drawing/2010/main" w="9525">
+                  <a14:hiddenLine xmlns:a14="http://schemas.microsoft.com/office/drawing/2010/main" xmlns="" w="9525">
                     <a:solidFill>
                       <a:srgbClr val="000000"/>
                     </a:solidFill>
@@ -10078,7 +10081,7 @@
               </a:ln>
               <a:extLst>
                 <a:ext uri="{91240B29-F687-4f45-9708-019B960494DF}">
-                  <a14:hiddenLine xmlns="" xmlns:a14="http://schemas.microsoft.com/office/drawing/2010/main" w="9525">
+                  <a14:hiddenLine xmlns:a14="http://schemas.microsoft.com/office/drawing/2010/main" xmlns="" w="9525">
                     <a:solidFill>
                       <a:srgbClr val="000000"/>
                     </a:solidFill>
@@ -10168,7 +10171,7 @@
               </a:ln>
               <a:extLst>
                 <a:ext uri="{91240B29-F687-4f45-9708-019B960494DF}">
-                  <a14:hiddenLine xmlns="" xmlns:a14="http://schemas.microsoft.com/office/drawing/2010/main" w="9525">
+                  <a14:hiddenLine xmlns:a14="http://schemas.microsoft.com/office/drawing/2010/main" xmlns="" w="9525">
                     <a:solidFill>
                       <a:srgbClr val="000000"/>
                     </a:solidFill>
@@ -10202,7 +10205,7 @@
               </a:ln>
               <a:extLst>
                 <a:ext uri="{91240B29-F687-4f45-9708-019B960494DF}">
-                  <a14:hiddenLine xmlns="" xmlns:a14="http://schemas.microsoft.com/office/drawing/2010/main" w="9525">
+                  <a14:hiddenLine xmlns:a14="http://schemas.microsoft.com/office/drawing/2010/main" xmlns="" w="9525">
                     <a:solidFill>
                       <a:srgbClr val="000000"/>
                     </a:solidFill>
@@ -10267,7 +10270,7 @@
               </a:ln>
               <a:extLst>
                 <a:ext uri="{91240B29-F687-4f45-9708-019B960494DF}">
-                  <a14:hiddenLine xmlns="" xmlns:a14="http://schemas.microsoft.com/office/drawing/2010/main" w="9525">
+                  <a14:hiddenLine xmlns:a14="http://schemas.microsoft.com/office/drawing/2010/main" xmlns="" w="9525">
                     <a:solidFill>
                       <a:srgbClr val="000000"/>
                     </a:solidFill>
@@ -10357,7 +10360,7 @@
               </a:ln>
               <a:extLst>
                 <a:ext uri="{91240B29-F687-4f45-9708-019B960494DF}">
-                  <a14:hiddenLine xmlns="" xmlns:a14="http://schemas.microsoft.com/office/drawing/2010/main" w="9525">
+                  <a14:hiddenLine xmlns:a14="http://schemas.microsoft.com/office/drawing/2010/main" xmlns="" w="9525">
                     <a:solidFill>
                       <a:srgbClr val="000000"/>
                     </a:solidFill>
@@ -10419,7 +10422,7 @@
               </a:ln>
               <a:extLst>
                 <a:ext uri="{91240B29-F687-4f45-9708-019B960494DF}">
-                  <a14:hiddenLine xmlns="" xmlns:a14="http://schemas.microsoft.com/office/drawing/2010/main" w="9525">
+                  <a14:hiddenLine xmlns:a14="http://schemas.microsoft.com/office/drawing/2010/main" xmlns="" w="9525">
                     <a:solidFill>
                       <a:srgbClr val="000000"/>
                     </a:solidFill>
@@ -10509,7 +10512,7 @@
               </a:ln>
               <a:extLst>
                 <a:ext uri="{91240B29-F687-4f45-9708-019B960494DF}">
-                  <a14:hiddenLine xmlns="" xmlns:a14="http://schemas.microsoft.com/office/drawing/2010/main" w="9525">
+                  <a14:hiddenLine xmlns:a14="http://schemas.microsoft.com/office/drawing/2010/main" xmlns="" w="9525">
                     <a:solidFill>
                       <a:srgbClr val="000000"/>
                     </a:solidFill>
@@ -10574,7 +10577,7 @@
               </a:ln>
               <a:extLst>
                 <a:ext uri="{91240B29-F687-4f45-9708-019B960494DF}">
-                  <a14:hiddenLine xmlns="" xmlns:a14="http://schemas.microsoft.com/office/drawing/2010/main" w="9525">
+                  <a14:hiddenLine xmlns:a14="http://schemas.microsoft.com/office/drawing/2010/main" xmlns="" w="9525">
                     <a:solidFill>
                       <a:srgbClr val="000000"/>
                     </a:solidFill>
@@ -10636,7 +10639,7 @@
               </a:ln>
               <a:extLst>
                 <a:ext uri="{91240B29-F687-4f45-9708-019B960494DF}">
-                  <a14:hiddenLine xmlns="" xmlns:a14="http://schemas.microsoft.com/office/drawing/2010/main" w="9525">
+                  <a14:hiddenLine xmlns:a14="http://schemas.microsoft.com/office/drawing/2010/main" xmlns="" w="9525">
                     <a:solidFill>
                       <a:srgbClr val="000000"/>
                     </a:solidFill>
@@ -10726,7 +10729,7 @@
               </a:ln>
               <a:extLst>
                 <a:ext uri="{91240B29-F687-4f45-9708-019B960494DF}">
-                  <a14:hiddenLine xmlns="" xmlns:a14="http://schemas.microsoft.com/office/drawing/2010/main" w="9525">
+                  <a14:hiddenLine xmlns:a14="http://schemas.microsoft.com/office/drawing/2010/main" xmlns="" w="9525">
                     <a:solidFill>
                       <a:srgbClr val="000000"/>
                     </a:solidFill>
@@ -10816,7 +10819,7 @@
               </a:ln>
               <a:extLst>
                 <a:ext uri="{91240B29-F687-4f45-9708-019B960494DF}">
-                  <a14:hiddenLine xmlns="" xmlns:a14="http://schemas.microsoft.com/office/drawing/2010/main" w="9525">
+                  <a14:hiddenLine xmlns:a14="http://schemas.microsoft.com/office/drawing/2010/main" xmlns="" w="9525">
                     <a:solidFill>
                       <a:srgbClr val="000000"/>
                     </a:solidFill>
@@ -10881,7 +10884,7 @@
               </a:ln>
               <a:extLst>
                 <a:ext uri="{91240B29-F687-4f45-9708-019B960494DF}">
-                  <a14:hiddenLine xmlns="" xmlns:a14="http://schemas.microsoft.com/office/drawing/2010/main" w="9525">
+                  <a14:hiddenLine xmlns:a14="http://schemas.microsoft.com/office/drawing/2010/main" xmlns="" w="9525">
                     <a:solidFill>
                       <a:srgbClr val="000000"/>
                     </a:solidFill>
@@ -11001,7 +11004,7 @@
               </a:ln>
               <a:extLst>
                 <a:ext uri="{91240B29-F687-4f45-9708-019B960494DF}">
-                  <a14:hiddenLine xmlns="" xmlns:a14="http://schemas.microsoft.com/office/drawing/2010/main" w="9525">
+                  <a14:hiddenLine xmlns:a14="http://schemas.microsoft.com/office/drawing/2010/main" xmlns="" w="9525">
                     <a:solidFill>
                       <a:srgbClr val="000000"/>
                     </a:solidFill>
@@ -11099,7 +11102,7 @@
               </a:ln>
               <a:extLst>
                 <a:ext uri="{91240B29-F687-4f45-9708-019B960494DF}">
-                  <a14:hiddenLine xmlns="" xmlns:a14="http://schemas.microsoft.com/office/drawing/2010/main" w="9525">
+                  <a14:hiddenLine xmlns:a14="http://schemas.microsoft.com/office/drawing/2010/main" xmlns="" w="9525">
                     <a:solidFill>
                       <a:srgbClr val="000000"/>
                     </a:solidFill>
@@ -11214,7 +11217,7 @@
               </a:ln>
               <a:extLst>
                 <a:ext uri="{91240B29-F687-4f45-9708-019B960494DF}">
-                  <a14:hiddenLine xmlns="" xmlns:a14="http://schemas.microsoft.com/office/drawing/2010/main" w="9525">
+                  <a14:hiddenLine xmlns:a14="http://schemas.microsoft.com/office/drawing/2010/main" xmlns="" w="9525">
                     <a:solidFill>
                       <a:srgbClr val="000000"/>
                     </a:solidFill>
@@ -11304,7 +11307,7 @@
               </a:ln>
               <a:extLst>
                 <a:ext uri="{91240B29-F687-4f45-9708-019B960494DF}">
-                  <a14:hiddenLine xmlns="" xmlns:a14="http://schemas.microsoft.com/office/drawing/2010/main" w="9525">
+                  <a14:hiddenLine xmlns:a14="http://schemas.microsoft.com/office/drawing/2010/main" xmlns="" w="9525">
                     <a:solidFill>
                       <a:srgbClr val="000000"/>
                     </a:solidFill>
@@ -11369,7 +11372,7 @@
               </a:ln>
               <a:extLst>
                 <a:ext uri="{91240B29-F687-4f45-9708-019B960494DF}">
-                  <a14:hiddenLine xmlns="" xmlns:a14="http://schemas.microsoft.com/office/drawing/2010/main" w="9525">
+                  <a14:hiddenLine xmlns:a14="http://schemas.microsoft.com/office/drawing/2010/main" xmlns="" w="9525">
                     <a:solidFill>
                       <a:srgbClr val="000000"/>
                     </a:solidFill>
@@ -11459,7 +11462,7 @@
               </a:ln>
               <a:extLst>
                 <a:ext uri="{91240B29-F687-4f45-9708-019B960494DF}">
-                  <a14:hiddenLine xmlns="" xmlns:a14="http://schemas.microsoft.com/office/drawing/2010/main" w="9525">
+                  <a14:hiddenLine xmlns:a14="http://schemas.microsoft.com/office/drawing/2010/main" xmlns="" w="9525">
                     <a:solidFill>
                       <a:srgbClr val="000000"/>
                     </a:solidFill>
@@ -11527,7 +11530,7 @@
               </a:ln>
               <a:extLst>
                 <a:ext uri="{91240B29-F687-4f45-9708-019B960494DF}">
-                  <a14:hiddenLine xmlns="" xmlns:a14="http://schemas.microsoft.com/office/drawing/2010/main" w="9525">
+                  <a14:hiddenLine xmlns:a14="http://schemas.microsoft.com/office/drawing/2010/main" xmlns="" w="9525">
                     <a:solidFill>
                       <a:srgbClr val="000000"/>
                     </a:solidFill>
@@ -11617,7 +11620,7 @@
               </a:ln>
               <a:extLst>
                 <a:ext uri="{91240B29-F687-4f45-9708-019B960494DF}">
-                  <a14:hiddenLine xmlns="" xmlns:a14="http://schemas.microsoft.com/office/drawing/2010/main" w="9525">
+                  <a14:hiddenLine xmlns:a14="http://schemas.microsoft.com/office/drawing/2010/main" xmlns="" w="9525">
                     <a:solidFill>
                       <a:srgbClr val="000000"/>
                     </a:solidFill>
@@ -11685,7 +11688,7 @@
               </a:ln>
               <a:extLst>
                 <a:ext uri="{91240B29-F687-4f45-9708-019B960494DF}">
-                  <a14:hiddenLine xmlns="" xmlns:a14="http://schemas.microsoft.com/office/drawing/2010/main" w="9525">
+                  <a14:hiddenLine xmlns:a14="http://schemas.microsoft.com/office/drawing/2010/main" xmlns="" w="9525">
                     <a:solidFill>
                       <a:srgbClr val="000000"/>
                     </a:solidFill>
@@ -11775,7 +11778,7 @@
               </a:ln>
               <a:extLst>
                 <a:ext uri="{91240B29-F687-4f45-9708-019B960494DF}">
-                  <a14:hiddenLine xmlns="" xmlns:a14="http://schemas.microsoft.com/office/drawing/2010/main" w="9525">
+                  <a14:hiddenLine xmlns:a14="http://schemas.microsoft.com/office/drawing/2010/main" xmlns="" w="9525">
                     <a:solidFill>
                       <a:srgbClr val="000000"/>
                     </a:solidFill>
@@ -11809,7 +11812,7 @@
               </a:ln>
               <a:extLst>
                 <a:ext uri="{91240B29-F687-4f45-9708-019B960494DF}">
-                  <a14:hiddenLine xmlns="" xmlns:a14="http://schemas.microsoft.com/office/drawing/2010/main" w="9525">
+                  <a14:hiddenLine xmlns:a14="http://schemas.microsoft.com/office/drawing/2010/main" xmlns="" w="9525">
                     <a:solidFill>
                       <a:srgbClr val="000000"/>
                     </a:solidFill>
@@ -12497,19 +12500,8 @@
                 <a:latin typeface="標楷體" panose="03000509000000000000" pitchFamily="65" charset="-120"/>
                 <a:ea typeface="標楷體" panose="03000509000000000000" pitchFamily="65" charset="-120"/>
               </a:rPr>
-              <a:t>:</a:t>
-            </a:r>
-            <a:r>
-              <a:rPr lang="en-US" altLang="zh-TW" sz="4400" dirty="0" smtClean="0">
-                <a:latin typeface="標楷體" panose="03000509000000000000" pitchFamily="65" charset="-120"/>
-                <a:ea typeface="標楷體" panose="03000509000000000000" pitchFamily="65" charset="-120"/>
-              </a:rPr>
-              <a:t>108/9/10</a:t>
-            </a:r>
-            <a:endParaRPr lang="en-US" altLang="zh-TW" sz="4400" dirty="0">
-              <a:latin typeface="標楷體" panose="03000509000000000000" pitchFamily="65" charset="-120"/>
-              <a:ea typeface="標楷體" panose="03000509000000000000" pitchFamily="65" charset="-120"/>
-            </a:endParaRPr>
+              <a:t>:108/9/10</a:t>
+            </a:r>
           </a:p>
           <a:p>
             <a:r>
@@ -12618,13 +12610,6 @@
   <p:clrMapOvr>
     <a:masterClrMapping/>
   </p:clrMapOvr>
-  <p:timing>
-    <p:tnLst>
-      <p:par>
-        <p:cTn id="1" dur="indefinite" restart="never" nodeType="tmRoot"/>
-      </p:par>
-    </p:tnLst>
-  </p:timing>
 </p:sld>
 </file>
 
@@ -12655,17 +12640,714 @@
             <p:ph type="title"/>
           </p:nvPr>
         </p:nvSpPr>
-        <p:spPr/>
+        <p:spPr>
+          <a:xfrm>
+            <a:off x="1141412" y="656096"/>
+            <a:ext cx="9905998" cy="1478570"/>
+          </a:xfrm>
+        </p:spPr>
         <p:txBody>
           <a:bodyPr/>
           <a:lstStyle/>
           <a:p>
             <a:r>
-              <a:rPr lang="en-US" altLang="zh-TW" dirty="0" smtClean="0"/>
+              <a:rPr lang="en-US" altLang="zh-TW" dirty="0" err="1"/>
+              <a:t>Ocr</a:t>
+            </a:r>
+            <a:r>
+              <a:rPr lang="zh-TW" altLang="en-US" dirty="0"/>
+              <a:t>訓練教學</a:t>
+            </a:r>
+          </a:p>
+        </p:txBody>
+      </p:sp>
+      <p:sp>
+        <p:nvSpPr>
+          <p:cNvPr id="3" name="內容版面配置區 2"/>
+          <p:cNvSpPr>
+            <a:spLocks noGrp="1"/>
+          </p:cNvSpPr>
+          <p:nvPr>
+            <p:ph idx="1"/>
+          </p:nvPr>
+        </p:nvSpPr>
+        <p:spPr/>
+        <p:txBody>
+          <a:bodyPr/>
+          <a:lstStyle/>
+          <a:p>
+            <a:pPr marL="0" indent="0">
+              <a:buNone/>
+            </a:pPr>
+            <a:r>
+              <a:rPr lang="zh-TW" altLang="en-US" dirty="0"/>
+              <a:t>下載</a:t>
+            </a:r>
+            <a:r>
+              <a:rPr lang="en-US" altLang="zh-TW" dirty="0"/>
+              <a:t>Tesseract-OCR</a:t>
+            </a:r>
+            <a:r>
+              <a:rPr lang="zh-TW" altLang="en-US" dirty="0"/>
+              <a:t>官方命令行工具打開</a:t>
+            </a:r>
+            <a:r>
+              <a:rPr lang="en-US" altLang="zh-TW" dirty="0" err="1"/>
+              <a:t>cmd</a:t>
+            </a:r>
+            <a:r>
+              <a:rPr lang="zh-TW" altLang="en-US" dirty="0"/>
+              <a:t>命令行，輸入</a:t>
+            </a:r>
+            <a:r>
+              <a:rPr lang="en-US" altLang="zh-TW" b="1" dirty="0">
+                <a:solidFill>
+                  <a:srgbClr val="FF0000"/>
+                </a:solidFill>
+              </a:rPr>
+              <a:t>tesseract -v</a:t>
+            </a:r>
+            <a:r>
+              <a:rPr lang="zh-TW" altLang="en-US" dirty="0"/>
+              <a:t>，如果安裝成功，將會出現這樣的提示界面：</a:t>
+            </a:r>
+          </a:p>
+        </p:txBody>
+      </p:sp>
+      <p:pic>
+        <p:nvPicPr>
+          <p:cNvPr id="5" name="圖片 4"/>
+          <p:cNvPicPr>
+            <a:picLocks noChangeAspect="1"/>
+          </p:cNvPicPr>
+          <p:nvPr/>
+        </p:nvPicPr>
+        <p:blipFill>
+          <a:blip r:embed="rId2"/>
+          <a:stretch>
+            <a:fillRect/>
+          </a:stretch>
+        </p:blipFill>
+        <p:spPr>
+          <a:xfrm>
+            <a:off x="1274728" y="3367598"/>
+            <a:ext cx="9639366" cy="2380413"/>
+          </a:xfrm>
+          <a:prstGeom prst="rect">
+            <a:avLst/>
+          </a:prstGeom>
+        </p:spPr>
+      </p:pic>
+    </p:spTree>
+    <p:extLst>
+      <p:ext uri="{BB962C8B-B14F-4D97-AF65-F5344CB8AC3E}">
+        <p14:creationId xmlns:p14="http://schemas.microsoft.com/office/powerpoint/2010/main" val="2552317983"/>
+      </p:ext>
+    </p:extLst>
+  </p:cSld>
+  <p:clrMapOvr>
+    <a:masterClrMapping/>
+  </p:clrMapOvr>
+</p:sld>
+</file>
+
+<file path=ppt/slides/slide11.xml><?xml version="1.0" encoding="utf-8"?>
+<p:sld xmlns:a="http://schemas.openxmlformats.org/drawingml/2006/main" xmlns:r="http://schemas.openxmlformats.org/officeDocument/2006/relationships" xmlns:p="http://schemas.openxmlformats.org/presentationml/2006/main">
+  <p:cSld>
+    <p:spTree>
+      <p:nvGrpSpPr>
+        <p:cNvPr id="1" name=""/>
+        <p:cNvGrpSpPr/>
+        <p:nvPr/>
+      </p:nvGrpSpPr>
+      <p:grpSpPr>
+        <a:xfrm>
+          <a:off x="0" y="0"/>
+          <a:ext cx="0" cy="0"/>
+          <a:chOff x="0" y="0"/>
+          <a:chExt cx="0" cy="0"/>
+        </a:xfrm>
+      </p:grpSpPr>
+      <p:sp>
+        <p:nvSpPr>
+          <p:cNvPr id="2" name="標題 1"/>
+          <p:cNvSpPr>
+            <a:spLocks noGrp="1"/>
+          </p:cNvSpPr>
+          <p:nvPr>
+            <p:ph type="title"/>
+          </p:nvPr>
+        </p:nvSpPr>
+        <p:spPr>
+          <a:xfrm>
+            <a:off x="1041204" y="543362"/>
+            <a:ext cx="9905998" cy="1373120"/>
+          </a:xfrm>
+        </p:spPr>
+        <p:txBody>
+          <a:bodyPr/>
+          <a:lstStyle/>
+          <a:p>
+            <a:br>
+              <a:rPr lang="zh-TW" altLang="en-US" dirty="0"/>
+            </a:br>
+            <a:r>
+              <a:rPr lang="en-US" altLang="zh-TW" dirty="0"/>
+              <a:t>1.</a:t>
+            </a:r>
+            <a:r>
+              <a:rPr lang="zh-TW" altLang="en-US" dirty="0"/>
+              <a:t>準備訓練圖片</a:t>
+            </a:r>
+          </a:p>
+        </p:txBody>
+      </p:sp>
+      <p:pic>
+        <p:nvPicPr>
+          <p:cNvPr id="10" name="內容版面配置區 9"/>
+          <p:cNvPicPr>
+            <a:picLocks noGrp="1" noChangeAspect="1"/>
+          </p:cNvPicPr>
+          <p:nvPr>
+            <p:ph idx="1"/>
+          </p:nvPr>
+        </p:nvPicPr>
+        <p:blipFill>
+          <a:blip r:embed="rId2">
+            <a:extLst>
+              <a:ext uri="{28A0092B-C50C-407E-A947-70E740481C1C}">
+                <a14:useLocalDpi xmlns:a14="http://schemas.microsoft.com/office/drawing/2010/main" val="0"/>
+              </a:ext>
+            </a:extLst>
+          </a:blip>
+          <a:stretch>
+            <a:fillRect/>
+          </a:stretch>
+        </p:blipFill>
+        <p:spPr>
+          <a:xfrm>
+            <a:off x="382656" y="4353365"/>
+            <a:ext cx="5187086" cy="1812759"/>
+          </a:xfrm>
+        </p:spPr>
+      </p:pic>
+      <p:pic>
+        <p:nvPicPr>
+          <p:cNvPr id="11" name="圖片 10"/>
+          <p:cNvPicPr>
+            <a:picLocks noChangeAspect="1"/>
+          </p:cNvPicPr>
+          <p:nvPr/>
+        </p:nvPicPr>
+        <p:blipFill>
+          <a:blip r:embed="rId3">
+            <a:extLst>
+              <a:ext uri="{28A0092B-C50C-407E-A947-70E740481C1C}">
+                <a14:useLocalDpi xmlns:a14="http://schemas.microsoft.com/office/drawing/2010/main" val="0"/>
+              </a:ext>
+            </a:extLst>
+          </a:blip>
+          <a:stretch>
+            <a:fillRect/>
+          </a:stretch>
+        </p:blipFill>
+        <p:spPr>
+          <a:xfrm>
+            <a:off x="5744839" y="4353365"/>
+            <a:ext cx="6273800" cy="1812759"/>
+          </a:xfrm>
+          <a:prstGeom prst="rect">
+            <a:avLst/>
+          </a:prstGeom>
+        </p:spPr>
+      </p:pic>
+      <p:sp>
+        <p:nvSpPr>
+          <p:cNvPr id="13" name="文字方塊 12"/>
+          <p:cNvSpPr txBox="1"/>
+          <p:nvPr/>
+        </p:nvSpPr>
+        <p:spPr>
+          <a:xfrm>
+            <a:off x="1041204" y="2116899"/>
+            <a:ext cx="10795892" cy="1938992"/>
+          </a:xfrm>
+          <a:prstGeom prst="rect">
+            <a:avLst/>
+          </a:prstGeom>
+          <a:noFill/>
+        </p:spPr>
+        <p:txBody>
+          <a:bodyPr wrap="square" rtlCol="0">
+            <a:spAutoFit/>
+          </a:bodyPr>
+          <a:lstStyle/>
+          <a:p>
+            <a:r>
+              <a:rPr lang="zh-TW" altLang="en-US" sz="2400" dirty="0"/>
+              <a:t>需要將</a:t>
+            </a:r>
+            <a:r>
+              <a:rPr lang="en-US" altLang="zh-TW" sz="2400" dirty="0"/>
+              <a:t>jpg</a:t>
+            </a:r>
+            <a:r>
+              <a:rPr lang="zh-TW" altLang="en-US" sz="2400" dirty="0"/>
+              <a:t>檔轉換成</a:t>
+            </a:r>
+            <a:r>
+              <a:rPr lang="en-US" altLang="zh-TW" sz="2400" dirty="0" err="1"/>
+              <a:t>tif</a:t>
+            </a:r>
+            <a:r>
+              <a:rPr lang="zh-TW" altLang="en-US" sz="2400" dirty="0"/>
+              <a:t>檔 更換名子有嚴苛的要求 </a:t>
+            </a:r>
+            <a:r>
+              <a:rPr lang="en-US" altLang="zh-TW" sz="2400" dirty="0"/>
+              <a:t>:</a:t>
+            </a:r>
+          </a:p>
+          <a:p>
+            <a:r>
+              <a:rPr lang="zh-TW" altLang="en-US" sz="2400" dirty="0"/>
+              <a:t>         </a:t>
+            </a:r>
+            <a:r>
+              <a:rPr lang="en-US" altLang="zh-TW" sz="2400" dirty="0" err="1"/>
+              <a:t>tif</a:t>
+            </a:r>
+            <a:r>
+              <a:rPr lang="zh-TW" altLang="en-US" sz="2400" dirty="0"/>
+              <a:t>文面命名格式</a:t>
+            </a:r>
+            <a:r>
+              <a:rPr lang="en-US" altLang="zh-TW" sz="2400" dirty="0"/>
+              <a:t>[</a:t>
+            </a:r>
+            <a:r>
+              <a:rPr lang="en-US" altLang="zh-TW" sz="2400" dirty="0" err="1"/>
+              <a:t>lang</a:t>
+            </a:r>
+            <a:r>
+              <a:rPr lang="en-US" altLang="zh-TW" sz="2400" dirty="0"/>
+              <a:t>].[</a:t>
+            </a:r>
+            <a:r>
+              <a:rPr lang="en-US" altLang="zh-TW" sz="2400" dirty="0" err="1"/>
+              <a:t>fontname</a:t>
+            </a:r>
+            <a:r>
+              <a:rPr lang="en-US" altLang="zh-TW" sz="2400" dirty="0"/>
+              <a:t>].</a:t>
+            </a:r>
+            <a:r>
+              <a:rPr lang="en-US" altLang="zh-TW" sz="2400" dirty="0" err="1"/>
+              <a:t>exp</a:t>
+            </a:r>
+            <a:r>
+              <a:rPr lang="en-US" altLang="zh-TW" sz="2400" dirty="0"/>
+              <a:t>[</a:t>
+            </a:r>
+            <a:r>
+              <a:rPr lang="en-US" altLang="zh-TW" sz="2400" dirty="0" err="1"/>
+              <a:t>num</a:t>
+            </a:r>
+            <a:r>
+              <a:rPr lang="en-US" altLang="zh-TW" sz="2400" dirty="0"/>
+              <a:t>].</a:t>
+            </a:r>
+            <a:r>
+              <a:rPr lang="en-US" altLang="zh-TW" sz="2400" dirty="0" err="1"/>
+              <a:t>tif</a:t>
+            </a:r>
+            <a:endParaRPr lang="en-US" altLang="zh-TW" sz="2400" dirty="0"/>
+          </a:p>
+          <a:p>
+            <a:r>
+              <a:rPr lang="zh-TW" altLang="en-US" sz="2400" dirty="0"/>
+              <a:t>         </a:t>
+            </a:r>
+            <a:r>
+              <a:rPr lang="en-US" altLang="zh-TW" sz="2400" dirty="0" err="1"/>
+              <a:t>lang</a:t>
+            </a:r>
+            <a:r>
+              <a:rPr lang="zh-TW" altLang="en-US" sz="2400" dirty="0"/>
+              <a:t>是語言 </a:t>
+            </a:r>
+            <a:r>
+              <a:rPr lang="en-US" altLang="zh-TW" sz="2400" dirty="0" err="1"/>
+              <a:t>fontname</a:t>
+            </a:r>
+            <a:r>
+              <a:rPr lang="zh-TW" altLang="en-US" sz="2400" dirty="0"/>
+              <a:t>是字體 </a:t>
+            </a:r>
+          </a:p>
+          <a:p>
+            <a:r>
+              <a:rPr lang="zh-TW" altLang="en-US" sz="2400" dirty="0"/>
+              <a:t>         比如我們要訓練自定義字庫 </a:t>
+            </a:r>
+            <a:r>
+              <a:rPr lang="en-US" altLang="zh-TW" sz="2400" dirty="0" err="1"/>
+              <a:t>mjorcen</a:t>
+            </a:r>
+            <a:r>
+              <a:rPr lang="zh-TW" altLang="en-US" sz="2400" dirty="0"/>
+              <a:t>字體名</a:t>
+            </a:r>
+            <a:r>
+              <a:rPr lang="en-US" altLang="zh-TW" sz="2400" dirty="0"/>
+              <a:t>normal</a:t>
+            </a:r>
+          </a:p>
+          <a:p>
+            <a:r>
+              <a:rPr lang="zh-TW" altLang="en-US" sz="2400" dirty="0"/>
+              <a:t>         那麽我們把圖片文件重命名 </a:t>
+            </a:r>
+            <a:r>
+              <a:rPr lang="en-US" altLang="zh-TW" sz="2400" dirty="0"/>
+              <a:t>mjorcen.normal.exp0.jpg</a:t>
+            </a:r>
+            <a:r>
+              <a:rPr lang="zh-TW" altLang="en-US" sz="2400" dirty="0"/>
+              <a:t>在轉</a:t>
+            </a:r>
+            <a:r>
+              <a:rPr lang="en-US" altLang="zh-TW" sz="2400" dirty="0" err="1"/>
+              <a:t>tif</a:t>
+            </a:r>
+            <a:endParaRPr lang="zh-TW" altLang="en-US" sz="2400" dirty="0"/>
+          </a:p>
+        </p:txBody>
+      </p:sp>
+    </p:spTree>
+    <p:extLst>
+      <p:ext uri="{BB962C8B-B14F-4D97-AF65-F5344CB8AC3E}">
+        <p14:creationId xmlns:p14="http://schemas.microsoft.com/office/powerpoint/2010/main" val="2694080659"/>
+      </p:ext>
+    </p:extLst>
+  </p:cSld>
+  <p:clrMapOvr>
+    <a:masterClrMapping/>
+  </p:clrMapOvr>
+</p:sld>
+</file>
+
+<file path=ppt/slides/slide12.xml><?xml version="1.0" encoding="utf-8"?>
+<p:sld xmlns:a="http://schemas.openxmlformats.org/drawingml/2006/main" xmlns:r="http://schemas.openxmlformats.org/officeDocument/2006/relationships" xmlns:p="http://schemas.openxmlformats.org/presentationml/2006/main">
+  <p:cSld>
+    <p:spTree>
+      <p:nvGrpSpPr>
+        <p:cNvPr id="1" name=""/>
+        <p:cNvGrpSpPr/>
+        <p:nvPr/>
+      </p:nvGrpSpPr>
+      <p:grpSpPr>
+        <a:xfrm>
+          <a:off x="0" y="0"/>
+          <a:ext cx="0" cy="0"/>
+          <a:chOff x="0" y="0"/>
+          <a:chExt cx="0" cy="0"/>
+        </a:xfrm>
+      </p:grpSpPr>
+      <p:sp>
+        <p:nvSpPr>
+          <p:cNvPr id="2" name="標題 1"/>
+          <p:cNvSpPr>
+            <a:spLocks noGrp="1"/>
+          </p:cNvSpPr>
+          <p:nvPr>
+            <p:ph type="title"/>
+          </p:nvPr>
+        </p:nvSpPr>
+        <p:spPr/>
+        <p:txBody>
+          <a:bodyPr/>
+          <a:lstStyle/>
+          <a:p>
+            <a:r>
+              <a:rPr lang="en-US" altLang="zh-TW" dirty="0"/>
+              <a:t>2.</a:t>
+            </a:r>
+            <a:r>
+              <a:rPr lang="zh-TW" altLang="en-US" dirty="0"/>
+              <a:t>生成</a:t>
+            </a:r>
+            <a:r>
+              <a:rPr lang="en-US" altLang="zh-TW" dirty="0"/>
+              <a:t>box</a:t>
+            </a:r>
+            <a:r>
+              <a:rPr lang="zh-TW" altLang="en-US" dirty="0"/>
+              <a:t>文件</a:t>
+            </a:r>
+          </a:p>
+        </p:txBody>
+      </p:sp>
+      <p:sp>
+        <p:nvSpPr>
+          <p:cNvPr id="3" name="內容版面配置區 2"/>
+          <p:cNvSpPr>
+            <a:spLocks noGrp="1"/>
+          </p:cNvSpPr>
+          <p:nvPr>
+            <p:ph idx="1"/>
+          </p:nvPr>
+        </p:nvSpPr>
+        <p:spPr>
+          <a:xfrm>
+            <a:off x="1141412" y="2249486"/>
+            <a:ext cx="9905999" cy="4339203"/>
+          </a:xfrm>
+        </p:spPr>
+        <p:txBody>
+          <a:bodyPr/>
+          <a:lstStyle/>
+          <a:p>
+            <a:r>
+              <a:rPr lang="zh-TW" altLang="en-US" dirty="0"/>
+              <a:t>將上面兩個圖片轉換為</a:t>
+            </a:r>
+            <a:r>
+              <a:rPr lang="en-US" altLang="zh-TW" dirty="0"/>
+              <a:t>box</a:t>
+            </a:r>
+            <a:r>
+              <a:rPr lang="zh-TW" altLang="en-US" dirty="0"/>
+              <a:t>檔 在</a:t>
+            </a:r>
+            <a:r>
+              <a:rPr lang="en-US" altLang="zh-TW" dirty="0" err="1"/>
+              <a:t>cmd</a:t>
+            </a:r>
+            <a:r>
+              <a:rPr lang="zh-TW" altLang="en-US" dirty="0"/>
+              <a:t>終端指令中輸入 </a:t>
+            </a:r>
+            <a:endParaRPr lang="en-US" altLang="zh-TW" dirty="0"/>
+          </a:p>
+          <a:p>
+            <a:pPr marL="0" indent="0">
+              <a:buNone/>
+            </a:pPr>
+            <a:endParaRPr lang="en-US" altLang="zh-TW" dirty="0"/>
+          </a:p>
+          <a:p>
+            <a:pPr marL="0" indent="0">
+              <a:buNone/>
+            </a:pPr>
+            <a:r>
+              <a:rPr lang="zh-TW" altLang="en-US" sz="1800" b="1" dirty="0">
+                <a:solidFill>
+                  <a:srgbClr val="FF0000"/>
+                </a:solidFill>
+              </a:rPr>
+              <a:t>         </a:t>
+            </a:r>
+            <a:r>
+              <a:rPr lang="en-US" altLang="zh-TW" sz="1800" b="1" dirty="0">
+                <a:solidFill>
+                  <a:srgbClr val="FF0000"/>
+                </a:solidFill>
+              </a:rPr>
+              <a:t>tesseract mjorcen.normal.exp0.jpg mjorcen.normal.exp0 -l </a:t>
+            </a:r>
+            <a:r>
+              <a:rPr lang="en-US" altLang="zh-TW" sz="1800" b="1" dirty="0" err="1">
+                <a:solidFill>
+                  <a:srgbClr val="FF0000"/>
+                </a:solidFill>
+              </a:rPr>
+              <a:t>eng</a:t>
+            </a:r>
+            <a:r>
+              <a:rPr lang="zh-TW" altLang="en-US" sz="1800" b="1" dirty="0">
+                <a:solidFill>
+                  <a:srgbClr val="FF0000"/>
+                </a:solidFill>
+              </a:rPr>
+              <a:t> </a:t>
+            </a:r>
+            <a:r>
+              <a:rPr lang="en-US" altLang="zh-TW" sz="1800" b="1" dirty="0" err="1">
+                <a:solidFill>
+                  <a:srgbClr val="FF0000"/>
+                </a:solidFill>
+              </a:rPr>
+              <a:t>batch.nochop</a:t>
+            </a:r>
+            <a:r>
+              <a:rPr lang="en-US" altLang="zh-TW" sz="1800" b="1" dirty="0">
+                <a:solidFill>
+                  <a:srgbClr val="FF0000"/>
+                </a:solidFill>
+              </a:rPr>
+              <a:t> </a:t>
+            </a:r>
+            <a:r>
+              <a:rPr lang="en-US" altLang="zh-TW" sz="1800" b="1" dirty="0" err="1">
+                <a:solidFill>
+                  <a:srgbClr val="FF0000"/>
+                </a:solidFill>
+              </a:rPr>
+              <a:t>makebox</a:t>
+            </a:r>
+            <a:endParaRPr lang="en-US" altLang="zh-TW" sz="1800" b="1" dirty="0">
+              <a:solidFill>
+                <a:srgbClr val="FF0000"/>
+              </a:solidFill>
+            </a:endParaRPr>
+          </a:p>
+          <a:p>
+            <a:pPr marL="0" indent="0">
+              <a:buNone/>
+            </a:pPr>
+            <a:endParaRPr lang="en-US" altLang="zh-TW" sz="1800" dirty="0">
+              <a:solidFill>
+                <a:srgbClr val="FF0000"/>
+              </a:solidFill>
+            </a:endParaRPr>
+          </a:p>
+          <a:p>
+            <a:pPr marL="0" indent="0">
+              <a:buNone/>
+            </a:pPr>
+            <a:r>
+              <a:rPr lang="en-US" altLang="zh-TW" sz="1800" dirty="0"/>
+              <a:t>                            </a:t>
+            </a:r>
+          </a:p>
+          <a:p>
+            <a:pPr marL="0" indent="0">
+              <a:buNone/>
+            </a:pPr>
+            <a:endParaRPr lang="en-US" altLang="zh-TW" sz="1800" dirty="0"/>
+          </a:p>
+          <a:p>
+            <a:pPr marL="0" indent="0">
+              <a:buNone/>
+            </a:pPr>
+            <a:r>
+              <a:rPr lang="en-US" altLang="zh-TW" sz="1800" dirty="0"/>
+              <a:t>                             box</a:t>
+            </a:r>
+            <a:r>
+              <a:rPr lang="zh-TW" altLang="en-US" sz="1800" dirty="0"/>
+              <a:t>文件和對應的</a:t>
+            </a:r>
+            <a:r>
+              <a:rPr lang="en-US" altLang="zh-TW" sz="1800" dirty="0" err="1"/>
+              <a:t>tif</a:t>
+            </a:r>
+            <a:r>
+              <a:rPr lang="zh-TW" altLang="en-US" sz="1800" dirty="0"/>
+              <a:t>一定要在相同的目錄下，不然後面打不開。</a:t>
+            </a:r>
+            <a:endParaRPr lang="en-US" altLang="zh-TW" sz="1800" dirty="0"/>
+          </a:p>
+          <a:p>
+            <a:pPr marL="0" indent="0">
+              <a:buNone/>
+            </a:pPr>
+            <a:endParaRPr lang="en-US" altLang="zh-TW" sz="1800" dirty="0"/>
+          </a:p>
+          <a:p>
+            <a:pPr marL="0" indent="0">
+              <a:buNone/>
+            </a:pPr>
+            <a:r>
+              <a:rPr lang="en-US" altLang="zh-TW" sz="1800" dirty="0"/>
+              <a:t>                             </a:t>
+            </a:r>
+            <a:endParaRPr lang="zh-TW" altLang="en-US" sz="1800" dirty="0"/>
+          </a:p>
+        </p:txBody>
+      </p:sp>
+      <p:pic>
+        <p:nvPicPr>
+          <p:cNvPr id="5" name="圖片 4"/>
+          <p:cNvPicPr>
+            <a:picLocks noChangeAspect="1"/>
+          </p:cNvPicPr>
+          <p:nvPr/>
+        </p:nvPicPr>
+        <p:blipFill>
+          <a:blip r:embed="rId2">
+            <a:extLst>
+              <a:ext uri="{28A0092B-C50C-407E-A947-70E740481C1C}">
+                <a14:useLocalDpi xmlns:a14="http://schemas.microsoft.com/office/drawing/2010/main" val="0"/>
+              </a:ext>
+            </a:extLst>
+          </a:blip>
+          <a:stretch>
+            <a:fillRect/>
+          </a:stretch>
+        </p:blipFill>
+        <p:spPr>
+          <a:xfrm>
+            <a:off x="1884636" y="4193619"/>
+            <a:ext cx="1057423" cy="1343212"/>
+          </a:xfrm>
+          <a:prstGeom prst="rect">
+            <a:avLst/>
+          </a:prstGeom>
+        </p:spPr>
+      </p:pic>
+    </p:spTree>
+    <p:extLst>
+      <p:ext uri="{BB962C8B-B14F-4D97-AF65-F5344CB8AC3E}">
+        <p14:creationId xmlns:p14="http://schemas.microsoft.com/office/powerpoint/2010/main" val="2469697569"/>
+      </p:ext>
+    </p:extLst>
+  </p:cSld>
+  <p:clrMapOvr>
+    <a:masterClrMapping/>
+  </p:clrMapOvr>
+</p:sld>
+</file>
+
+<file path=ppt/slides/slide13.xml><?xml version="1.0" encoding="utf-8"?>
+<p:sld xmlns:a="http://schemas.openxmlformats.org/drawingml/2006/main" xmlns:r="http://schemas.openxmlformats.org/officeDocument/2006/relationships" xmlns:p="http://schemas.openxmlformats.org/presentationml/2006/main">
+  <p:cSld>
+    <p:spTree>
+      <p:nvGrpSpPr>
+        <p:cNvPr id="1" name=""/>
+        <p:cNvGrpSpPr/>
+        <p:nvPr/>
+      </p:nvGrpSpPr>
+      <p:grpSpPr>
+        <a:xfrm>
+          <a:off x="0" y="0"/>
+          <a:ext cx="0" cy="0"/>
+          <a:chOff x="0" y="0"/>
+          <a:chExt cx="0" cy="0"/>
+        </a:xfrm>
+      </p:grpSpPr>
+      <p:sp>
+        <p:nvSpPr>
+          <p:cNvPr id="2" name="標題 1"/>
+          <p:cNvSpPr>
+            <a:spLocks noGrp="1"/>
+          </p:cNvSpPr>
+          <p:nvPr>
+            <p:ph type="title"/>
+          </p:nvPr>
+        </p:nvSpPr>
+        <p:spPr/>
+        <p:txBody>
+          <a:bodyPr/>
+          <a:lstStyle/>
+          <a:p>
+            <a:r>
+              <a:rPr lang="en-US" altLang="zh-TW" dirty="0"/>
               <a:t>3.</a:t>
             </a:r>
             <a:r>
-              <a:rPr lang="zh-TW" altLang="en-US" dirty="0" smtClean="0"/>
+              <a:rPr lang="zh-TW" altLang="en-US" dirty="0"/>
               <a:t>打開</a:t>
             </a:r>
             <a:r>
@@ -12731,20 +13413,16 @@
           <a:lstStyle/>
           <a:p>
             <a:r>
-              <a:rPr lang="zh-TW" altLang="en-US" sz="2400" dirty="0" smtClean="0"/>
+              <a:rPr lang="zh-TW" altLang="en-US" sz="2400" dirty="0"/>
               <a:t>   矯正錯誤並且透過</a:t>
             </a:r>
             <a:r>
-              <a:rPr lang="en-US" altLang="zh-TW" sz="2400" dirty="0" err="1" smtClean="0"/>
+              <a:rPr lang="en-US" altLang="zh-TW" sz="2400" dirty="0" err="1"/>
               <a:t>jTessBoxEditor</a:t>
             </a:r>
             <a:r>
-              <a:rPr lang="zh-TW" altLang="en-US" sz="2400" dirty="0" smtClean="0"/>
-              <a:t>引導式學習 可以減少訓練檔的數量</a:t>
-            </a:r>
-            <a:r>
               <a:rPr lang="zh-TW" altLang="en-US" sz="2400" dirty="0"/>
-              <a:t>默認生成的</a:t>
+              <a:t>引導式學習 可以減少訓練檔的數量默認生成的</a:t>
             </a:r>
             <a:r>
               <a:rPr lang="en-US" altLang="zh-TW" sz="2400" dirty="0"/>
@@ -12845,17 +13523,10 @@
   <p:clrMapOvr>
     <a:masterClrMapping/>
   </p:clrMapOvr>
-  <p:timing>
-    <p:tnLst>
-      <p:par>
-        <p:cTn id="1" dur="indefinite" restart="never" nodeType="tmRoot"/>
-      </p:par>
-    </p:tnLst>
-  </p:timing>
 </p:sld>
 </file>
 
-<file path=ppt/slides/slide11.xml><?xml version="1.0" encoding="utf-8"?>
+<file path=ppt/slides/slide14.xml><?xml version="1.0" encoding="utf-8"?>
 <p:sld xmlns:a="http://schemas.openxmlformats.org/drawingml/2006/main" xmlns:r="http://schemas.openxmlformats.org/officeDocument/2006/relationships" xmlns:p="http://schemas.openxmlformats.org/presentationml/2006/main">
   <p:cSld>
     <p:spTree>
@@ -12888,14 +13559,13 @@
           <a:lstStyle/>
           <a:p>
             <a:r>
-              <a:rPr lang="en-US" altLang="zh-TW" dirty="0" smtClean="0"/>
+              <a:rPr lang="en-US" altLang="zh-TW" dirty="0"/>
               <a:t>4.</a:t>
             </a:r>
             <a:r>
-              <a:rPr lang="zh-TW" altLang="en-US" dirty="0" smtClean="0"/>
+              <a:rPr lang="zh-TW" altLang="en-US" dirty="0"/>
               <a:t>訓練</a:t>
             </a:r>
-            <a:endParaRPr lang="zh-TW" altLang="en-US" dirty="0"/>
           </a:p>
         </p:txBody>
       </p:sp>
@@ -12918,42 +13588,26 @@
               <a:buNone/>
             </a:pPr>
             <a:r>
-              <a:rPr lang="zh-TW" altLang="en-US" dirty="0" smtClean="0"/>
+              <a:rPr lang="zh-TW" altLang="en-US" dirty="0"/>
               <a:t> 只要在</a:t>
             </a:r>
             <a:r>
-              <a:rPr lang="en-US" altLang="zh-TW" dirty="0" err="1" smtClean="0"/>
+              <a:rPr lang="en-US" altLang="zh-TW" dirty="0" err="1"/>
               <a:t>cmd</a:t>
             </a:r>
             <a:r>
-              <a:rPr lang="zh-TW" altLang="en-US" dirty="0" smtClean="0"/>
-              <a:t>命令行</a:t>
-            </a:r>
-            <a:r>
               <a:rPr lang="zh-TW" altLang="en-US" dirty="0"/>
-              <a:t>輸入命令即可</a:t>
-            </a:r>
-            <a:r>
-              <a:rPr lang="zh-TW" altLang="en-US" dirty="0" smtClean="0"/>
-              <a:t>。</a:t>
-            </a:r>
-            <a:endParaRPr lang="en-US" altLang="zh-TW" dirty="0" smtClean="0"/>
+              <a:t>命令行輸入命令即可。</a:t>
+            </a:r>
+            <a:endParaRPr lang="en-US" altLang="zh-TW" dirty="0"/>
           </a:p>
           <a:p>
             <a:pPr marL="0" indent="0">
               <a:buNone/>
             </a:pPr>
             <a:r>
-              <a:rPr lang="zh-TW" altLang="en-US" dirty="0" smtClean="0"/>
+              <a:rPr lang="zh-TW" altLang="en-US" dirty="0"/>
               <a:t>     </a:t>
-            </a:r>
-            <a:r>
-              <a:rPr lang="en-US" altLang="zh-TW" dirty="0" smtClean="0">
-                <a:solidFill>
-                  <a:srgbClr val="FF0000"/>
-                </a:solidFill>
-              </a:rPr>
-              <a:t>tesseract  </a:t>
             </a:r>
             <a:r>
               <a:rPr lang="en-US" altLang="zh-TW" dirty="0">
@@ -12961,7 +13615,7 @@
                   <a:srgbClr val="FF0000"/>
                 </a:solidFill>
               </a:rPr>
-              <a:t>mjorcen.normal.exp0.jpg mjorcen.normal.exp0  </a:t>
+              <a:t>tesseract  mjorcen.normal.exp0.jpg mjorcen.normal.exp0  </a:t>
             </a:r>
             <a:r>
               <a:rPr lang="en-US" altLang="zh-TW" dirty="0" err="1">
@@ -12980,14 +13634,14 @@
               <a:t> </a:t>
             </a:r>
             <a:r>
-              <a:rPr lang="en-US" altLang="zh-TW" dirty="0" err="1" smtClean="0">
+              <a:rPr lang="en-US" altLang="zh-TW" dirty="0" err="1">
                 <a:solidFill>
                   <a:srgbClr val="FF0000"/>
                 </a:solidFill>
               </a:rPr>
               <a:t>box.train</a:t>
             </a:r>
-            <a:endParaRPr lang="en-US" altLang="zh-TW" dirty="0" smtClean="0">
+            <a:endParaRPr lang="en-US" altLang="zh-TW" dirty="0">
               <a:solidFill>
                 <a:srgbClr val="FF0000"/>
               </a:solidFill>
@@ -12998,7 +13652,7 @@
               <a:buNone/>
             </a:pPr>
             <a:r>
-              <a:rPr lang="zh-TW" altLang="en-US" dirty="0" smtClean="0">
+              <a:rPr lang="zh-TW" altLang="en-US" dirty="0">
                 <a:solidFill>
                   <a:srgbClr val="FF0000"/>
                 </a:solidFill>
@@ -13006,7 +13660,7 @@
               <a:t>     </a:t>
             </a:r>
             <a:r>
-              <a:rPr lang="en-US" altLang="zh-TW" dirty="0" err="1" smtClean="0">
+              <a:rPr lang="en-US" altLang="zh-TW" dirty="0" err="1">
                 <a:solidFill>
                   <a:srgbClr val="FF0000"/>
                 </a:solidFill>
@@ -13014,20 +13668,12 @@
               <a:t>unicharset_extractor</a:t>
             </a:r>
             <a:r>
-              <a:rPr lang="en-US" altLang="zh-TW" dirty="0" smtClean="0">
-                <a:solidFill>
-                  <a:srgbClr val="FF0000"/>
-                </a:solidFill>
-              </a:rPr>
-              <a:t> </a:t>
-            </a:r>
-            <a:r>
               <a:rPr lang="en-US" altLang="zh-TW" dirty="0">
                 <a:solidFill>
                   <a:srgbClr val="FF0000"/>
                 </a:solidFill>
               </a:rPr>
-              <a:t>mjorcen.normal.exp0.box</a:t>
+              <a:t> mjorcen.normal.exp0.box</a:t>
             </a:r>
             <a:endParaRPr lang="zh-TW" altLang="en-US" dirty="0">
               <a:solidFill>
@@ -13077,17 +13723,10 @@
   <p:clrMapOvr>
     <a:masterClrMapping/>
   </p:clrMapOvr>
-  <p:timing>
-    <p:tnLst>
-      <p:par>
-        <p:cTn id="1" dur="indefinite" restart="never" nodeType="tmRoot"/>
-      </p:par>
-    </p:tnLst>
-  </p:timing>
 </p:sld>
 </file>
 
-<file path=ppt/slides/slide12.xml><?xml version="1.0" encoding="utf-8"?>
+<file path=ppt/slides/slide15.xml><?xml version="1.0" encoding="utf-8"?>
 <p:sld xmlns:a="http://schemas.openxmlformats.org/drawingml/2006/main" xmlns:r="http://schemas.openxmlformats.org/officeDocument/2006/relationships" xmlns:p="http://schemas.openxmlformats.org/presentationml/2006/main">
   <p:cSld>
     <p:spTree>
@@ -13120,19 +13759,19 @@
           <a:lstStyle/>
           <a:p>
             <a:r>
-              <a:rPr lang="zh-TW" altLang="en-US" dirty="0" smtClean="0"/>
+              <a:rPr lang="zh-TW" altLang="en-US" dirty="0"/>
               <a:t>法</a:t>
             </a:r>
             <a:r>
-              <a:rPr lang="en-US" altLang="zh-TW" dirty="0" smtClean="0"/>
+              <a:rPr lang="en-US" altLang="zh-TW" dirty="0"/>
               <a:t>1 </a:t>
             </a:r>
             <a:r>
-              <a:rPr lang="zh-TW" altLang="en-US" dirty="0" smtClean="0"/>
+              <a:rPr lang="zh-TW" altLang="en-US" dirty="0"/>
               <a:t>新建</a:t>
             </a:r>
             <a:r>
-              <a:rPr lang="en-US" altLang="zh-TW" dirty="0" err="1" smtClean="0"/>
+              <a:rPr lang="en-US" altLang="zh-TW" dirty="0" err="1"/>
               <a:t>font_properties</a:t>
             </a:r>
             <a:r>
@@ -13172,25 +13811,16 @@
             </a:r>
             <a:r>
               <a:rPr lang="zh-TW" altLang="en-US" dirty="0"/>
-              <a:t>表示默認普通</a:t>
-            </a:r>
-            <a:r>
-              <a:rPr lang="zh-TW" altLang="en-US" dirty="0" smtClean="0"/>
-              <a:t>字體 並且刪除</a:t>
-            </a:r>
-            <a:r>
-              <a:rPr lang="en-US" altLang="zh-TW" dirty="0" smtClean="0"/>
+              <a:t>表示默認普通字體 並且刪除</a:t>
+            </a:r>
+            <a:r>
+              <a:rPr lang="en-US" altLang="zh-TW" dirty="0"/>
               <a:t>txt</a:t>
             </a:r>
             <a:r>
               <a:rPr lang="zh-TW" altLang="en-US" dirty="0"/>
-              <a:t>副</a:t>
-            </a:r>
-            <a:r>
-              <a:rPr lang="zh-TW" altLang="en-US" dirty="0" smtClean="0"/>
-              <a:t>檔名</a:t>
-            </a:r>
-            <a:endParaRPr lang="zh-TW" altLang="en-US" dirty="0"/>
+              <a:t>副檔名</a:t>
+            </a:r>
           </a:p>
         </p:txBody>
       </p:sp>
@@ -13294,17 +13924,10 @@
   <p:clrMapOvr>
     <a:masterClrMapping/>
   </p:clrMapOvr>
-  <p:timing>
-    <p:tnLst>
-      <p:par>
-        <p:cTn id="1" dur="indefinite" restart="never" nodeType="tmRoot"/>
-      </p:par>
-    </p:tnLst>
-  </p:timing>
 </p:sld>
 </file>
 
-<file path=ppt/slides/slide13.xml><?xml version="1.0" encoding="utf-8"?>
+<file path=ppt/slides/slide16.xml><?xml version="1.0" encoding="utf-8"?>
 <p:sld xmlns:a="http://schemas.openxmlformats.org/drawingml/2006/main" xmlns:r="http://schemas.openxmlformats.org/officeDocument/2006/relationships" xmlns:p="http://schemas.openxmlformats.org/presentationml/2006/main">
   <p:cSld>
     <p:spTree>
@@ -13337,15 +13960,15 @@
           <a:lstStyle/>
           <a:p>
             <a:r>
-              <a:rPr lang="zh-TW" altLang="en-US" dirty="0" smtClean="0"/>
+              <a:rPr lang="zh-TW" altLang="en-US" dirty="0"/>
               <a:t>法</a:t>
             </a:r>
             <a:r>
-              <a:rPr lang="en-US" altLang="zh-TW" dirty="0" smtClean="0"/>
+              <a:rPr lang="en-US" altLang="zh-TW" dirty="0"/>
               <a:t>2 </a:t>
             </a:r>
             <a:r>
-              <a:rPr lang="zh-TW" altLang="en-US" dirty="0" smtClean="0"/>
+              <a:rPr lang="zh-TW" altLang="en-US" dirty="0"/>
               <a:t>新建</a:t>
             </a:r>
             <a:r>
@@ -13383,15 +14006,15 @@
               <a:buNone/>
             </a:pPr>
             <a:r>
-              <a:rPr lang="zh-TW" altLang="en-US" dirty="0" smtClean="0"/>
+              <a:rPr lang="zh-TW" altLang="en-US" dirty="0"/>
               <a:t>打開</a:t>
             </a:r>
             <a:r>
-              <a:rPr lang="en-US" altLang="zh-TW" dirty="0" err="1" smtClean="0"/>
+              <a:rPr lang="en-US" altLang="zh-TW" dirty="0" err="1"/>
               <a:t>cmd</a:t>
             </a:r>
             <a:r>
-              <a:rPr lang="zh-TW" altLang="en-US" dirty="0" smtClean="0"/>
+              <a:rPr lang="zh-TW" altLang="en-US" dirty="0"/>
               <a:t>輸入 </a:t>
             </a:r>
             <a:r>
@@ -13400,29 +14023,16 @@
                   <a:srgbClr val="FF0000"/>
                 </a:solidFill>
               </a:rPr>
-              <a:t>echo font 0 0 0 0 </a:t>
-            </a:r>
-            <a:r>
-              <a:rPr lang="fr-FR" altLang="zh-TW" dirty="0" smtClean="0">
-                <a:solidFill>
-                  <a:srgbClr val="FF0000"/>
-                </a:solidFill>
-              </a:rPr>
-              <a:t>0&gt;font_properties</a:t>
-            </a:r>
-            <a:r>
-              <a:rPr lang="zh-TW" altLang="en-US" dirty="0" smtClean="0">
+              <a:t>echo font 0 0 0 0 0&gt;font_properties</a:t>
+            </a:r>
+            <a:r>
+              <a:rPr lang="zh-TW" altLang="en-US" dirty="0">
                 <a:solidFill>
                   <a:srgbClr val="FF0000"/>
                 </a:solidFill>
               </a:rPr>
               <a:t> </a:t>
             </a:r>
-            <a:endParaRPr lang="zh-TW" altLang="en-US" dirty="0">
-              <a:solidFill>
-                <a:srgbClr val="FF0000"/>
-              </a:solidFill>
-            </a:endParaRPr>
           </a:p>
         </p:txBody>
       </p:sp>
@@ -13509,11 +14119,11 @@
           <a:lstStyle/>
           <a:p>
             <a:r>
-              <a:rPr lang="zh-TW" altLang="en-US" dirty="0" smtClean="0"/>
+              <a:rPr lang="zh-TW" altLang="en-US" dirty="0"/>
               <a:t>輸出結果 </a:t>
             </a:r>
             <a:r>
-              <a:rPr lang="en-US" altLang="zh-TW" dirty="0" smtClean="0"/>
+              <a:rPr lang="en-US" altLang="zh-TW" dirty="0"/>
               <a:t>:</a:t>
             </a:r>
             <a:endParaRPr lang="zh-TW" altLang="en-US" dirty="0"/>
@@ -13567,10 +14177,9 @@
           <a:lstStyle/>
           <a:p>
             <a:r>
-              <a:rPr lang="zh-TW" altLang="en-US" dirty="0" smtClean="0"/>
+              <a:rPr lang="zh-TW" altLang="en-US" dirty="0"/>
               <a:t>最終結果</a:t>
             </a:r>
-            <a:endParaRPr lang="zh-TW" altLang="en-US" dirty="0"/>
           </a:p>
         </p:txBody>
       </p:sp>
@@ -13584,17 +14193,10 @@
   <p:clrMapOvr>
     <a:masterClrMapping/>
   </p:clrMapOvr>
-  <p:timing>
-    <p:tnLst>
-      <p:par>
-        <p:cTn id="1" dur="indefinite" restart="never" nodeType="tmRoot"/>
-      </p:par>
-    </p:tnLst>
-  </p:timing>
 </p:sld>
 </file>
 
-<file path=ppt/slides/slide14.xml><?xml version="1.0" encoding="utf-8"?>
+<file path=ppt/slides/slide17.xml><?xml version="1.0" encoding="utf-8"?>
 <p:sld xmlns:a="http://schemas.openxmlformats.org/drawingml/2006/main" xmlns:r="http://schemas.openxmlformats.org/officeDocument/2006/relationships" xmlns:p="http://schemas.openxmlformats.org/presentationml/2006/main">
   <p:cSld>
     <p:spTree>
@@ -13632,12 +14234,8 @@
           <a:lstStyle/>
           <a:p>
             <a:r>
-              <a:rPr lang="zh-TW" altLang="en-US" dirty="0" smtClean="0"/>
-              <a:t>生成指令</a:t>
-            </a:r>
-            <a:r>
               <a:rPr lang="zh-TW" altLang="en-US" dirty="0"/>
-              <a:t>檔</a:t>
+              <a:t>生成指令檔</a:t>
             </a:r>
           </a:p>
         </p:txBody>
@@ -13671,17 +14269,9 @@
                   <a:srgbClr val="FF0000"/>
                 </a:solidFill>
               </a:rPr>
-              <a:t> </a:t>
-            </a:r>
-            <a:r>
-              <a:rPr lang="zh-TW" altLang="en-US" sz="2000" dirty="0" smtClean="0">
-                <a:solidFill>
-                  <a:srgbClr val="FF0000"/>
-                </a:solidFill>
-              </a:rPr>
-              <a:t>  </a:t>
-            </a:r>
-            <a:endParaRPr lang="en-US" altLang="zh-TW" sz="2000" dirty="0" smtClean="0">
+              <a:t>   </a:t>
+            </a:r>
+            <a:endParaRPr lang="en-US" altLang="zh-TW" sz="2000" dirty="0">
               <a:solidFill>
                 <a:srgbClr val="FF0000"/>
               </a:solidFill>
@@ -13689,7 +14279,7 @@
           </a:p>
           <a:p>
             <a:r>
-              <a:rPr lang="en-US" altLang="zh-TW" sz="2000" dirty="0" err="1" smtClean="0">
+              <a:rPr lang="en-US" altLang="zh-TW" sz="2000" dirty="0" err="1">
                 <a:solidFill>
                   <a:srgbClr val="FF0000"/>
                 </a:solidFill>
@@ -13697,7 +14287,7 @@
               <a:t>shapeclustering</a:t>
             </a:r>
             <a:r>
-              <a:rPr lang="en-US" altLang="zh-TW" sz="2000" dirty="0" smtClean="0">
+              <a:rPr lang="en-US" altLang="zh-TW" sz="2000" dirty="0">
                 <a:solidFill>
                   <a:srgbClr val="FF0000"/>
                 </a:solidFill>
@@ -13705,7 +14295,7 @@
               <a:t> -F </a:t>
             </a:r>
             <a:r>
-              <a:rPr lang="en-US" altLang="zh-TW" sz="2000" dirty="0" err="1" smtClean="0">
+              <a:rPr lang="en-US" altLang="zh-TW" sz="2000" dirty="0" err="1">
                 <a:solidFill>
                   <a:srgbClr val="FF0000"/>
                 </a:solidFill>
@@ -13713,7 +14303,7 @@
               <a:t>font_properties</a:t>
             </a:r>
             <a:r>
-              <a:rPr lang="en-US" altLang="zh-TW" sz="2000" dirty="0" smtClean="0">
+              <a:rPr lang="en-US" altLang="zh-TW" sz="2000" dirty="0">
                 <a:solidFill>
                   <a:srgbClr val="FF0000"/>
                 </a:solidFill>
@@ -13721,7 +14311,7 @@
               <a:t> -U </a:t>
             </a:r>
             <a:r>
-              <a:rPr lang="en-US" altLang="zh-TW" sz="2000" dirty="0" err="1" smtClean="0">
+              <a:rPr lang="en-US" altLang="zh-TW" sz="2000" dirty="0" err="1">
                 <a:solidFill>
                   <a:srgbClr val="FF0000"/>
                 </a:solidFill>
@@ -13729,7 +14319,7 @@
               <a:t>unicharset</a:t>
             </a:r>
             <a:r>
-              <a:rPr lang="en-US" altLang="zh-TW" sz="2000" dirty="0" smtClean="0">
+              <a:rPr lang="en-US" altLang="zh-TW" sz="2000" dirty="0">
                 <a:solidFill>
                   <a:srgbClr val="FF0000"/>
                 </a:solidFill>
@@ -13739,7 +14329,7 @@
           </a:p>
           <a:p>
             <a:r>
-              <a:rPr lang="en-US" altLang="zh-TW" sz="2000" dirty="0" smtClean="0">
+              <a:rPr lang="en-US" altLang="zh-TW" sz="2000" dirty="0">
                 <a:solidFill>
                   <a:srgbClr val="FF0000"/>
                 </a:solidFill>
@@ -13747,7 +14337,7 @@
               <a:t>mjorcen.normal.exp0.trmftraining -F </a:t>
             </a:r>
             <a:r>
-              <a:rPr lang="en-US" altLang="zh-TW" sz="2000" dirty="0" err="1" smtClean="0">
+              <a:rPr lang="en-US" altLang="zh-TW" sz="2000" dirty="0" err="1">
                 <a:solidFill>
                   <a:srgbClr val="FF0000"/>
                 </a:solidFill>
@@ -13755,7 +14345,7 @@
               <a:t>font_properties</a:t>
             </a:r>
             <a:r>
-              <a:rPr lang="en-US" altLang="zh-TW" sz="2000" dirty="0" smtClean="0">
+              <a:rPr lang="en-US" altLang="zh-TW" sz="2000" dirty="0">
                 <a:solidFill>
                   <a:srgbClr val="FF0000"/>
                 </a:solidFill>
@@ -13763,7 +14353,7 @@
               <a:t> -U </a:t>
             </a:r>
             <a:r>
-              <a:rPr lang="en-US" altLang="zh-TW" sz="2000" dirty="0" err="1" smtClean="0">
+              <a:rPr lang="en-US" altLang="zh-TW" sz="2000" dirty="0" err="1">
                 <a:solidFill>
                   <a:srgbClr val="FF0000"/>
                 </a:solidFill>
@@ -13771,7 +14361,7 @@
               <a:t>unicharset</a:t>
             </a:r>
             <a:r>
-              <a:rPr lang="en-US" altLang="zh-TW" sz="2000" dirty="0" smtClean="0">
+              <a:rPr lang="en-US" altLang="zh-TW" sz="2000" dirty="0">
                 <a:solidFill>
                   <a:srgbClr val="FF0000"/>
                 </a:solidFill>
@@ -13779,52 +14369,13 @@
               <a:t> -O </a:t>
             </a:r>
             <a:r>
-              <a:rPr lang="en-US" altLang="zh-TW" sz="2000" dirty="0" err="1" smtClean="0">
+              <a:rPr lang="en-US" altLang="zh-TW" sz="2000" dirty="0" err="1">
                 <a:solidFill>
                   <a:srgbClr val="FF0000"/>
                 </a:solidFill>
               </a:rPr>
               <a:t>unicharset</a:t>
             </a:r>
-            <a:r>
-              <a:rPr lang="zh-TW" altLang="en-US" sz="2000" dirty="0" smtClean="0">
-                <a:solidFill>
-                  <a:srgbClr val="FF0000"/>
-                </a:solidFill>
-              </a:rPr>
-              <a:t> </a:t>
-            </a:r>
-            <a:r>
-              <a:rPr lang="en-US" altLang="zh-TW" sz="2000" dirty="0" smtClean="0">
-                <a:solidFill>
-                  <a:srgbClr val="FF0000"/>
-                </a:solidFill>
-              </a:rPr>
-              <a:t>mjorcen.normal.exp0.tr</a:t>
-            </a:r>
-          </a:p>
-          <a:p>
-            <a:r>
-              <a:rPr lang="en-US" altLang="zh-TW" sz="2000" dirty="0" err="1" smtClean="0">
-                <a:solidFill>
-                  <a:srgbClr val="FF0000"/>
-                </a:solidFill>
-              </a:rPr>
-              <a:t>cntraining</a:t>
-            </a:r>
-            <a:r>
-              <a:rPr lang="en-US" altLang="zh-TW" sz="2000" dirty="0" smtClean="0">
-                <a:solidFill>
-                  <a:srgbClr val="FF0000"/>
-                </a:solidFill>
-              </a:rPr>
-              <a:t> mjorcen.normal.exp0.tr</a:t>
-            </a:r>
-          </a:p>
-          <a:p>
-            <a:pPr marL="0" indent="0">
-              <a:buNone/>
-            </a:pPr>
             <a:r>
               <a:rPr lang="zh-TW" altLang="en-US" sz="2000" dirty="0">
                 <a:solidFill>
@@ -13834,20 +14385,43 @@
               <a:t> </a:t>
             </a:r>
             <a:r>
-              <a:rPr lang="zh-TW" altLang="en-US" sz="2000" dirty="0" smtClean="0">
+              <a:rPr lang="en-US" altLang="zh-TW" sz="2000" dirty="0">
                 <a:solidFill>
                   <a:srgbClr val="FF0000"/>
                 </a:solidFill>
               </a:rPr>
-              <a:t>  </a:t>
-            </a:r>
-            <a:r>
-              <a:rPr lang="zh-TW" altLang="en-US" sz="2000" dirty="0" smtClean="0">
+              <a:t>mjorcen.normal.exp0.tr</a:t>
+            </a:r>
+          </a:p>
+          <a:p>
+            <a:r>
+              <a:rPr lang="en-US" altLang="zh-TW" sz="2000" dirty="0" err="1">
                 <a:solidFill>
-                  <a:schemeClr val="bg1"/>
+                  <a:srgbClr val="FF0000"/>
                 </a:solidFill>
               </a:rPr>
-              <a:t>最後</a:t>
+              <a:t>cntraining</a:t>
+            </a:r>
+            <a:r>
+              <a:rPr lang="en-US" altLang="zh-TW" sz="2000" dirty="0">
+                <a:solidFill>
+                  <a:srgbClr val="FF0000"/>
+                </a:solidFill>
+              </a:rPr>
+              <a:t> mjorcen.normal.exp0.tr</a:t>
+            </a:r>
+          </a:p>
+          <a:p>
+            <a:pPr marL="0" indent="0">
+              <a:buNone/>
+            </a:pPr>
+            <a:r>
+              <a:rPr lang="zh-TW" altLang="en-US" sz="2000" dirty="0">
+                <a:solidFill>
+                  <a:srgbClr val="FF0000"/>
+                </a:solidFill>
+              </a:rPr>
+              <a:t>   </a:t>
             </a:r>
             <a:r>
               <a:rPr lang="zh-TW" altLang="en-US" sz="2000" dirty="0">
@@ -13855,7 +14429,7 @@
                   <a:schemeClr val="bg1"/>
                 </a:solidFill>
               </a:rPr>
-              <a:t>會生成五個文件，把目錄下的</a:t>
+              <a:t>最後會生成五個文件，把目錄下的</a:t>
             </a:r>
             <a:r>
               <a:rPr lang="en-US" altLang="zh-TW" sz="2000" dirty="0" err="1">
@@ -13980,17 +14554,10 @@
   <p:clrMapOvr>
     <a:masterClrMapping/>
   </p:clrMapOvr>
-  <p:timing>
-    <p:tnLst>
-      <p:par>
-        <p:cTn id="1" dur="indefinite" restart="never" nodeType="tmRoot"/>
-      </p:par>
-    </p:tnLst>
-  </p:timing>
 </p:sld>
 </file>
 
-<file path=ppt/slides/slide15.xml><?xml version="1.0" encoding="utf-8"?>
+<file path=ppt/slides/slide18.xml><?xml version="1.0" encoding="utf-8"?>
 <p:sld xmlns:a="http://schemas.openxmlformats.org/drawingml/2006/main" xmlns:r="http://schemas.openxmlformats.org/officeDocument/2006/relationships" xmlns:p="http://schemas.openxmlformats.org/presentationml/2006/main">
   <p:cSld>
     <p:spTree>
@@ -14023,10 +14590,9 @@
           <a:lstStyle/>
           <a:p>
             <a:r>
-              <a:rPr lang="zh-TW" altLang="en-US" dirty="0" smtClean="0"/>
+              <a:rPr lang="zh-TW" altLang="en-US" dirty="0"/>
               <a:t>修改文件名</a:t>
             </a:r>
-            <a:endParaRPr lang="zh-TW" altLang="en-US" dirty="0"/>
           </a:p>
         </p:txBody>
       </p:sp>
@@ -14082,20 +14648,8 @@
           <a:lstStyle/>
           <a:p>
             <a:r>
-              <a:rPr lang="zh-TW" altLang="en-US" dirty="0" smtClean="0"/>
-              <a:t>由上步驟所生成的</a:t>
-            </a:r>
-            <a:r>
               <a:rPr lang="zh-TW" altLang="en-US" dirty="0"/>
-              <a:t>文件</a:t>
-            </a:r>
-            <a:r>
-              <a:rPr lang="zh-TW" altLang="en-US" dirty="0" smtClean="0"/>
-              <a:t>中修改目錄</a:t>
-            </a:r>
-            <a:r>
-              <a:rPr lang="zh-TW" altLang="en-US" dirty="0"/>
-              <a:t>下會生成對應下列五個文件，在這五個文件前加上</a:t>
+              <a:t>由上步驟所生成的文件中修改目錄下會生成對應下列五個文件，在這五個文件前加上</a:t>
             </a:r>
             <a:r>
               <a:rPr lang="en-US" altLang="zh-TW" dirty="0"/>
@@ -14103,14 +14657,10 @@
             </a:r>
             <a:r>
               <a:rPr lang="zh-TW" altLang="en-US" dirty="0"/>
-              <a:t>進行重</a:t>
-            </a:r>
-            <a:r>
-              <a:rPr lang="zh-TW" altLang="en-US" dirty="0" smtClean="0"/>
-              <a:t>命名如下 </a:t>
-            </a:r>
-            <a:r>
-              <a:rPr lang="en-US" altLang="zh-TW" dirty="0" smtClean="0"/>
+              <a:t>進行重命名如下 </a:t>
+            </a:r>
+            <a:r>
+              <a:rPr lang="en-US" altLang="zh-TW" dirty="0"/>
               <a:t>:</a:t>
             </a:r>
             <a:endParaRPr lang="zh-TW" altLang="en-US" dirty="0"/>
@@ -14127,17 +14677,10 @@
   <p:clrMapOvr>
     <a:masterClrMapping/>
   </p:clrMapOvr>
-  <p:timing>
-    <p:tnLst>
-      <p:par>
-        <p:cTn id="1" dur="indefinite" restart="never" nodeType="tmRoot"/>
-      </p:par>
-    </p:tnLst>
-  </p:timing>
 </p:sld>
 </file>
 
-<file path=ppt/slides/slide16.xml><?xml version="1.0" encoding="utf-8"?>
+<file path=ppt/slides/slide19.xml><?xml version="1.0" encoding="utf-8"?>
 <p:sld xmlns:a="http://schemas.openxmlformats.org/drawingml/2006/main" xmlns:r="http://schemas.openxmlformats.org/officeDocument/2006/relationships" xmlns:p="http://schemas.openxmlformats.org/presentationml/2006/main">
   <p:cSld>
     <p:spTree>
@@ -14170,10 +14713,9 @@
           <a:lstStyle/>
           <a:p>
             <a:r>
-              <a:rPr lang="zh-TW" altLang="en-US" dirty="0" smtClean="0"/>
+              <a:rPr lang="zh-TW" altLang="en-US" dirty="0"/>
               <a:t>合併檔案</a:t>
             </a:r>
-            <a:endParaRPr lang="zh-TW" altLang="en-US" dirty="0"/>
           </a:p>
         </p:txBody>
       </p:sp>
@@ -14311,10 +14853,9 @@
           <a:lstStyle/>
           <a:p>
             <a:r>
-              <a:rPr lang="zh-TW" altLang="en-US" dirty="0" smtClean="0"/>
+              <a:rPr lang="zh-TW" altLang="en-US" dirty="0"/>
               <a:t>最終檔案</a:t>
             </a:r>
-            <a:endParaRPr lang="zh-TW" altLang="en-US" dirty="0"/>
           </a:p>
         </p:txBody>
       </p:sp>
@@ -14328,17 +14869,10 @@
   <p:clrMapOvr>
     <a:masterClrMapping/>
   </p:clrMapOvr>
-  <p:timing>
-    <p:tnLst>
-      <p:par>
-        <p:cTn id="1" dur="indefinite" restart="never" nodeType="tmRoot"/>
-      </p:par>
-    </p:tnLst>
-  </p:timing>
 </p:sld>
 </file>
 
-<file path=ppt/slides/slide17.xml><?xml version="1.0" encoding="utf-8"?>
+<file path=ppt/slides/slide2.xml><?xml version="1.0" encoding="utf-8"?>
 <p:sld xmlns:a="http://schemas.openxmlformats.org/drawingml/2006/main" xmlns:r="http://schemas.openxmlformats.org/officeDocument/2006/relationships" xmlns:p="http://schemas.openxmlformats.org/presentationml/2006/main">
   <p:cSld>
     <p:spTree>
@@ -14357,6 +14891,200 @@
       </p:grpSpPr>
       <p:sp>
         <p:nvSpPr>
+          <p:cNvPr id="2" name="標題 1">
+            <a:extLst>
+              <a:ext uri="{FF2B5EF4-FFF2-40B4-BE49-F238E27FC236}">
+                <a16:creationId xmlns:a16="http://schemas.microsoft.com/office/drawing/2014/main" id="{69492C0B-A9A4-48D7-B7BB-A0FE9C8FF6F3}"/>
+              </a:ext>
+            </a:extLst>
+          </p:cNvPr>
+          <p:cNvSpPr>
+            <a:spLocks noGrp="1"/>
+          </p:cNvSpPr>
+          <p:nvPr>
+            <p:ph type="title"/>
+          </p:nvPr>
+        </p:nvSpPr>
+        <p:spPr/>
+        <p:txBody>
+          <a:bodyPr/>
+          <a:lstStyle/>
+          <a:p>
+            <a:r>
+              <a:rPr lang="zh-TW" altLang="en-US" dirty="0">
+                <a:latin typeface="標楷體" panose="03000509000000000000" pitchFamily="65" charset="-120"/>
+                <a:ea typeface="標楷體" panose="03000509000000000000" pitchFamily="65" charset="-120"/>
+              </a:rPr>
+              <a:t>第八次專題提報大綱</a:t>
+            </a:r>
+          </a:p>
+        </p:txBody>
+      </p:sp>
+      <p:sp>
+        <p:nvSpPr>
+          <p:cNvPr id="3" name="內容版面配置區 2">
+            <a:extLst>
+              <a:ext uri="{FF2B5EF4-FFF2-40B4-BE49-F238E27FC236}">
+                <a16:creationId xmlns:a16="http://schemas.microsoft.com/office/drawing/2014/main" id="{A9FEF92D-BDC0-4ECE-AE14-68F6F44144B1}"/>
+              </a:ext>
+            </a:extLst>
+          </p:cNvPr>
+          <p:cNvSpPr>
+            <a:spLocks noGrp="1"/>
+          </p:cNvSpPr>
+          <p:nvPr>
+            <p:ph idx="1"/>
+          </p:nvPr>
+        </p:nvSpPr>
+        <p:spPr/>
+        <p:txBody>
+          <a:bodyPr/>
+          <a:lstStyle/>
+          <a:p>
+            <a:r>
+              <a:rPr lang="zh-TW" altLang="en-US" dirty="0">
+                <a:latin typeface="標楷體" panose="03000509000000000000" pitchFamily="65" charset="-120"/>
+                <a:ea typeface="標楷體" panose="03000509000000000000" pitchFamily="65" charset="-120"/>
+              </a:rPr>
+              <a:t>關於類神經演算法的影像辨識位子</a:t>
+            </a:r>
+            <a:r>
+              <a:rPr lang="en-US" altLang="zh-TW" dirty="0">
+                <a:latin typeface="標楷體" panose="03000509000000000000" pitchFamily="65" charset="-120"/>
+                <a:ea typeface="標楷體" panose="03000509000000000000" pitchFamily="65" charset="-120"/>
+              </a:rPr>
+              <a:t>(</a:t>
+            </a:r>
+            <a:r>
+              <a:rPr lang="en-US" altLang="zh-TW" dirty="0"/>
+              <a:t>Object Localization</a:t>
+            </a:r>
+            <a:r>
+              <a:rPr lang="en-US" altLang="zh-TW" dirty="0">
+                <a:latin typeface="標楷體" panose="03000509000000000000" pitchFamily="65" charset="-120"/>
+                <a:ea typeface="標楷體" panose="03000509000000000000" pitchFamily="65" charset="-120"/>
+              </a:rPr>
+              <a:t>)</a:t>
+            </a:r>
+          </a:p>
+          <a:p>
+            <a:r>
+              <a:rPr lang="zh-TW" altLang="en-US" dirty="0">
+                <a:latin typeface="標楷體" panose="03000509000000000000" pitchFamily="65" charset="-120"/>
+                <a:ea typeface="標楷體" panose="03000509000000000000" pitchFamily="65" charset="-120"/>
+              </a:rPr>
+              <a:t>使用</a:t>
+            </a:r>
+            <a:r>
+              <a:rPr lang="en-US" altLang="zh-TW" dirty="0">
+                <a:latin typeface="標楷體" panose="03000509000000000000" pitchFamily="65" charset="-120"/>
+                <a:ea typeface="標楷體" panose="03000509000000000000" pitchFamily="65" charset="-120"/>
+              </a:rPr>
+              <a:t>YOLO</a:t>
+            </a:r>
+            <a:r>
+              <a:rPr lang="zh-TW" altLang="en-US" dirty="0">
+                <a:latin typeface="標楷體" panose="03000509000000000000" pitchFamily="65" charset="-120"/>
+                <a:ea typeface="標楷體" panose="03000509000000000000" pitchFamily="65" charset="-120"/>
+              </a:rPr>
+              <a:t>類神經演算法的概述</a:t>
+            </a:r>
+            <a:endParaRPr lang="en-US" altLang="zh-TW" dirty="0">
+              <a:latin typeface="標楷體" panose="03000509000000000000" pitchFamily="65" charset="-120"/>
+              <a:ea typeface="標楷體" panose="03000509000000000000" pitchFamily="65" charset="-120"/>
+            </a:endParaRPr>
+          </a:p>
+          <a:p>
+            <a:r>
+              <a:rPr lang="zh-TW" altLang="en-US" dirty="0">
+                <a:latin typeface="標楷體" panose="03000509000000000000" pitchFamily="65" charset="-120"/>
+                <a:ea typeface="標楷體" panose="03000509000000000000" pitchFamily="65" charset="-120"/>
+              </a:rPr>
+              <a:t>學習機器學習之原理</a:t>
+            </a:r>
+            <a:r>
+              <a:rPr lang="en-US" altLang="zh-TW" dirty="0">
+                <a:latin typeface="標楷體" panose="03000509000000000000" pitchFamily="65" charset="-120"/>
+                <a:ea typeface="標楷體" panose="03000509000000000000" pitchFamily="65" charset="-120"/>
+              </a:rPr>
+              <a:t>(</a:t>
+            </a:r>
+            <a:r>
+              <a:rPr lang="zh-TW" altLang="en-US" dirty="0">
+                <a:latin typeface="標楷體" panose="03000509000000000000" pitchFamily="65" charset="-120"/>
+                <a:ea typeface="標楷體" panose="03000509000000000000" pitchFamily="65" charset="-120"/>
+              </a:rPr>
+              <a:t>參考 台大 李弘毅教授</a:t>
+            </a:r>
+            <a:r>
+              <a:rPr lang="en-US" altLang="zh-TW" dirty="0">
+                <a:latin typeface="標楷體" panose="03000509000000000000" pitchFamily="65" charset="-120"/>
+                <a:ea typeface="標楷體" panose="03000509000000000000" pitchFamily="65" charset="-120"/>
+              </a:rPr>
+              <a:t>)</a:t>
+            </a:r>
+          </a:p>
+          <a:p>
+            <a:endParaRPr lang="en-US" altLang="zh-TW" dirty="0">
+              <a:latin typeface="標楷體" panose="03000509000000000000" pitchFamily="65" charset="-120"/>
+              <a:ea typeface="標楷體" panose="03000509000000000000" pitchFamily="65" charset="-120"/>
+            </a:endParaRPr>
+          </a:p>
+          <a:p>
+            <a:endParaRPr lang="en-US" altLang="zh-TW" dirty="0">
+              <a:latin typeface="標楷體" panose="03000509000000000000" pitchFamily="65" charset="-120"/>
+              <a:ea typeface="標楷體" panose="03000509000000000000" pitchFamily="65" charset="-120"/>
+            </a:endParaRPr>
+          </a:p>
+          <a:p>
+            <a:pPr marL="0" indent="0">
+              <a:buNone/>
+            </a:pPr>
+            <a:endParaRPr lang="en-US" altLang="zh-TW" dirty="0">
+              <a:latin typeface="標楷體" panose="03000509000000000000" pitchFamily="65" charset="-120"/>
+              <a:ea typeface="標楷體" panose="03000509000000000000" pitchFamily="65" charset="-120"/>
+            </a:endParaRPr>
+          </a:p>
+          <a:p>
+            <a:endParaRPr lang="zh-TW" altLang="en-US" dirty="0">
+              <a:latin typeface="標楷體" panose="03000509000000000000" pitchFamily="65" charset="-120"/>
+              <a:ea typeface="標楷體" panose="03000509000000000000" pitchFamily="65" charset="-120"/>
+            </a:endParaRPr>
+          </a:p>
+        </p:txBody>
+      </p:sp>
+    </p:spTree>
+    <p:extLst>
+      <p:ext uri="{BB962C8B-B14F-4D97-AF65-F5344CB8AC3E}">
+        <p14:creationId xmlns:p14="http://schemas.microsoft.com/office/powerpoint/2010/main" val="1036602383"/>
+      </p:ext>
+    </p:extLst>
+  </p:cSld>
+  <p:clrMapOvr>
+    <a:masterClrMapping/>
+  </p:clrMapOvr>
+</p:sld>
+</file>
+
+<file path=ppt/slides/slide20.xml><?xml version="1.0" encoding="utf-8"?>
+<p:sld xmlns:a="http://schemas.openxmlformats.org/drawingml/2006/main" xmlns:r="http://schemas.openxmlformats.org/officeDocument/2006/relationships" xmlns:p="http://schemas.openxmlformats.org/presentationml/2006/main">
+  <p:cSld>
+    <p:spTree>
+      <p:nvGrpSpPr>
+        <p:cNvPr id="1" name=""/>
+        <p:cNvGrpSpPr/>
+        <p:nvPr/>
+      </p:nvGrpSpPr>
+      <p:grpSpPr>
+        <a:xfrm>
+          <a:off x="0" y="0"/>
+          <a:ext cx="0" cy="0"/>
+          <a:chOff x="0" y="0"/>
+          <a:chExt cx="0" cy="0"/>
+        </a:xfrm>
+      </p:grpSpPr>
+      <p:sp>
+        <p:nvSpPr>
           <p:cNvPr id="2" name="標題 1"/>
           <p:cNvSpPr>
             <a:spLocks noGrp="1"/>
@@ -14371,18 +15099,17 @@
           <a:lstStyle/>
           <a:p>
             <a:r>
-              <a:rPr lang="zh-TW" altLang="en-US" dirty="0" smtClean="0"/>
+              <a:rPr lang="zh-TW" altLang="en-US" dirty="0"/>
               <a:t>存放完整</a:t>
             </a:r>
             <a:r>
-              <a:rPr lang="en-US" altLang="zh-TW" dirty="0" smtClean="0"/>
+              <a:rPr lang="en-US" altLang="zh-TW" dirty="0"/>
               <a:t>DATA</a:t>
             </a:r>
             <a:r>
-              <a:rPr lang="zh-TW" altLang="en-US" dirty="0" smtClean="0"/>
+              <a:rPr lang="zh-TW" altLang="en-US" dirty="0"/>
               <a:t>檔</a:t>
             </a:r>
-            <a:endParaRPr lang="zh-TW" altLang="en-US" dirty="0"/>
           </a:p>
         </p:txBody>
       </p:sp>
@@ -14418,16 +15145,12 @@
               <a:t>複製到</a:t>
             </a:r>
             <a:r>
-              <a:rPr lang="en-US" altLang="zh-TW" dirty="0" smtClean="0"/>
+              <a:rPr lang="en-US" altLang="zh-TW" dirty="0"/>
               <a:t>Tesseract-OCR</a:t>
             </a:r>
             <a:r>
-              <a:rPr lang="zh-TW" altLang="en-US" dirty="0" smtClean="0"/>
-              <a:t>程序</a:t>
-            </a:r>
-            <a:r>
               <a:rPr lang="zh-TW" altLang="en-US" dirty="0"/>
-              <a:t>目錄下的“</a:t>
+              <a:t>程序目錄下的“</a:t>
             </a:r>
             <a:r>
               <a:rPr lang="en-US" altLang="zh-TW" dirty="0" err="1"/>
@@ -14438,43 +15161,35 @@
               <a:t>”</a:t>
             </a:r>
             <a:r>
-              <a:rPr lang="zh-TW" altLang="en-US" dirty="0" smtClean="0"/>
+              <a:rPr lang="zh-TW" altLang="en-US" dirty="0"/>
               <a:t>目錄</a:t>
             </a:r>
-            <a:endParaRPr lang="en-US" altLang="zh-TW" dirty="0" smtClean="0"/>
+            <a:endParaRPr lang="en-US" altLang="zh-TW" dirty="0"/>
           </a:p>
           <a:p>
             <a:pPr marL="0" indent="0">
               <a:buNone/>
             </a:pPr>
             <a:r>
-              <a:rPr lang="zh-TW" altLang="en-US" dirty="0" smtClean="0"/>
+              <a:rPr lang="zh-TW" altLang="en-US" dirty="0"/>
               <a:t>   在</a:t>
             </a:r>
             <a:r>
-              <a:rPr lang="en-US" altLang="zh-TW" dirty="0" smtClean="0"/>
+              <a:rPr lang="en-US" altLang="zh-TW" dirty="0"/>
               <a:t>Tesseract-OCR</a:t>
             </a:r>
             <a:r>
-              <a:rPr lang="zh-TW" altLang="en-US" dirty="0" smtClean="0"/>
-              <a:t>程序</a:t>
-            </a:r>
-            <a:r>
               <a:rPr lang="zh-TW" altLang="en-US" dirty="0"/>
-              <a:t>目錄下</a:t>
-            </a:r>
-            <a:r>
-              <a:rPr lang="zh-TW" altLang="en-US" dirty="0" smtClean="0"/>
-              <a:t>執行</a:t>
-            </a:r>
-            <a:endParaRPr lang="en-US" altLang="zh-TW" dirty="0" smtClean="0"/>
+              <a:t>程序目錄下執行</a:t>
+            </a:r>
+            <a:endParaRPr lang="en-US" altLang="zh-TW" dirty="0"/>
           </a:p>
           <a:p>
             <a:pPr marL="0" indent="0">
               <a:buNone/>
             </a:pPr>
             <a:r>
-              <a:rPr lang="zh-TW" altLang="en-US" dirty="0" smtClean="0">
+              <a:rPr lang="zh-TW" altLang="en-US" dirty="0">
                 <a:solidFill>
                   <a:srgbClr val="FF0000"/>
                 </a:solidFill>
@@ -14482,20 +15197,12 @@
               <a:t>   </a:t>
             </a:r>
             <a:r>
-              <a:rPr lang="en-US" altLang="zh-TW" dirty="0" smtClean="0">
-                <a:solidFill>
-                  <a:srgbClr val="FF0000"/>
-                </a:solidFill>
-              </a:rPr>
-              <a:t>tesseract.exe </a:t>
-            </a:r>
-            <a:r>
               <a:rPr lang="en-US" altLang="zh-TW" dirty="0">
                 <a:solidFill>
                   <a:srgbClr val="FF0000"/>
                 </a:solidFill>
               </a:rPr>
-              <a:t>myfontlab.normal.exp07.jpg out –l normal</a:t>
+              <a:t>tesseract.exe myfontlab.normal.exp07.jpg out –l normal</a:t>
             </a:r>
             <a:endParaRPr lang="zh-TW" altLang="en-US" dirty="0">
               <a:solidFill>
@@ -14558,12 +15265,8 @@
           <a:lstStyle/>
           <a:p>
             <a:r>
-              <a:rPr lang="zh-TW" altLang="en-US" dirty="0" smtClean="0"/>
-              <a:t>成功</a:t>
-            </a:r>
-            <a:r>
               <a:rPr lang="zh-TW" altLang="en-US" dirty="0"/>
-              <a:t>執行</a:t>
+              <a:t>成功執行</a:t>
             </a:r>
           </a:p>
         </p:txBody>
@@ -14578,17 +15281,10 @@
   <p:clrMapOvr>
     <a:masterClrMapping/>
   </p:clrMapOvr>
-  <p:timing>
-    <p:tnLst>
-      <p:par>
-        <p:cTn id="1" dur="indefinite" restart="never" nodeType="tmRoot"/>
-      </p:par>
-    </p:tnLst>
-  </p:timing>
 </p:sld>
 </file>
 
-<file path=ppt/slides/slide18.xml><?xml version="1.0" encoding="utf-8"?>
+<file path=ppt/slides/slide21.xml><?xml version="1.0" encoding="utf-8"?>
 <p:sld xmlns:a="http://schemas.openxmlformats.org/drawingml/2006/main" xmlns:r="http://schemas.openxmlformats.org/officeDocument/2006/relationships" xmlns:p="http://schemas.openxmlformats.org/presentationml/2006/main">
   <p:cSld>
     <p:spTree>
@@ -14621,16 +15317,12 @@
           <a:lstStyle/>
           <a:p>
             <a:r>
-              <a:rPr lang="zh-TW" altLang="en-US" dirty="0" smtClean="0">
+              <a:rPr lang="zh-TW" altLang="en-US" dirty="0">
                 <a:latin typeface="標楷體" panose="03000509000000000000" pitchFamily="65" charset="-120"/>
                 <a:ea typeface="標楷體" panose="03000509000000000000" pitchFamily="65" charset="-120"/>
               </a:rPr>
               <a:t>下期進度</a:t>
             </a:r>
-            <a:endParaRPr lang="zh-TW" altLang="en-US" dirty="0">
-              <a:latin typeface="標楷體" panose="03000509000000000000" pitchFamily="65" charset="-120"/>
-              <a:ea typeface="標楷體" panose="03000509000000000000" pitchFamily="65" charset="-120"/>
-            </a:endParaRPr>
           </a:p>
         </p:txBody>
       </p:sp>
@@ -14653,13 +15345,13 @@
               <a:buNone/>
             </a:pPr>
             <a:r>
-              <a:rPr lang="zh-TW" altLang="en-US" dirty="0" smtClean="0">
+              <a:rPr lang="zh-TW" altLang="en-US" dirty="0">
                 <a:latin typeface="標楷體" panose="03000509000000000000" pitchFamily="65" charset="-120"/>
                 <a:ea typeface="標楷體" panose="03000509000000000000" pitchFamily="65" charset="-120"/>
               </a:rPr>
               <a:t>準備期末考</a:t>
             </a:r>
-            <a:endParaRPr lang="en-US" altLang="zh-TW" dirty="0" smtClean="0">
+            <a:endParaRPr lang="en-US" altLang="zh-TW" dirty="0">
               <a:latin typeface="標楷體" panose="03000509000000000000" pitchFamily="65" charset="-120"/>
               <a:ea typeface="標楷體" panose="03000509000000000000" pitchFamily="65" charset="-120"/>
             </a:endParaRPr>
@@ -14669,16 +15361,12 @@
               <a:buNone/>
             </a:pPr>
             <a:r>
-              <a:rPr lang="zh-TW" altLang="en-US" dirty="0" smtClean="0">
+              <a:rPr lang="zh-TW" altLang="en-US" dirty="0">
                 <a:latin typeface="標楷體" panose="03000509000000000000" pitchFamily="65" charset="-120"/>
                 <a:ea typeface="標楷體" panose="03000509000000000000" pitchFamily="65" charset="-120"/>
               </a:rPr>
               <a:t>觀看李弘毅教學影片理解原理</a:t>
             </a:r>
-            <a:endParaRPr lang="zh-TW" altLang="en-US" dirty="0">
-              <a:latin typeface="標楷體" panose="03000509000000000000" pitchFamily="65" charset="-120"/>
-              <a:ea typeface="標楷體" panose="03000509000000000000" pitchFamily="65" charset="-120"/>
-            </a:endParaRPr>
           </a:p>
         </p:txBody>
       </p:sp>
@@ -14692,17 +15380,10 @@
   <p:clrMapOvr>
     <a:masterClrMapping/>
   </p:clrMapOvr>
-  <p:timing>
-    <p:tnLst>
-      <p:par>
-        <p:cTn id="1" dur="indefinite" restart="never" nodeType="tmRoot"/>
-      </p:par>
-    </p:tnLst>
-  </p:timing>
 </p:sld>
 </file>
 
-<file path=ppt/slides/slide19.xml><?xml version="1.0" encoding="utf-8"?>
+<file path=ppt/slides/slide22.xml><?xml version="1.0" encoding="utf-8"?>
 <p:sld xmlns:a="http://schemas.openxmlformats.org/drawingml/2006/main" xmlns:r="http://schemas.openxmlformats.org/officeDocument/2006/relationships" xmlns:p="http://schemas.openxmlformats.org/presentationml/2006/main">
   <p:cSld>
     <p:spTree>
@@ -14810,221 +15491,6 @@
   <p:clrMapOvr>
     <a:masterClrMapping/>
   </p:clrMapOvr>
-  <p:timing>
-    <p:tnLst>
-      <p:par>
-        <p:cTn id="1" dur="indefinite" restart="never" nodeType="tmRoot"/>
-      </p:par>
-    </p:tnLst>
-  </p:timing>
-</p:sld>
-</file>
-
-<file path=ppt/slides/slide2.xml><?xml version="1.0" encoding="utf-8"?>
-<p:sld xmlns:a="http://schemas.openxmlformats.org/drawingml/2006/main" xmlns:r="http://schemas.openxmlformats.org/officeDocument/2006/relationships" xmlns:p="http://schemas.openxmlformats.org/presentationml/2006/main">
-  <p:cSld>
-    <p:spTree>
-      <p:nvGrpSpPr>
-        <p:cNvPr id="1" name=""/>
-        <p:cNvGrpSpPr/>
-        <p:nvPr/>
-      </p:nvGrpSpPr>
-      <p:grpSpPr>
-        <a:xfrm>
-          <a:off x="0" y="0"/>
-          <a:ext cx="0" cy="0"/>
-          <a:chOff x="0" y="0"/>
-          <a:chExt cx="0" cy="0"/>
-        </a:xfrm>
-      </p:grpSpPr>
-      <p:sp>
-        <p:nvSpPr>
-          <p:cNvPr id="2" name="標題 1">
-            <a:extLst>
-              <a:ext uri="{FF2B5EF4-FFF2-40B4-BE49-F238E27FC236}">
-                <a16:creationId xmlns:a16="http://schemas.microsoft.com/office/drawing/2014/main" id="{69492C0B-A9A4-48D7-B7BB-A0FE9C8FF6F3}"/>
-              </a:ext>
-            </a:extLst>
-          </p:cNvPr>
-          <p:cNvSpPr>
-            <a:spLocks noGrp="1"/>
-          </p:cNvSpPr>
-          <p:nvPr>
-            <p:ph type="title"/>
-          </p:nvPr>
-        </p:nvSpPr>
-        <p:spPr/>
-        <p:txBody>
-          <a:bodyPr/>
-          <a:lstStyle/>
-          <a:p>
-            <a:r>
-              <a:rPr lang="zh-TW" altLang="en-US" dirty="0" smtClean="0">
-                <a:latin typeface="標楷體" panose="03000509000000000000" pitchFamily="65" charset="-120"/>
-                <a:ea typeface="標楷體" panose="03000509000000000000" pitchFamily="65" charset="-120"/>
-              </a:rPr>
-              <a:t>第八次</a:t>
-            </a:r>
-            <a:r>
-              <a:rPr lang="zh-TW" altLang="en-US" dirty="0">
-                <a:latin typeface="標楷體" panose="03000509000000000000" pitchFamily="65" charset="-120"/>
-                <a:ea typeface="標楷體" panose="03000509000000000000" pitchFamily="65" charset="-120"/>
-              </a:rPr>
-              <a:t>專題提報大綱</a:t>
-            </a:r>
-          </a:p>
-        </p:txBody>
-      </p:sp>
-      <p:sp>
-        <p:nvSpPr>
-          <p:cNvPr id="3" name="內容版面配置區 2">
-            <a:extLst>
-              <a:ext uri="{FF2B5EF4-FFF2-40B4-BE49-F238E27FC236}">
-                <a16:creationId xmlns:a16="http://schemas.microsoft.com/office/drawing/2014/main" id="{A9FEF92D-BDC0-4ECE-AE14-68F6F44144B1}"/>
-              </a:ext>
-            </a:extLst>
-          </p:cNvPr>
-          <p:cNvSpPr>
-            <a:spLocks noGrp="1"/>
-          </p:cNvSpPr>
-          <p:nvPr>
-            <p:ph idx="1"/>
-          </p:nvPr>
-        </p:nvSpPr>
-        <p:spPr/>
-        <p:txBody>
-          <a:bodyPr/>
-          <a:lstStyle/>
-          <a:p>
-            <a:r>
-              <a:rPr lang="zh-TW" altLang="en-US" dirty="0" smtClean="0">
-                <a:latin typeface="標楷體" panose="03000509000000000000" pitchFamily="65" charset="-120"/>
-                <a:ea typeface="標楷體" panose="03000509000000000000" pitchFamily="65" charset="-120"/>
-              </a:rPr>
-              <a:t>關於類神經演算法的影像辨識位子</a:t>
-            </a:r>
-            <a:r>
-              <a:rPr lang="en-US" altLang="zh-TW" dirty="0" smtClean="0">
-                <a:latin typeface="標楷體" panose="03000509000000000000" pitchFamily="65" charset="-120"/>
-                <a:ea typeface="標楷體" panose="03000509000000000000" pitchFamily="65" charset="-120"/>
-              </a:rPr>
-              <a:t>(</a:t>
-            </a:r>
-            <a:r>
-              <a:rPr lang="en-US" altLang="zh-TW" dirty="0"/>
-              <a:t>Object Localization</a:t>
-            </a:r>
-            <a:r>
-              <a:rPr lang="en-US" altLang="zh-TW" dirty="0" smtClean="0">
-                <a:latin typeface="標楷體" panose="03000509000000000000" pitchFamily="65" charset="-120"/>
-                <a:ea typeface="標楷體" panose="03000509000000000000" pitchFamily="65" charset="-120"/>
-              </a:rPr>
-              <a:t>)</a:t>
-            </a:r>
-          </a:p>
-          <a:p>
-            <a:r>
-              <a:rPr lang="zh-TW" altLang="en-US" dirty="0" smtClean="0">
-                <a:latin typeface="標楷體" panose="03000509000000000000" pitchFamily="65" charset="-120"/>
-                <a:ea typeface="標楷體" panose="03000509000000000000" pitchFamily="65" charset="-120"/>
-              </a:rPr>
-              <a:t>使用</a:t>
-            </a:r>
-            <a:r>
-              <a:rPr lang="en-US" altLang="zh-TW" dirty="0" smtClean="0">
-                <a:latin typeface="標楷體" panose="03000509000000000000" pitchFamily="65" charset="-120"/>
-                <a:ea typeface="標楷體" panose="03000509000000000000" pitchFamily="65" charset="-120"/>
-              </a:rPr>
-              <a:t>YOLO</a:t>
-            </a:r>
-            <a:r>
-              <a:rPr lang="zh-TW" altLang="en-US" dirty="0" smtClean="0">
-                <a:latin typeface="標楷體" panose="03000509000000000000" pitchFamily="65" charset="-120"/>
-                <a:ea typeface="標楷體" panose="03000509000000000000" pitchFamily="65" charset="-120"/>
-              </a:rPr>
-              <a:t>類神經演算法的概述</a:t>
-            </a:r>
-            <a:endParaRPr lang="en-US" altLang="zh-TW" dirty="0" smtClean="0">
-              <a:latin typeface="標楷體" panose="03000509000000000000" pitchFamily="65" charset="-120"/>
-              <a:ea typeface="標楷體" panose="03000509000000000000" pitchFamily="65" charset="-120"/>
-            </a:endParaRPr>
-          </a:p>
-          <a:p>
-            <a:r>
-              <a:rPr lang="zh-TW" altLang="en-US" dirty="0" smtClean="0">
-                <a:latin typeface="標楷體" panose="03000509000000000000" pitchFamily="65" charset="-120"/>
-                <a:ea typeface="標楷體" panose="03000509000000000000" pitchFamily="65" charset="-120"/>
-              </a:rPr>
-              <a:t>學習機器學習之原理</a:t>
-            </a:r>
-            <a:r>
-              <a:rPr lang="en-US" altLang="zh-TW" dirty="0">
-                <a:latin typeface="標楷體" panose="03000509000000000000" pitchFamily="65" charset="-120"/>
-                <a:ea typeface="標楷體" panose="03000509000000000000" pitchFamily="65" charset="-120"/>
-              </a:rPr>
-              <a:t>(</a:t>
-            </a:r>
-            <a:r>
-              <a:rPr lang="zh-TW" altLang="en-US" dirty="0" smtClean="0">
-                <a:latin typeface="標楷體" panose="03000509000000000000" pitchFamily="65" charset="-120"/>
-                <a:ea typeface="標楷體" panose="03000509000000000000" pitchFamily="65" charset="-120"/>
-              </a:rPr>
-              <a:t>參考 台大 李弘毅教授</a:t>
-            </a:r>
-            <a:r>
-              <a:rPr lang="en-US" altLang="zh-TW" dirty="0" smtClean="0">
-                <a:latin typeface="標楷體" panose="03000509000000000000" pitchFamily="65" charset="-120"/>
-                <a:ea typeface="標楷體" panose="03000509000000000000" pitchFamily="65" charset="-120"/>
-              </a:rPr>
-              <a:t>)</a:t>
-            </a:r>
-          </a:p>
-          <a:p>
-            <a:endParaRPr lang="en-US" altLang="zh-TW" dirty="0" smtClean="0">
-              <a:latin typeface="標楷體" panose="03000509000000000000" pitchFamily="65" charset="-120"/>
-              <a:ea typeface="標楷體" panose="03000509000000000000" pitchFamily="65" charset="-120"/>
-            </a:endParaRPr>
-          </a:p>
-          <a:p>
-            <a:endParaRPr lang="en-US" altLang="zh-TW" dirty="0">
-              <a:latin typeface="標楷體" panose="03000509000000000000" pitchFamily="65" charset="-120"/>
-              <a:ea typeface="標楷體" panose="03000509000000000000" pitchFamily="65" charset="-120"/>
-            </a:endParaRPr>
-          </a:p>
-          <a:p>
-            <a:pPr marL="0" indent="0">
-              <a:buNone/>
-            </a:pPr>
-            <a:endParaRPr lang="en-US" altLang="zh-TW" dirty="0">
-              <a:latin typeface="標楷體" panose="03000509000000000000" pitchFamily="65" charset="-120"/>
-              <a:ea typeface="標楷體" panose="03000509000000000000" pitchFamily="65" charset="-120"/>
-            </a:endParaRPr>
-          </a:p>
-          <a:p>
-            <a:endParaRPr lang="zh-TW" altLang="en-US" dirty="0">
-              <a:latin typeface="標楷體" panose="03000509000000000000" pitchFamily="65" charset="-120"/>
-              <a:ea typeface="標楷體" panose="03000509000000000000" pitchFamily="65" charset="-120"/>
-            </a:endParaRPr>
-          </a:p>
-        </p:txBody>
-      </p:sp>
-    </p:spTree>
-    <p:extLst>
-      <p:ext uri="{BB962C8B-B14F-4D97-AF65-F5344CB8AC3E}">
-        <p14:creationId xmlns:p14="http://schemas.microsoft.com/office/powerpoint/2010/main" val="1036602383"/>
-      </p:ext>
-    </p:extLst>
-  </p:cSld>
-  <p:clrMapOvr>
-    <a:masterClrMapping/>
-  </p:clrMapOvr>
-  <p:timing>
-    <p:tnLst>
-      <p:par>
-        <p:cTn id="1" dur="indefinite" restart="never" nodeType="tmRoot"/>
-      </p:par>
-    </p:tnLst>
-  </p:timing>
 </p:sld>
 </file>
 
@@ -15063,7 +15529,7 @@
           <a:lstStyle/>
           <a:p>
             <a:r>
-              <a:rPr lang="en-US" altLang="zh-TW" sz="4000" dirty="0" err="1" smtClean="0">
+              <a:rPr lang="en-US" altLang="zh-TW" sz="4000" dirty="0" err="1">
                 <a:latin typeface="標楷體" panose="03000509000000000000" pitchFamily="65" charset="-120"/>
                 <a:ea typeface="標楷體" panose="03000509000000000000" pitchFamily="65" charset="-120"/>
               </a:rPr>
@@ -15180,13 +15646,6 @@
   <p:clrMapOvr>
     <a:masterClrMapping/>
   </p:clrMapOvr>
-  <p:timing>
-    <p:tnLst>
-      <p:par>
-        <p:cTn id="1" dur="indefinite" restart="never" nodeType="tmRoot"/>
-      </p:par>
-    </p:tnLst>
-  </p:timing>
 </p:sld>
 </file>
 
@@ -15226,14 +15685,10 @@
           <a:p>
             <a:r>
               <a:rPr lang="en-US" altLang="zh-TW" b="1" dirty="0"/>
-              <a:t>sliding window </a:t>
-            </a:r>
-            <a:r>
-              <a:rPr lang="en-US" altLang="zh-TW" b="1" dirty="0" smtClean="0"/>
-              <a:t>(</a:t>
-            </a:r>
-            <a:r>
-              <a:rPr lang="zh-TW" altLang="en-US" b="1" dirty="0" smtClean="0"/>
+              <a:t>sliding window (</a:t>
+            </a:r>
+            <a:r>
+              <a:rPr lang="zh-TW" altLang="en-US" b="1" dirty="0"/>
               <a:t>滑動窗口</a:t>
             </a:r>
             <a:r>
@@ -15293,38 +15748,31 @@
           <a:lstStyle/>
           <a:p>
             <a:r>
-              <a:rPr lang="en-US" altLang="zh-TW" sz="2000" dirty="0" smtClean="0">
+              <a:rPr lang="en-US" altLang="zh-TW" sz="2000" dirty="0">
                 <a:latin typeface="標楷體" panose="03000509000000000000" pitchFamily="65" charset="-120"/>
                 <a:ea typeface="標楷體" panose="03000509000000000000" pitchFamily="65" charset="-120"/>
               </a:rPr>
               <a:t>Xml</a:t>
             </a:r>
             <a:r>
-              <a:rPr lang="zh-TW" altLang="en-US" sz="2000" dirty="0" smtClean="0">
+              <a:rPr lang="zh-TW" altLang="en-US" sz="2000" dirty="0">
                 <a:latin typeface="標楷體" panose="03000509000000000000" pitchFamily="65" charset="-120"/>
                 <a:ea typeface="標楷體" panose="03000509000000000000" pitchFamily="65" charset="-120"/>
               </a:rPr>
               <a:t>是一種標記式語言。</a:t>
             </a:r>
-            <a:endParaRPr lang="en-US" altLang="zh-TW" sz="2000" dirty="0" smtClean="0">
+            <a:endParaRPr lang="en-US" altLang="zh-TW" sz="2000" dirty="0">
               <a:latin typeface="標楷體" panose="03000509000000000000" pitchFamily="65" charset="-120"/>
               <a:ea typeface="標楷體" panose="03000509000000000000" pitchFamily="65" charset="-120"/>
             </a:endParaRPr>
           </a:p>
           <a:p>
-            <a:r>
-              <a:rPr lang="zh-TW" altLang="en-US" sz="2000" dirty="0" smtClean="0">
-                <a:latin typeface="標楷體" panose="03000509000000000000" pitchFamily="65" charset="-120"/>
-                <a:ea typeface="標楷體" panose="03000509000000000000" pitchFamily="65" charset="-120"/>
-              </a:rPr>
-              <a:t>標記成電腦可以理解的資訊</a:t>
-            </a:r>
             <a:r>
               <a:rPr lang="zh-TW" altLang="en-US" sz="2000" dirty="0">
                 <a:latin typeface="標楷體" panose="03000509000000000000" pitchFamily="65" charset="-120"/>
                 <a:ea typeface="標楷體" panose="03000509000000000000" pitchFamily="65" charset="-120"/>
               </a:rPr>
-              <a:t>符號</a:t>
+              <a:t>標記成電腦可以理解的資訊符號</a:t>
             </a:r>
           </a:p>
         </p:txBody>
@@ -15339,13 +15787,6 @@
   <p:clrMapOvr>
     <a:masterClrMapping/>
   </p:clrMapOvr>
-  <p:timing>
-    <p:tnLst>
-      <p:par>
-        <p:cTn id="1" dur="indefinite" restart="never" nodeType="tmRoot"/>
-      </p:par>
-    </p:tnLst>
-  </p:timing>
 </p:sld>
 </file>
 
@@ -15382,16 +15823,12 @@
           <a:lstStyle/>
           <a:p>
             <a:r>
-              <a:rPr lang="zh-TW" altLang="en-US" dirty="0" smtClean="0">
+              <a:rPr lang="zh-TW" altLang="en-US" dirty="0">
                 <a:latin typeface="標楷體" panose="03000509000000000000" pitchFamily="65" charset="-120"/>
                 <a:ea typeface="標楷體" panose="03000509000000000000" pitchFamily="65" charset="-120"/>
               </a:rPr>
               <a:t>機器學習之原理</a:t>
             </a:r>
-            <a:endParaRPr lang="zh-TW" altLang="en-US" dirty="0">
-              <a:latin typeface="標楷體" panose="03000509000000000000" pitchFamily="65" charset="-120"/>
-              <a:ea typeface="標楷體" panose="03000509000000000000" pitchFamily="65" charset="-120"/>
-            </a:endParaRPr>
           </a:p>
         </p:txBody>
       </p:sp>
@@ -15434,13 +15871,6 @@
   <p:clrMapOvr>
     <a:masterClrMapping/>
   </p:clrMapOvr>
-  <p:timing>
-    <p:tnLst>
-      <p:par>
-        <p:cTn id="1" dur="indefinite" restart="never" nodeType="tmRoot"/>
-      </p:par>
-    </p:tnLst>
-  </p:timing>
 </p:sld>
 </file>
 
@@ -15477,10 +15907,9 @@
           <a:lstStyle/>
           <a:p>
             <a:r>
-              <a:rPr lang="zh-TW" altLang="en-US" dirty="0" smtClean="0"/>
+              <a:rPr lang="zh-TW" altLang="en-US" dirty="0"/>
               <a:t>所需軟體</a:t>
             </a:r>
-            <a:endParaRPr lang="zh-TW" altLang="en-US" dirty="0"/>
           </a:p>
         </p:txBody>
       </p:sp>
@@ -15510,15 +15939,15 @@
               <a:buNone/>
             </a:pPr>
             <a:r>
-              <a:rPr lang="en-US" altLang="zh-TW" sz="4800" dirty="0" err="1" smtClean="0"/>
+              <a:rPr lang="en-US" altLang="zh-TW" sz="4800" dirty="0" err="1"/>
               <a:t>jTessBoxEditor</a:t>
             </a:r>
             <a:r>
-              <a:rPr lang="en-US" altLang="zh-TW" sz="4800" dirty="0" smtClean="0"/>
+              <a:rPr lang="en-US" altLang="zh-TW" sz="4800" dirty="0"/>
               <a:t>          tesseract-</a:t>
             </a:r>
             <a:r>
-              <a:rPr lang="en-US" altLang="zh-TW" sz="4800" dirty="0" err="1" smtClean="0"/>
+              <a:rPr lang="en-US" altLang="zh-TW" sz="4800" dirty="0" err="1"/>
               <a:t>ocr</a:t>
             </a:r>
             <a:endParaRPr lang="zh-TW" altLang="en-US" sz="4800" dirty="0"/>
@@ -15571,7 +16000,7 @@
         </p:blipFill>
         <p:spPr>
           <a:xfrm>
-            <a:off x="6282612" y="3125822"/>
+            <a:off x="6094412" y="3112227"/>
             <a:ext cx="4274491" cy="2928026"/>
           </a:xfrm>
           <a:prstGeom prst="rect">
@@ -15589,13 +16018,6 @@
   <p:clrMapOvr>
     <a:masterClrMapping/>
   </p:clrMapOvr>
-  <p:timing>
-    <p:tnLst>
-      <p:par>
-        <p:cTn id="1" dur="indefinite" restart="never" nodeType="tmRoot"/>
-      </p:par>
-    </p:tnLst>
-  </p:timing>
 </p:sld>
 </file>
 
@@ -15618,7 +16040,13 @@
       </p:grpSpPr>
       <p:sp>
         <p:nvSpPr>
-          <p:cNvPr id="2" name="標題 1"/>
+          <p:cNvPr id="2" name="標題 1">
+            <a:extLst>
+              <a:ext uri="{FF2B5EF4-FFF2-40B4-BE49-F238E27FC236}">
+                <a16:creationId xmlns:a16="http://schemas.microsoft.com/office/drawing/2014/main" id="{9B55F0CA-8B8F-4148-B749-1B605E2EFAA5}"/>
+              </a:ext>
+            </a:extLst>
+          </p:cNvPr>
           <p:cNvSpPr>
             <a:spLocks noGrp="1"/>
           </p:cNvSpPr>
@@ -15626,122 +16054,541 @@
             <p:ph type="title"/>
           </p:nvPr>
         </p:nvSpPr>
+        <p:spPr/>
+        <p:txBody>
+          <a:bodyPr/>
+          <a:lstStyle/>
+          <a:p>
+            <a:r>
+              <a:rPr lang="en-US" altLang="zh-TW" dirty="0"/>
+              <a:t>OCR</a:t>
+            </a:r>
+            <a:r>
+              <a:rPr lang="zh-TW" altLang="en-US" dirty="0"/>
+              <a:t>原理簡述</a:t>
+            </a:r>
+          </a:p>
+        </p:txBody>
+      </p:sp>
+      <p:sp>
+        <p:nvSpPr>
+          <p:cNvPr id="4" name="矩形 3">
+            <a:extLst>
+              <a:ext uri="{FF2B5EF4-FFF2-40B4-BE49-F238E27FC236}">
+                <a16:creationId xmlns:a16="http://schemas.microsoft.com/office/drawing/2014/main" id="{354DBE25-9F65-48C5-AC97-618627BA4B0A}"/>
+              </a:ext>
+            </a:extLst>
+          </p:cNvPr>
+          <p:cNvSpPr/>
+          <p:nvPr/>
+        </p:nvSpPr>
         <p:spPr>
           <a:xfrm>
-            <a:off x="1141412" y="656096"/>
-            <a:ext cx="9905998" cy="1478570"/>
-          </a:xfrm>
-        </p:spPr>
-        <p:txBody>
-          <a:bodyPr/>
-          <a:lstStyle/>
-          <a:p>
-            <a:r>
-              <a:rPr lang="en-US" altLang="zh-TW" dirty="0" err="1" smtClean="0"/>
-              <a:t>Ocr</a:t>
-            </a:r>
-            <a:r>
-              <a:rPr lang="zh-TW" altLang="en-US" dirty="0" smtClean="0"/>
-              <a:t>訓練教學</a:t>
-            </a:r>
-            <a:endParaRPr lang="zh-TW" altLang="en-US" dirty="0"/>
-          </a:p>
-        </p:txBody>
-      </p:sp>
-      <p:sp>
-        <p:nvSpPr>
-          <p:cNvPr id="3" name="內容版面配置區 2"/>
-          <p:cNvSpPr>
-            <a:spLocks noGrp="1"/>
-          </p:cNvSpPr>
-          <p:nvPr>
-            <p:ph idx="1"/>
-          </p:nvPr>
-        </p:nvSpPr>
-        <p:spPr/>
-        <p:txBody>
-          <a:bodyPr/>
-          <a:lstStyle/>
-          <a:p>
-            <a:pPr marL="0" indent="0">
-              <a:buNone/>
-            </a:pPr>
-            <a:r>
-              <a:rPr lang="zh-TW" altLang="en-US" dirty="0"/>
-              <a:t>下載</a:t>
-            </a:r>
-            <a:r>
-              <a:rPr lang="en-US" altLang="zh-TW" dirty="0"/>
-              <a:t>Tesseract-OCR</a:t>
-            </a:r>
-            <a:r>
-              <a:rPr lang="zh-TW" altLang="en-US" dirty="0"/>
-              <a:t>官方命令行工具打開</a:t>
-            </a:r>
-            <a:r>
-              <a:rPr lang="en-US" altLang="zh-TW" dirty="0" err="1"/>
-              <a:t>cmd</a:t>
-            </a:r>
-            <a:r>
-              <a:rPr lang="zh-TW" altLang="en-US" dirty="0"/>
-              <a:t>命令行，輸入</a:t>
-            </a:r>
-            <a:r>
-              <a:rPr lang="en-US" altLang="zh-TW" b="1" dirty="0">
-                <a:solidFill>
-                  <a:srgbClr val="FF0000"/>
-                </a:solidFill>
-              </a:rPr>
-              <a:t>tesseract -v</a:t>
-            </a:r>
-            <a:r>
-              <a:rPr lang="zh-TW" altLang="en-US" dirty="0"/>
-              <a:t>，如果安裝成功，將會出現這樣的提示界面：</a:t>
-            </a:r>
-          </a:p>
-        </p:txBody>
-      </p:sp>
-      <p:pic>
-        <p:nvPicPr>
-          <p:cNvPr id="5" name="圖片 4"/>
-          <p:cNvPicPr>
-            <a:picLocks noChangeAspect="1"/>
-          </p:cNvPicPr>
-          <p:nvPr/>
-        </p:nvPicPr>
-        <p:blipFill>
-          <a:blip r:embed="rId2"/>
-          <a:stretch>
-            <a:fillRect/>
-          </a:stretch>
-        </p:blipFill>
-        <p:spPr>
-          <a:xfrm>
-            <a:off x="1274728" y="3367598"/>
-            <a:ext cx="9639366" cy="2380413"/>
+            <a:off x="1627421" y="2994027"/>
+            <a:ext cx="1257300" cy="653143"/>
           </a:xfrm>
           <a:prstGeom prst="rect">
             <a:avLst/>
           </a:prstGeom>
         </p:spPr>
-      </p:pic>
+        <p:style>
+          <a:lnRef idx="2">
+            <a:schemeClr val="accent1">
+              <a:shade val="50000"/>
+            </a:schemeClr>
+          </a:lnRef>
+          <a:fillRef idx="1">
+            <a:schemeClr val="accent1"/>
+          </a:fillRef>
+          <a:effectRef idx="0">
+            <a:schemeClr val="accent1"/>
+          </a:effectRef>
+          <a:fontRef idx="minor">
+            <a:schemeClr val="lt1"/>
+          </a:fontRef>
+        </p:style>
+        <p:txBody>
+          <a:bodyPr rtlCol="0" anchor="ctr"/>
+          <a:lstStyle/>
+          <a:p>
+            <a:pPr algn="ctr"/>
+            <a:r>
+              <a:rPr lang="zh-TW" altLang="en-US">
+                <a:solidFill>
+                  <a:sysClr val="windowText" lastClr="000000"/>
+                </a:solidFill>
+              </a:rPr>
+              <a:t>圖像</a:t>
+            </a:r>
+            <a:endParaRPr lang="zh-TW" altLang="en-US" dirty="0">
+              <a:solidFill>
+                <a:sysClr val="windowText" lastClr="000000"/>
+              </a:solidFill>
+            </a:endParaRPr>
+          </a:p>
+        </p:txBody>
+      </p:sp>
+      <p:sp>
+        <p:nvSpPr>
+          <p:cNvPr id="5" name="矩形 4">
+            <a:extLst>
+              <a:ext uri="{FF2B5EF4-FFF2-40B4-BE49-F238E27FC236}">
+                <a16:creationId xmlns:a16="http://schemas.microsoft.com/office/drawing/2014/main" id="{E80E3706-A83E-494E-A735-01B8FFF0AF39}"/>
+              </a:ext>
+            </a:extLst>
+          </p:cNvPr>
+          <p:cNvSpPr/>
+          <p:nvPr/>
+        </p:nvSpPr>
+        <p:spPr>
+          <a:xfrm>
+            <a:off x="4439248" y="2936878"/>
+            <a:ext cx="1098083" cy="653143"/>
+          </a:xfrm>
+          <a:prstGeom prst="rect">
+            <a:avLst/>
+          </a:prstGeom>
+        </p:spPr>
+        <p:style>
+          <a:lnRef idx="2">
+            <a:schemeClr val="accent1">
+              <a:shade val="50000"/>
+            </a:schemeClr>
+          </a:lnRef>
+          <a:fillRef idx="1">
+            <a:schemeClr val="accent1"/>
+          </a:fillRef>
+          <a:effectRef idx="0">
+            <a:schemeClr val="accent1"/>
+          </a:effectRef>
+          <a:fontRef idx="minor">
+            <a:schemeClr val="lt1"/>
+          </a:fontRef>
+        </p:style>
+        <p:txBody>
+          <a:bodyPr rtlCol="0" anchor="ctr"/>
+          <a:lstStyle/>
+          <a:p>
+            <a:pPr algn="ctr"/>
+            <a:r>
+              <a:rPr lang="zh-TW" altLang="en-US" dirty="0">
+                <a:solidFill>
+                  <a:sysClr val="windowText" lastClr="000000"/>
+                </a:solidFill>
+              </a:rPr>
+              <a:t>計算機識別處理</a:t>
+            </a:r>
+          </a:p>
+        </p:txBody>
+      </p:sp>
+      <p:sp>
+        <p:nvSpPr>
+          <p:cNvPr id="6" name="矩形 5">
+            <a:extLst>
+              <a:ext uri="{FF2B5EF4-FFF2-40B4-BE49-F238E27FC236}">
+                <a16:creationId xmlns:a16="http://schemas.microsoft.com/office/drawing/2014/main" id="{25DEAD4B-B734-430A-B3C5-136A58462DCA}"/>
+              </a:ext>
+            </a:extLst>
+          </p:cNvPr>
+          <p:cNvSpPr/>
+          <p:nvPr/>
+        </p:nvSpPr>
+        <p:spPr>
+          <a:xfrm>
+            <a:off x="7012697" y="2936878"/>
+            <a:ext cx="1273628" cy="653143"/>
+          </a:xfrm>
+          <a:prstGeom prst="rect">
+            <a:avLst/>
+          </a:prstGeom>
+        </p:spPr>
+        <p:style>
+          <a:lnRef idx="2">
+            <a:schemeClr val="accent1">
+              <a:shade val="50000"/>
+            </a:schemeClr>
+          </a:lnRef>
+          <a:fillRef idx="1">
+            <a:schemeClr val="accent1"/>
+          </a:fillRef>
+          <a:effectRef idx="0">
+            <a:schemeClr val="accent1"/>
+          </a:effectRef>
+          <a:fontRef idx="minor">
+            <a:schemeClr val="lt1"/>
+          </a:fontRef>
+        </p:style>
+        <p:txBody>
+          <a:bodyPr rtlCol="0" anchor="ctr"/>
+          <a:lstStyle/>
+          <a:p>
+            <a:pPr algn="ctr"/>
+            <a:r>
+              <a:rPr lang="zh-TW" altLang="en-US" dirty="0">
+                <a:solidFill>
+                  <a:sysClr val="windowText" lastClr="000000"/>
+                </a:solidFill>
+              </a:rPr>
+              <a:t>本文訊息</a:t>
+            </a:r>
+          </a:p>
+        </p:txBody>
+      </p:sp>
+      <p:sp>
+        <p:nvSpPr>
+          <p:cNvPr id="7" name="矩形 6">
+            <a:extLst>
+              <a:ext uri="{FF2B5EF4-FFF2-40B4-BE49-F238E27FC236}">
+                <a16:creationId xmlns:a16="http://schemas.microsoft.com/office/drawing/2014/main" id="{ED25A542-FF0C-4414-8F5F-501F32F06A6E}"/>
+              </a:ext>
+            </a:extLst>
+          </p:cNvPr>
+          <p:cNvSpPr/>
+          <p:nvPr/>
+        </p:nvSpPr>
+        <p:spPr>
+          <a:xfrm>
+            <a:off x="9055186" y="2936878"/>
+            <a:ext cx="1273628" cy="653143"/>
+          </a:xfrm>
+          <a:prstGeom prst="rect">
+            <a:avLst/>
+          </a:prstGeom>
+        </p:spPr>
+        <p:style>
+          <a:lnRef idx="2">
+            <a:schemeClr val="accent1">
+              <a:shade val="50000"/>
+            </a:schemeClr>
+          </a:lnRef>
+          <a:fillRef idx="1">
+            <a:schemeClr val="accent1"/>
+          </a:fillRef>
+          <a:effectRef idx="0">
+            <a:schemeClr val="accent1"/>
+          </a:effectRef>
+          <a:fontRef idx="minor">
+            <a:schemeClr val="lt1"/>
+          </a:fontRef>
+        </p:style>
+        <p:txBody>
+          <a:bodyPr rtlCol="0" anchor="ctr"/>
+          <a:lstStyle/>
+          <a:p>
+            <a:pPr algn="ctr"/>
+            <a:r>
+              <a:rPr lang="zh-TW" altLang="en-US" dirty="0">
+                <a:solidFill>
+                  <a:sysClr val="windowText" lastClr="000000"/>
+                </a:solidFill>
+              </a:rPr>
+              <a:t>校對</a:t>
+            </a:r>
+          </a:p>
+        </p:txBody>
+      </p:sp>
+      <p:sp>
+        <p:nvSpPr>
+          <p:cNvPr id="9" name="矩形 8">
+            <a:extLst>
+              <a:ext uri="{FF2B5EF4-FFF2-40B4-BE49-F238E27FC236}">
+                <a16:creationId xmlns:a16="http://schemas.microsoft.com/office/drawing/2014/main" id="{AC00E4D6-00EB-444C-8B6E-92F5E3DEF5BB}"/>
+              </a:ext>
+            </a:extLst>
+          </p:cNvPr>
+          <p:cNvSpPr/>
+          <p:nvPr/>
+        </p:nvSpPr>
+        <p:spPr>
+          <a:xfrm>
+            <a:off x="10762207" y="2946857"/>
+            <a:ext cx="1273628" cy="653143"/>
+          </a:xfrm>
+          <a:prstGeom prst="rect">
+            <a:avLst/>
+          </a:prstGeom>
+        </p:spPr>
+        <p:style>
+          <a:lnRef idx="2">
+            <a:schemeClr val="accent1">
+              <a:shade val="50000"/>
+            </a:schemeClr>
+          </a:lnRef>
+          <a:fillRef idx="1">
+            <a:schemeClr val="accent1"/>
+          </a:fillRef>
+          <a:effectRef idx="0">
+            <a:schemeClr val="accent1"/>
+          </a:effectRef>
+          <a:fontRef idx="minor">
+            <a:schemeClr val="lt1"/>
+          </a:fontRef>
+        </p:style>
+        <p:txBody>
+          <a:bodyPr rtlCol="0" anchor="ctr"/>
+          <a:lstStyle/>
+          <a:p>
+            <a:pPr algn="ctr"/>
+            <a:r>
+              <a:rPr lang="zh-TW" altLang="en-US" dirty="0">
+                <a:solidFill>
+                  <a:sysClr val="windowText" lastClr="000000"/>
+                </a:solidFill>
+              </a:rPr>
+              <a:t>輸出</a:t>
+            </a:r>
+          </a:p>
+        </p:txBody>
+      </p:sp>
+      <p:sp>
+        <p:nvSpPr>
+          <p:cNvPr id="15" name="箭號: 向右 14">
+            <a:extLst>
+              <a:ext uri="{FF2B5EF4-FFF2-40B4-BE49-F238E27FC236}">
+                <a16:creationId xmlns:a16="http://schemas.microsoft.com/office/drawing/2014/main" id="{7201D331-C596-4C0F-8BED-E1A8A9FB0820}"/>
+              </a:ext>
+            </a:extLst>
+          </p:cNvPr>
+          <p:cNvSpPr/>
+          <p:nvPr/>
+        </p:nvSpPr>
+        <p:spPr>
+          <a:xfrm>
+            <a:off x="31473" y="3070662"/>
+            <a:ext cx="1567537" cy="499868"/>
+          </a:xfrm>
+          <a:prstGeom prst="rightArrow">
+            <a:avLst/>
+          </a:prstGeom>
+        </p:spPr>
+        <p:style>
+          <a:lnRef idx="2">
+            <a:schemeClr val="dk1">
+              <a:shade val="50000"/>
+            </a:schemeClr>
+          </a:lnRef>
+          <a:fillRef idx="1">
+            <a:schemeClr val="dk1"/>
+          </a:fillRef>
+          <a:effectRef idx="0">
+            <a:schemeClr val="dk1"/>
+          </a:effectRef>
+          <a:fontRef idx="minor">
+            <a:schemeClr val="lt1"/>
+          </a:fontRef>
+        </p:style>
+        <p:txBody>
+          <a:bodyPr rtlCol="0" anchor="ctr"/>
+          <a:lstStyle/>
+          <a:p>
+            <a:pPr algn="ctr"/>
+            <a:r>
+              <a:rPr lang="zh-TW" altLang="en-US" dirty="0"/>
+              <a:t>光學輸入</a:t>
+            </a:r>
+          </a:p>
+        </p:txBody>
+      </p:sp>
+      <p:sp>
+        <p:nvSpPr>
+          <p:cNvPr id="16" name="箭號: 向右 15">
+            <a:extLst>
+              <a:ext uri="{FF2B5EF4-FFF2-40B4-BE49-F238E27FC236}">
+                <a16:creationId xmlns:a16="http://schemas.microsoft.com/office/drawing/2014/main" id="{4D00F7E3-152A-428B-B34F-98682A69CC84}"/>
+              </a:ext>
+            </a:extLst>
+          </p:cNvPr>
+          <p:cNvSpPr/>
+          <p:nvPr/>
+        </p:nvSpPr>
+        <p:spPr>
+          <a:xfrm>
+            <a:off x="2934604" y="3136272"/>
+            <a:ext cx="1447823" cy="368649"/>
+          </a:xfrm>
+          <a:prstGeom prst="rightArrow">
+            <a:avLst/>
+          </a:prstGeom>
+        </p:spPr>
+        <p:style>
+          <a:lnRef idx="2">
+            <a:schemeClr val="dk1">
+              <a:shade val="50000"/>
+            </a:schemeClr>
+          </a:lnRef>
+          <a:fillRef idx="1">
+            <a:schemeClr val="dk1"/>
+          </a:fillRef>
+          <a:effectRef idx="0">
+            <a:schemeClr val="dk1"/>
+          </a:effectRef>
+          <a:fontRef idx="minor">
+            <a:schemeClr val="lt1"/>
+          </a:fontRef>
+        </p:style>
+        <p:txBody>
+          <a:bodyPr rtlCol="0" anchor="ctr"/>
+          <a:lstStyle/>
+          <a:p>
+            <a:pPr algn="ctr"/>
+            <a:r>
+              <a:rPr lang="zh-TW" altLang="en-US" dirty="0"/>
+              <a:t>訊息轉化</a:t>
+            </a:r>
+          </a:p>
+        </p:txBody>
+      </p:sp>
+      <p:sp>
+        <p:nvSpPr>
+          <p:cNvPr id="17" name="箭號: 向右 16">
+            <a:extLst>
+              <a:ext uri="{FF2B5EF4-FFF2-40B4-BE49-F238E27FC236}">
+                <a16:creationId xmlns:a16="http://schemas.microsoft.com/office/drawing/2014/main" id="{C1F4D64C-0444-4AA1-A117-4BED081CFB6D}"/>
+              </a:ext>
+            </a:extLst>
+          </p:cNvPr>
+          <p:cNvSpPr/>
+          <p:nvPr/>
+        </p:nvSpPr>
+        <p:spPr>
+          <a:xfrm>
+            <a:off x="5689185" y="3096051"/>
+            <a:ext cx="1273629" cy="449093"/>
+          </a:xfrm>
+          <a:prstGeom prst="rightArrow">
+            <a:avLst/>
+          </a:prstGeom>
+        </p:spPr>
+        <p:style>
+          <a:lnRef idx="2">
+            <a:schemeClr val="dk1">
+              <a:shade val="50000"/>
+            </a:schemeClr>
+          </a:lnRef>
+          <a:fillRef idx="1">
+            <a:schemeClr val="dk1"/>
+          </a:fillRef>
+          <a:effectRef idx="0">
+            <a:schemeClr val="dk1"/>
+          </a:effectRef>
+          <a:fontRef idx="minor">
+            <a:schemeClr val="lt1"/>
+          </a:fontRef>
+        </p:style>
+        <p:txBody>
+          <a:bodyPr rtlCol="0" anchor="ctr"/>
+          <a:lstStyle/>
+          <a:p>
+            <a:pPr algn="ctr"/>
+            <a:r>
+              <a:rPr lang="zh-TW" altLang="en-US" dirty="0"/>
+              <a:t>對比識別</a:t>
+            </a:r>
+          </a:p>
+        </p:txBody>
+      </p:sp>
+      <p:sp>
+        <p:nvSpPr>
+          <p:cNvPr id="18" name="箭號: 向右 17">
+            <a:extLst>
+              <a:ext uri="{FF2B5EF4-FFF2-40B4-BE49-F238E27FC236}">
+                <a16:creationId xmlns:a16="http://schemas.microsoft.com/office/drawing/2014/main" id="{06A78B60-ABDF-4029-880C-08561605351C}"/>
+              </a:ext>
+            </a:extLst>
+          </p:cNvPr>
+          <p:cNvSpPr/>
+          <p:nvPr/>
+        </p:nvSpPr>
+        <p:spPr>
+          <a:xfrm>
+            <a:off x="8336208" y="3096051"/>
+            <a:ext cx="680842" cy="322577"/>
+          </a:xfrm>
+          <a:prstGeom prst="rightArrow">
+            <a:avLst/>
+          </a:prstGeom>
+        </p:spPr>
+        <p:style>
+          <a:lnRef idx="2">
+            <a:schemeClr val="dk1">
+              <a:shade val="50000"/>
+            </a:schemeClr>
+          </a:lnRef>
+          <a:fillRef idx="1">
+            <a:schemeClr val="dk1"/>
+          </a:fillRef>
+          <a:effectRef idx="0">
+            <a:schemeClr val="dk1"/>
+          </a:effectRef>
+          <a:fontRef idx="minor">
+            <a:schemeClr val="lt1"/>
+          </a:fontRef>
+        </p:style>
+        <p:txBody>
+          <a:bodyPr rtlCol="0" anchor="ctr"/>
+          <a:lstStyle/>
+          <a:p>
+            <a:pPr algn="ctr"/>
+            <a:endParaRPr lang="zh-TW" altLang="en-US" dirty="0"/>
+          </a:p>
+        </p:txBody>
+      </p:sp>
+      <p:sp>
+        <p:nvSpPr>
+          <p:cNvPr id="19" name="箭號: 向右 18">
+            <a:extLst>
+              <a:ext uri="{FF2B5EF4-FFF2-40B4-BE49-F238E27FC236}">
+                <a16:creationId xmlns:a16="http://schemas.microsoft.com/office/drawing/2014/main" id="{B9D5F5DD-B3A4-4B08-A7D0-E2C829BCCD86}"/>
+              </a:ext>
+            </a:extLst>
+          </p:cNvPr>
+          <p:cNvSpPr/>
+          <p:nvPr/>
+        </p:nvSpPr>
+        <p:spPr>
+          <a:xfrm>
+            <a:off x="10353013" y="3102429"/>
+            <a:ext cx="395256" cy="316199"/>
+          </a:xfrm>
+          <a:prstGeom prst="rightArrow">
+            <a:avLst/>
+          </a:prstGeom>
+        </p:spPr>
+        <p:style>
+          <a:lnRef idx="2">
+            <a:schemeClr val="dk1">
+              <a:shade val="50000"/>
+            </a:schemeClr>
+          </a:lnRef>
+          <a:fillRef idx="1">
+            <a:schemeClr val="dk1"/>
+          </a:fillRef>
+          <a:effectRef idx="0">
+            <a:schemeClr val="dk1"/>
+          </a:effectRef>
+          <a:fontRef idx="minor">
+            <a:schemeClr val="lt1"/>
+          </a:fontRef>
+        </p:style>
+        <p:txBody>
+          <a:bodyPr rtlCol="0" anchor="ctr"/>
+          <a:lstStyle/>
+          <a:p>
+            <a:pPr algn="ctr"/>
+            <a:endParaRPr lang="zh-TW" altLang="en-US" dirty="0"/>
+          </a:p>
+        </p:txBody>
+      </p:sp>
     </p:spTree>
     <p:extLst>
       <p:ext uri="{BB962C8B-B14F-4D97-AF65-F5344CB8AC3E}">
-        <p14:creationId xmlns:p14="http://schemas.microsoft.com/office/powerpoint/2010/main" val="2552317983"/>
+        <p14:creationId xmlns:p14="http://schemas.microsoft.com/office/powerpoint/2010/main" val="642914295"/>
       </p:ext>
     </p:extLst>
   </p:cSld>
   <p:clrMapOvr>
     <a:masterClrMapping/>
   </p:clrMapOvr>
-  <p:timing>
-    <p:tnLst>
-      <p:par>
-        <p:cTn id="1" dur="indefinite" restart="never" nodeType="tmRoot"/>
-      </p:par>
-    </p:tnLst>
-  </p:timing>
 </p:sld>
 </file>
 
@@ -15764,7 +16611,13 @@
       </p:grpSpPr>
       <p:sp>
         <p:nvSpPr>
-          <p:cNvPr id="2" name="標題 1"/>
+          <p:cNvPr id="2" name="標題 1">
+            <a:extLst>
+              <a:ext uri="{FF2B5EF4-FFF2-40B4-BE49-F238E27FC236}">
+                <a16:creationId xmlns:a16="http://schemas.microsoft.com/office/drawing/2014/main" id="{9DB7B0CB-97A1-4604-9C1F-4F6FDA0A01B3}"/>
+              </a:ext>
+            </a:extLst>
+          </p:cNvPr>
           <p:cNvSpPr>
             <a:spLocks noGrp="1"/>
           </p:cNvSpPr>
@@ -15772,286 +16625,1091 @@
             <p:ph type="title"/>
           </p:nvPr>
         </p:nvSpPr>
+        <p:spPr/>
+        <p:txBody>
+          <a:bodyPr/>
+          <a:lstStyle/>
+          <a:p>
+            <a:r>
+              <a:rPr lang="en-US" altLang="zh-TW" dirty="0"/>
+              <a:t>OCR</a:t>
+            </a:r>
+            <a:r>
+              <a:rPr lang="zh-TW" altLang="en-US" dirty="0"/>
+              <a:t>運作流程</a:t>
+            </a:r>
+          </a:p>
+        </p:txBody>
+      </p:sp>
+      <p:sp>
+        <p:nvSpPr>
+          <p:cNvPr id="4" name="矩形: 圓角化對角角落 3">
+            <a:extLst>
+              <a:ext uri="{FF2B5EF4-FFF2-40B4-BE49-F238E27FC236}">
+                <a16:creationId xmlns:a16="http://schemas.microsoft.com/office/drawing/2014/main" id="{DE10EA4C-B4E3-46AC-ABA3-AA8D19DF2E17}"/>
+              </a:ext>
+            </a:extLst>
+          </p:cNvPr>
+          <p:cNvSpPr/>
+          <p:nvPr/>
+        </p:nvSpPr>
         <p:spPr>
           <a:xfrm>
-            <a:off x="1041204" y="543362"/>
-            <a:ext cx="9905998" cy="1373120"/>
+            <a:off x="1141413" y="2155971"/>
+            <a:ext cx="1006679" cy="511728"/>
           </a:xfrm>
-        </p:spPr>
-        <p:txBody>
-          <a:bodyPr/>
-          <a:lstStyle/>
-          <a:p>
-            <a:r>
-              <a:rPr lang="zh-TW" altLang="en-US" dirty="0"/>
-              <a:t/>
-            </a:r>
-            <a:br>
-              <a:rPr lang="zh-TW" altLang="en-US" dirty="0"/>
-            </a:br>
-            <a:r>
-              <a:rPr lang="en-US" altLang="zh-TW" dirty="0" smtClean="0"/>
-              <a:t>1.</a:t>
-            </a:r>
-            <a:r>
-              <a:rPr lang="zh-TW" altLang="en-US" dirty="0" smtClean="0"/>
-              <a:t>準備訓練圖片</a:t>
-            </a:r>
-            <a:endParaRPr lang="zh-TW" altLang="en-US" dirty="0"/>
-          </a:p>
-        </p:txBody>
-      </p:sp>
-      <p:pic>
-        <p:nvPicPr>
-          <p:cNvPr id="10" name="內容版面配置區 9"/>
-          <p:cNvPicPr>
-            <a:picLocks noGrp="1" noChangeAspect="1"/>
-          </p:cNvPicPr>
-          <p:nvPr>
-            <p:ph idx="1"/>
-          </p:nvPr>
-        </p:nvPicPr>
-        <p:blipFill>
-          <a:blip r:embed="rId2">
-            <a:extLst>
-              <a:ext uri="{28A0092B-C50C-407E-A947-70E740481C1C}">
-                <a14:useLocalDpi xmlns:a14="http://schemas.microsoft.com/office/drawing/2010/main" val="0"/>
-              </a:ext>
-            </a:extLst>
-          </a:blip>
-          <a:stretch>
-            <a:fillRect/>
-          </a:stretch>
-        </p:blipFill>
-        <p:spPr>
-          <a:xfrm>
-            <a:off x="382656" y="4353365"/>
-            <a:ext cx="5187086" cy="1812759"/>
-          </a:xfrm>
-        </p:spPr>
-      </p:pic>
-      <p:pic>
-        <p:nvPicPr>
-          <p:cNvPr id="11" name="圖片 10"/>
-          <p:cNvPicPr>
-            <a:picLocks noChangeAspect="1"/>
-          </p:cNvPicPr>
-          <p:nvPr/>
-        </p:nvPicPr>
-        <p:blipFill>
-          <a:blip r:embed="rId3">
-            <a:extLst>
-              <a:ext uri="{28A0092B-C50C-407E-A947-70E740481C1C}">
-                <a14:useLocalDpi xmlns:a14="http://schemas.microsoft.com/office/drawing/2010/main" val="0"/>
-              </a:ext>
-            </a:extLst>
-          </a:blip>
-          <a:stretch>
-            <a:fillRect/>
-          </a:stretch>
-        </p:blipFill>
-        <p:spPr>
-          <a:xfrm>
-            <a:off x="5744839" y="4353365"/>
-            <a:ext cx="6273800" cy="1812759"/>
-          </a:xfrm>
-          <a:prstGeom prst="rect">
+          <a:prstGeom prst="round2DiagRect">
             <a:avLst/>
           </a:prstGeom>
         </p:spPr>
-      </p:pic>
-      <p:sp>
-        <p:nvSpPr>
-          <p:cNvPr id="13" name="文字方塊 12"/>
-          <p:cNvSpPr txBox="1"/>
+        <p:style>
+          <a:lnRef idx="2">
+            <a:schemeClr val="accent1">
+              <a:shade val="50000"/>
+            </a:schemeClr>
+          </a:lnRef>
+          <a:fillRef idx="1">
+            <a:schemeClr val="accent1"/>
+          </a:fillRef>
+          <a:effectRef idx="0">
+            <a:schemeClr val="accent1"/>
+          </a:effectRef>
+          <a:fontRef idx="minor">
+            <a:schemeClr val="lt1"/>
+          </a:fontRef>
+        </p:style>
+        <p:txBody>
+          <a:bodyPr rtlCol="0" anchor="ctr"/>
+          <a:lstStyle/>
+          <a:p>
+            <a:pPr algn="ctr"/>
+            <a:r>
+              <a:rPr lang="zh-TW" altLang="en-US" sz="1400" dirty="0">
+                <a:solidFill>
+                  <a:schemeClr val="bg1"/>
+                </a:solidFill>
+              </a:rPr>
+              <a:t>圖像處理</a:t>
+            </a:r>
+          </a:p>
+        </p:txBody>
+      </p:sp>
+      <p:sp>
+        <p:nvSpPr>
+          <p:cNvPr id="5" name="矩形: 圓角化對角角落 4">
+            <a:extLst>
+              <a:ext uri="{FF2B5EF4-FFF2-40B4-BE49-F238E27FC236}">
+                <a16:creationId xmlns:a16="http://schemas.microsoft.com/office/drawing/2014/main" id="{C0C211FE-65FC-45B2-9F4C-3F2E91568E71}"/>
+              </a:ext>
+            </a:extLst>
+          </p:cNvPr>
+          <p:cNvSpPr/>
           <p:nvPr/>
         </p:nvSpPr>
         <p:spPr>
           <a:xfrm>
-            <a:off x="1041204" y="2116899"/>
-            <a:ext cx="10795892" cy="1938992"/>
+            <a:off x="2634653" y="2155971"/>
+            <a:ext cx="1098448" cy="511728"/>
           </a:xfrm>
-          <a:prstGeom prst="rect">
+          <a:prstGeom prst="round2DiagRect">
             <a:avLst/>
           </a:prstGeom>
-          <a:noFill/>
         </p:spPr>
-        <p:txBody>
-          <a:bodyPr wrap="square" rtlCol="0">
-            <a:spAutoFit/>
-          </a:bodyPr>
+        <p:style>
+          <a:lnRef idx="2">
+            <a:schemeClr val="accent1">
+              <a:shade val="50000"/>
+            </a:schemeClr>
+          </a:lnRef>
+          <a:fillRef idx="1">
+            <a:schemeClr val="accent1"/>
+          </a:fillRef>
+          <a:effectRef idx="0">
+            <a:schemeClr val="accent1"/>
+          </a:effectRef>
+          <a:fontRef idx="minor">
+            <a:schemeClr val="lt1"/>
+          </a:fontRef>
+        </p:style>
+        <p:txBody>
+          <a:bodyPr rtlCol="0" anchor="ctr"/>
           <a:lstStyle/>
           <a:p>
-            <a:r>
-              <a:rPr lang="zh-TW" altLang="en-US" sz="2400" dirty="0" smtClean="0"/>
-              <a:t>需要將</a:t>
-            </a:r>
-            <a:r>
-              <a:rPr lang="en-US" altLang="zh-TW" sz="2400" dirty="0" smtClean="0"/>
-              <a:t>jpg</a:t>
-            </a:r>
-            <a:r>
-              <a:rPr lang="zh-TW" altLang="en-US" sz="2400" dirty="0" smtClean="0"/>
-              <a:t>檔轉換成</a:t>
-            </a:r>
-            <a:r>
-              <a:rPr lang="en-US" altLang="zh-TW" sz="2400" dirty="0" err="1" smtClean="0"/>
-              <a:t>tif</a:t>
-            </a:r>
-            <a:r>
-              <a:rPr lang="zh-TW" altLang="en-US" sz="2400" dirty="0" smtClean="0"/>
-              <a:t>檔 更換名子有嚴苛的要求 </a:t>
-            </a:r>
-            <a:r>
-              <a:rPr lang="en-US" altLang="zh-TW" sz="2400" dirty="0" smtClean="0"/>
-              <a:t>:</a:t>
-            </a:r>
-          </a:p>
-          <a:p>
-            <a:r>
-              <a:rPr lang="zh-TW" altLang="en-US" sz="2400" dirty="0"/>
-              <a:t> </a:t>
-            </a:r>
-            <a:r>
-              <a:rPr lang="zh-TW" altLang="en-US" sz="2400" dirty="0" smtClean="0"/>
-              <a:t>        </a:t>
-            </a:r>
-            <a:r>
-              <a:rPr lang="en-US" altLang="zh-TW" sz="2400" dirty="0" err="1"/>
-              <a:t>tif</a:t>
-            </a:r>
-            <a:r>
-              <a:rPr lang="zh-TW" altLang="en-US" sz="2400" dirty="0"/>
-              <a:t>文面命名格式</a:t>
-            </a:r>
-            <a:r>
-              <a:rPr lang="en-US" altLang="zh-TW" sz="2400" dirty="0"/>
-              <a:t>[</a:t>
-            </a:r>
-            <a:r>
-              <a:rPr lang="en-US" altLang="zh-TW" sz="2400" dirty="0" err="1"/>
-              <a:t>lang</a:t>
-            </a:r>
-            <a:r>
-              <a:rPr lang="en-US" altLang="zh-TW" sz="2400" dirty="0"/>
-              <a:t>].[</a:t>
-            </a:r>
-            <a:r>
-              <a:rPr lang="en-US" altLang="zh-TW" sz="2400" dirty="0" err="1"/>
-              <a:t>fontname</a:t>
-            </a:r>
-            <a:r>
-              <a:rPr lang="en-US" altLang="zh-TW" sz="2400" dirty="0"/>
-              <a:t>].</a:t>
-            </a:r>
-            <a:r>
-              <a:rPr lang="en-US" altLang="zh-TW" sz="2400" dirty="0" err="1"/>
-              <a:t>exp</a:t>
-            </a:r>
-            <a:r>
-              <a:rPr lang="en-US" altLang="zh-TW" sz="2400" dirty="0"/>
-              <a:t>[</a:t>
-            </a:r>
-            <a:r>
-              <a:rPr lang="en-US" altLang="zh-TW" sz="2400" dirty="0" err="1"/>
-              <a:t>num</a:t>
-            </a:r>
-            <a:r>
-              <a:rPr lang="en-US" altLang="zh-TW" sz="2400" dirty="0"/>
-              <a:t>].</a:t>
-            </a:r>
-            <a:r>
-              <a:rPr lang="en-US" altLang="zh-TW" sz="2400" dirty="0" err="1"/>
-              <a:t>tif</a:t>
-            </a:r>
-            <a:endParaRPr lang="en-US" altLang="zh-TW" sz="2400" dirty="0"/>
-          </a:p>
-          <a:p>
-            <a:r>
-              <a:rPr lang="zh-TW" altLang="en-US" sz="2400" dirty="0" smtClean="0"/>
-              <a:t>         </a:t>
-            </a:r>
-            <a:r>
-              <a:rPr lang="en-US" altLang="zh-TW" sz="2400" dirty="0" err="1" smtClean="0"/>
-              <a:t>lang</a:t>
-            </a:r>
-            <a:r>
-              <a:rPr lang="zh-TW" altLang="en-US" sz="2400" dirty="0"/>
-              <a:t>是語言 </a:t>
-            </a:r>
-            <a:r>
-              <a:rPr lang="en-US" altLang="zh-TW" sz="2400" dirty="0" err="1"/>
-              <a:t>fontname</a:t>
-            </a:r>
-            <a:r>
-              <a:rPr lang="zh-TW" altLang="en-US" sz="2400" dirty="0"/>
-              <a:t>是字體 </a:t>
-            </a:r>
-          </a:p>
-          <a:p>
-            <a:r>
-              <a:rPr lang="zh-TW" altLang="en-US" sz="2400" dirty="0" smtClean="0"/>
-              <a:t>         比如</a:t>
-            </a:r>
-            <a:r>
-              <a:rPr lang="zh-TW" altLang="en-US" sz="2400" dirty="0"/>
-              <a:t>我們要訓練自定義字庫 </a:t>
-            </a:r>
-            <a:r>
-              <a:rPr lang="en-US" altLang="zh-TW" sz="2400" dirty="0" err="1"/>
-              <a:t>mjorcen</a:t>
-            </a:r>
-            <a:r>
-              <a:rPr lang="zh-TW" altLang="en-US" sz="2400" dirty="0"/>
-              <a:t>字體名</a:t>
-            </a:r>
-            <a:r>
-              <a:rPr lang="en-US" altLang="zh-TW" sz="2400" dirty="0"/>
-              <a:t>normal</a:t>
-            </a:r>
-          </a:p>
-          <a:p>
-            <a:r>
-              <a:rPr lang="zh-TW" altLang="en-US" sz="2400" dirty="0" smtClean="0"/>
-              <a:t>         那</a:t>
-            </a:r>
-            <a:r>
-              <a:rPr lang="zh-TW" altLang="en-US" sz="2400" dirty="0"/>
-              <a:t>麽我們把圖片文件重命名 </a:t>
-            </a:r>
-            <a:r>
-              <a:rPr lang="en-US" altLang="zh-TW" sz="2400" dirty="0"/>
-              <a:t>mjorcen.normal.exp0.jpg</a:t>
-            </a:r>
-            <a:r>
-              <a:rPr lang="zh-TW" altLang="en-US" sz="2400" dirty="0"/>
-              <a:t>在轉</a:t>
-            </a:r>
-            <a:r>
-              <a:rPr lang="en-US" altLang="zh-TW" sz="2400" dirty="0" err="1"/>
-              <a:t>tif</a:t>
-            </a:r>
-            <a:endParaRPr lang="zh-TW" altLang="en-US" sz="2400" dirty="0"/>
+            <a:pPr algn="ctr"/>
+            <a:r>
+              <a:rPr lang="zh-TW" altLang="en-US" sz="1400" dirty="0">
+                <a:solidFill>
+                  <a:schemeClr val="bg1"/>
+                </a:solidFill>
+              </a:rPr>
+              <a:t>灰化度</a:t>
+            </a:r>
+          </a:p>
+        </p:txBody>
+      </p:sp>
+      <p:sp>
+        <p:nvSpPr>
+          <p:cNvPr id="6" name="矩形: 圓角化對角角落 5">
+            <a:extLst>
+              <a:ext uri="{FF2B5EF4-FFF2-40B4-BE49-F238E27FC236}">
+                <a16:creationId xmlns:a16="http://schemas.microsoft.com/office/drawing/2014/main" id="{1D177730-3271-4DCA-9493-82F36242D34D}"/>
+              </a:ext>
+            </a:extLst>
+          </p:cNvPr>
+          <p:cNvSpPr/>
+          <p:nvPr/>
+        </p:nvSpPr>
+        <p:spPr>
+          <a:xfrm>
+            <a:off x="4127893" y="2139033"/>
+            <a:ext cx="1098448" cy="511728"/>
+          </a:xfrm>
+          <a:prstGeom prst="round2DiagRect">
+            <a:avLst/>
+          </a:prstGeom>
+        </p:spPr>
+        <p:style>
+          <a:lnRef idx="2">
+            <a:schemeClr val="accent1">
+              <a:shade val="50000"/>
+            </a:schemeClr>
+          </a:lnRef>
+          <a:fillRef idx="1">
+            <a:schemeClr val="accent1"/>
+          </a:fillRef>
+          <a:effectRef idx="0">
+            <a:schemeClr val="accent1"/>
+          </a:effectRef>
+          <a:fontRef idx="minor">
+            <a:schemeClr val="lt1"/>
+          </a:fontRef>
+        </p:style>
+        <p:txBody>
+          <a:bodyPr rtlCol="0" anchor="ctr"/>
+          <a:lstStyle/>
+          <a:p>
+            <a:pPr algn="ctr"/>
+            <a:r>
+              <a:rPr lang="zh-TW" altLang="en-US" sz="1400" dirty="0">
+                <a:solidFill>
+                  <a:schemeClr val="bg1"/>
+                </a:solidFill>
+              </a:rPr>
+              <a:t>二值化</a:t>
+            </a:r>
+          </a:p>
+        </p:txBody>
+      </p:sp>
+      <p:sp>
+        <p:nvSpPr>
+          <p:cNvPr id="8" name="矩形: 圓角化對角角落 7">
+            <a:extLst>
+              <a:ext uri="{FF2B5EF4-FFF2-40B4-BE49-F238E27FC236}">
+                <a16:creationId xmlns:a16="http://schemas.microsoft.com/office/drawing/2014/main" id="{B43D46DE-7A67-4BC2-8B57-3A6D6BC6558B}"/>
+              </a:ext>
+            </a:extLst>
+          </p:cNvPr>
+          <p:cNvSpPr/>
+          <p:nvPr/>
+        </p:nvSpPr>
+        <p:spPr>
+          <a:xfrm>
+            <a:off x="5712902" y="2139033"/>
+            <a:ext cx="1006679" cy="511728"/>
+          </a:xfrm>
+          <a:prstGeom prst="round2DiagRect">
+            <a:avLst/>
+          </a:prstGeom>
+        </p:spPr>
+        <p:style>
+          <a:lnRef idx="2">
+            <a:schemeClr val="accent1">
+              <a:shade val="50000"/>
+            </a:schemeClr>
+          </a:lnRef>
+          <a:fillRef idx="1">
+            <a:schemeClr val="accent1"/>
+          </a:fillRef>
+          <a:effectRef idx="0">
+            <a:schemeClr val="accent1"/>
+          </a:effectRef>
+          <a:fontRef idx="minor">
+            <a:schemeClr val="lt1"/>
+          </a:fontRef>
+        </p:style>
+        <p:txBody>
+          <a:bodyPr rtlCol="0" anchor="ctr"/>
+          <a:lstStyle/>
+          <a:p>
+            <a:pPr algn="ctr"/>
+            <a:r>
+              <a:rPr lang="zh-TW" altLang="en-US" sz="1400" dirty="0">
+                <a:solidFill>
+                  <a:schemeClr val="bg1"/>
+                </a:solidFill>
+              </a:rPr>
+              <a:t>圖像降噪</a:t>
+            </a:r>
+          </a:p>
+        </p:txBody>
+      </p:sp>
+      <p:sp>
+        <p:nvSpPr>
+          <p:cNvPr id="9" name="矩形: 圓角化對角角落 8">
+            <a:extLst>
+              <a:ext uri="{FF2B5EF4-FFF2-40B4-BE49-F238E27FC236}">
+                <a16:creationId xmlns:a16="http://schemas.microsoft.com/office/drawing/2014/main" id="{BE78EBCB-B189-44DC-B6BB-09B3F0E2CE16}"/>
+              </a:ext>
+            </a:extLst>
+          </p:cNvPr>
+          <p:cNvSpPr/>
+          <p:nvPr/>
+        </p:nvSpPr>
+        <p:spPr>
+          <a:xfrm>
+            <a:off x="7206142" y="2105477"/>
+            <a:ext cx="1006679" cy="511728"/>
+          </a:xfrm>
+          <a:prstGeom prst="round2DiagRect">
+            <a:avLst/>
+          </a:prstGeom>
+        </p:spPr>
+        <p:style>
+          <a:lnRef idx="2">
+            <a:schemeClr val="accent1">
+              <a:shade val="50000"/>
+            </a:schemeClr>
+          </a:lnRef>
+          <a:fillRef idx="1">
+            <a:schemeClr val="accent1"/>
+          </a:fillRef>
+          <a:effectRef idx="0">
+            <a:schemeClr val="accent1"/>
+          </a:effectRef>
+          <a:fontRef idx="minor">
+            <a:schemeClr val="lt1"/>
+          </a:fontRef>
+        </p:style>
+        <p:txBody>
+          <a:bodyPr rtlCol="0" anchor="ctr"/>
+          <a:lstStyle/>
+          <a:p>
+            <a:pPr algn="ctr"/>
+            <a:r>
+              <a:rPr lang="zh-TW" altLang="en-US" sz="1400" dirty="0">
+                <a:solidFill>
+                  <a:schemeClr val="bg1"/>
+                </a:solidFill>
+              </a:rPr>
+              <a:t>傾斜矯正</a:t>
+            </a:r>
+          </a:p>
+        </p:txBody>
+      </p:sp>
+      <p:sp>
+        <p:nvSpPr>
+          <p:cNvPr id="10" name="矩形: 圓角化對角角落 9">
+            <a:extLst>
+              <a:ext uri="{FF2B5EF4-FFF2-40B4-BE49-F238E27FC236}">
+                <a16:creationId xmlns:a16="http://schemas.microsoft.com/office/drawing/2014/main" id="{B72FC031-3EB6-4FD7-B6B0-BCDC7C0A07DE}"/>
+              </a:ext>
+            </a:extLst>
+          </p:cNvPr>
+          <p:cNvSpPr/>
+          <p:nvPr/>
+        </p:nvSpPr>
+        <p:spPr>
+          <a:xfrm>
+            <a:off x="8791151" y="2071760"/>
+            <a:ext cx="1006679" cy="495111"/>
+          </a:xfrm>
+          <a:prstGeom prst="round2DiagRect">
+            <a:avLst/>
+          </a:prstGeom>
+        </p:spPr>
+        <p:style>
+          <a:lnRef idx="2">
+            <a:schemeClr val="accent1">
+              <a:shade val="50000"/>
+            </a:schemeClr>
+          </a:lnRef>
+          <a:fillRef idx="1">
+            <a:schemeClr val="accent1"/>
+          </a:fillRef>
+          <a:effectRef idx="0">
+            <a:schemeClr val="accent1"/>
+          </a:effectRef>
+          <a:fontRef idx="minor">
+            <a:schemeClr val="lt1"/>
+          </a:fontRef>
+        </p:style>
+        <p:txBody>
+          <a:bodyPr rtlCol="0" anchor="ctr"/>
+          <a:lstStyle/>
+          <a:p>
+            <a:pPr algn="ctr"/>
+            <a:r>
+              <a:rPr lang="zh-TW" altLang="en-US" sz="1400" dirty="0">
+                <a:solidFill>
+                  <a:schemeClr val="bg1"/>
+                </a:solidFill>
+              </a:rPr>
+              <a:t>文字切分</a:t>
+            </a:r>
+          </a:p>
+        </p:txBody>
+      </p:sp>
+      <p:sp>
+        <p:nvSpPr>
+          <p:cNvPr id="11" name="矩形: 圓角化對角角落 10">
+            <a:extLst>
+              <a:ext uri="{FF2B5EF4-FFF2-40B4-BE49-F238E27FC236}">
+                <a16:creationId xmlns:a16="http://schemas.microsoft.com/office/drawing/2014/main" id="{69916A29-9C62-45AE-ADA3-25251EED16E4}"/>
+              </a:ext>
+            </a:extLst>
+          </p:cNvPr>
+          <p:cNvSpPr/>
+          <p:nvPr/>
+        </p:nvSpPr>
+        <p:spPr>
+          <a:xfrm>
+            <a:off x="8791151" y="3445457"/>
+            <a:ext cx="1006679" cy="495111"/>
+          </a:xfrm>
+          <a:prstGeom prst="round2DiagRect">
+            <a:avLst/>
+          </a:prstGeom>
+        </p:spPr>
+        <p:style>
+          <a:lnRef idx="2">
+            <a:schemeClr val="accent1">
+              <a:shade val="50000"/>
+            </a:schemeClr>
+          </a:lnRef>
+          <a:fillRef idx="1">
+            <a:schemeClr val="accent1"/>
+          </a:fillRef>
+          <a:effectRef idx="0">
+            <a:schemeClr val="accent1"/>
+          </a:effectRef>
+          <a:fontRef idx="minor">
+            <a:schemeClr val="lt1"/>
+          </a:fontRef>
+        </p:style>
+        <p:txBody>
+          <a:bodyPr rtlCol="0" anchor="ctr"/>
+          <a:lstStyle/>
+          <a:p>
+            <a:pPr algn="ctr"/>
+            <a:r>
+              <a:rPr lang="zh-TW" altLang="en-US" sz="1400" dirty="0">
+                <a:solidFill>
+                  <a:schemeClr val="bg1"/>
+                </a:solidFill>
+              </a:rPr>
+              <a:t>文字辨識</a:t>
+            </a:r>
+          </a:p>
+        </p:txBody>
+      </p:sp>
+      <p:sp>
+        <p:nvSpPr>
+          <p:cNvPr id="12" name="矩形: 圓角化對角角落 11">
+            <a:extLst>
+              <a:ext uri="{FF2B5EF4-FFF2-40B4-BE49-F238E27FC236}">
+                <a16:creationId xmlns:a16="http://schemas.microsoft.com/office/drawing/2014/main" id="{E61F8499-C03E-4D08-842F-772A2578925F}"/>
+              </a:ext>
+            </a:extLst>
+          </p:cNvPr>
+          <p:cNvSpPr/>
+          <p:nvPr/>
+        </p:nvSpPr>
+        <p:spPr>
+          <a:xfrm>
+            <a:off x="6501468" y="3451428"/>
+            <a:ext cx="1711353" cy="495111"/>
+          </a:xfrm>
+          <a:prstGeom prst="round2DiagRect">
+            <a:avLst/>
+          </a:prstGeom>
+        </p:spPr>
+        <p:style>
+          <a:lnRef idx="2">
+            <a:schemeClr val="accent1">
+              <a:shade val="50000"/>
+            </a:schemeClr>
+          </a:lnRef>
+          <a:fillRef idx="1">
+            <a:schemeClr val="accent1"/>
+          </a:fillRef>
+          <a:effectRef idx="0">
+            <a:schemeClr val="accent1"/>
+          </a:effectRef>
+          <a:fontRef idx="minor">
+            <a:schemeClr val="lt1"/>
+          </a:fontRef>
+        </p:style>
+        <p:txBody>
+          <a:bodyPr rtlCol="0" anchor="ctr"/>
+          <a:lstStyle/>
+          <a:p>
+            <a:pPr algn="ctr"/>
+            <a:r>
+              <a:rPr lang="zh-TW" altLang="en-US" sz="1400" dirty="0">
+                <a:solidFill>
+                  <a:schemeClr val="bg1"/>
+                </a:solidFill>
+              </a:rPr>
+              <a:t>特徵提取降維</a:t>
+            </a:r>
+          </a:p>
+        </p:txBody>
+      </p:sp>
+      <p:sp>
+        <p:nvSpPr>
+          <p:cNvPr id="13" name="矩形: 圓角化對角角落 12">
+            <a:extLst>
+              <a:ext uri="{FF2B5EF4-FFF2-40B4-BE49-F238E27FC236}">
+                <a16:creationId xmlns:a16="http://schemas.microsoft.com/office/drawing/2014/main" id="{A69A1341-1FA0-4913-99D6-CE2CECF42C33}"/>
+              </a:ext>
+            </a:extLst>
+          </p:cNvPr>
+          <p:cNvSpPr/>
+          <p:nvPr/>
+        </p:nvSpPr>
+        <p:spPr>
+          <a:xfrm>
+            <a:off x="4807401" y="3445457"/>
+            <a:ext cx="1006679" cy="511728"/>
+          </a:xfrm>
+          <a:prstGeom prst="round2DiagRect">
+            <a:avLst/>
+          </a:prstGeom>
+        </p:spPr>
+        <p:style>
+          <a:lnRef idx="2">
+            <a:schemeClr val="accent1">
+              <a:shade val="50000"/>
+            </a:schemeClr>
+          </a:lnRef>
+          <a:fillRef idx="1">
+            <a:schemeClr val="accent1"/>
+          </a:fillRef>
+          <a:effectRef idx="0">
+            <a:schemeClr val="accent1"/>
+          </a:effectRef>
+          <a:fontRef idx="minor">
+            <a:schemeClr val="lt1"/>
+          </a:fontRef>
+        </p:style>
+        <p:txBody>
+          <a:bodyPr rtlCol="0" anchor="ctr"/>
+          <a:lstStyle/>
+          <a:p>
+            <a:pPr algn="ctr"/>
+            <a:r>
+              <a:rPr lang="zh-TW" altLang="en-US" sz="1400" dirty="0">
+                <a:solidFill>
+                  <a:schemeClr val="bg1"/>
+                </a:solidFill>
+              </a:rPr>
+              <a:t>設計訓練</a:t>
+            </a:r>
+          </a:p>
+        </p:txBody>
+      </p:sp>
+      <p:sp>
+        <p:nvSpPr>
+          <p:cNvPr id="14" name="矩形: 圓角化對角角落 13">
+            <a:extLst>
+              <a:ext uri="{FF2B5EF4-FFF2-40B4-BE49-F238E27FC236}">
+                <a16:creationId xmlns:a16="http://schemas.microsoft.com/office/drawing/2014/main" id="{4924E62F-8341-4049-8B97-7533C2B469F0}"/>
+              </a:ext>
+            </a:extLst>
+          </p:cNvPr>
+          <p:cNvSpPr/>
+          <p:nvPr/>
+        </p:nvSpPr>
+        <p:spPr>
+          <a:xfrm>
+            <a:off x="3121214" y="3445457"/>
+            <a:ext cx="1006679" cy="511728"/>
+          </a:xfrm>
+          <a:prstGeom prst="round2DiagRect">
+            <a:avLst/>
+          </a:prstGeom>
+        </p:spPr>
+        <p:style>
+          <a:lnRef idx="2">
+            <a:schemeClr val="accent1">
+              <a:shade val="50000"/>
+            </a:schemeClr>
+          </a:lnRef>
+          <a:fillRef idx="1">
+            <a:schemeClr val="accent1"/>
+          </a:fillRef>
+          <a:effectRef idx="0">
+            <a:schemeClr val="accent1"/>
+          </a:effectRef>
+          <a:fontRef idx="minor">
+            <a:schemeClr val="lt1"/>
+          </a:fontRef>
+        </p:style>
+        <p:txBody>
+          <a:bodyPr rtlCol="0" anchor="ctr"/>
+          <a:lstStyle/>
+          <a:p>
+            <a:pPr algn="ctr"/>
+            <a:r>
+              <a:rPr lang="zh-TW" altLang="en-US" sz="1400" dirty="0">
+                <a:solidFill>
+                  <a:schemeClr val="bg1"/>
+                </a:solidFill>
+              </a:rPr>
+              <a:t>後處理</a:t>
+            </a:r>
+          </a:p>
+        </p:txBody>
+      </p:sp>
+      <p:sp>
+        <p:nvSpPr>
+          <p:cNvPr id="15" name="矩形: 圓角化對角角落 14">
+            <a:extLst>
+              <a:ext uri="{FF2B5EF4-FFF2-40B4-BE49-F238E27FC236}">
+                <a16:creationId xmlns:a16="http://schemas.microsoft.com/office/drawing/2014/main" id="{25FC01E1-E9A0-4741-B62A-95C4529B4F81}"/>
+              </a:ext>
+            </a:extLst>
+          </p:cNvPr>
+          <p:cNvSpPr/>
+          <p:nvPr/>
+        </p:nvSpPr>
+        <p:spPr>
+          <a:xfrm>
+            <a:off x="1325461" y="3428840"/>
+            <a:ext cx="1108365" cy="511728"/>
+          </a:xfrm>
+          <a:prstGeom prst="round2DiagRect">
+            <a:avLst/>
+          </a:prstGeom>
+        </p:spPr>
+        <p:style>
+          <a:lnRef idx="2">
+            <a:schemeClr val="accent1">
+              <a:shade val="50000"/>
+            </a:schemeClr>
+          </a:lnRef>
+          <a:fillRef idx="1">
+            <a:schemeClr val="accent1"/>
+          </a:fillRef>
+          <a:effectRef idx="0">
+            <a:schemeClr val="accent1"/>
+          </a:effectRef>
+          <a:fontRef idx="minor">
+            <a:schemeClr val="lt1"/>
+          </a:fontRef>
+        </p:style>
+        <p:txBody>
+          <a:bodyPr rtlCol="0" anchor="ctr"/>
+          <a:lstStyle/>
+          <a:p>
+            <a:pPr algn="ctr"/>
+            <a:r>
+              <a:rPr lang="zh-TW" altLang="en-US" sz="1400">
+                <a:solidFill>
+                  <a:schemeClr val="bg1"/>
+                </a:solidFill>
+              </a:rPr>
+              <a:t>生成</a:t>
+            </a:r>
+            <a:r>
+              <a:rPr lang="en-US" altLang="zh-TW" sz="1400" dirty="0">
+                <a:solidFill>
+                  <a:schemeClr val="bg1"/>
+                </a:solidFill>
+              </a:rPr>
+              <a:t>TXT</a:t>
+            </a:r>
+            <a:r>
+              <a:rPr lang="zh-TW" altLang="en-US" sz="1400" dirty="0">
+                <a:solidFill>
+                  <a:schemeClr val="bg1"/>
+                </a:solidFill>
+              </a:rPr>
+              <a:t>檔</a:t>
+            </a:r>
+          </a:p>
+        </p:txBody>
+      </p:sp>
+      <p:sp>
+        <p:nvSpPr>
+          <p:cNvPr id="17" name="箭號: 向右 16">
+            <a:extLst>
+              <a:ext uri="{FF2B5EF4-FFF2-40B4-BE49-F238E27FC236}">
+                <a16:creationId xmlns:a16="http://schemas.microsoft.com/office/drawing/2014/main" id="{810920DC-FD50-457F-82F8-258F04E6C19D}"/>
+              </a:ext>
+            </a:extLst>
+          </p:cNvPr>
+          <p:cNvSpPr/>
+          <p:nvPr/>
+        </p:nvSpPr>
+        <p:spPr>
+          <a:xfrm>
+            <a:off x="2180694" y="2361341"/>
+            <a:ext cx="394792" cy="88244"/>
+          </a:xfrm>
+          <a:prstGeom prst="rightArrow">
+            <a:avLst/>
+          </a:prstGeom>
+        </p:spPr>
+        <p:style>
+          <a:lnRef idx="2">
+            <a:schemeClr val="dk1">
+              <a:shade val="50000"/>
+            </a:schemeClr>
+          </a:lnRef>
+          <a:fillRef idx="1">
+            <a:schemeClr val="dk1"/>
+          </a:fillRef>
+          <a:effectRef idx="0">
+            <a:schemeClr val="dk1"/>
+          </a:effectRef>
+          <a:fontRef idx="minor">
+            <a:schemeClr val="lt1"/>
+          </a:fontRef>
+        </p:style>
+        <p:txBody>
+          <a:bodyPr rtlCol="0" anchor="ctr"/>
+          <a:lstStyle/>
+          <a:p>
+            <a:pPr algn="ctr"/>
+            <a:endParaRPr lang="zh-TW" altLang="en-US"/>
+          </a:p>
+        </p:txBody>
+      </p:sp>
+      <p:sp>
+        <p:nvSpPr>
+          <p:cNvPr id="18" name="箭號: 向右 17">
+            <a:extLst>
+              <a:ext uri="{FF2B5EF4-FFF2-40B4-BE49-F238E27FC236}">
+                <a16:creationId xmlns:a16="http://schemas.microsoft.com/office/drawing/2014/main" id="{9A964C66-0EAD-4192-BE0D-67F4A1099301}"/>
+              </a:ext>
+            </a:extLst>
+          </p:cNvPr>
+          <p:cNvSpPr/>
+          <p:nvPr/>
+        </p:nvSpPr>
+        <p:spPr>
+          <a:xfrm>
+            <a:off x="3733101" y="2370379"/>
+            <a:ext cx="394792" cy="88244"/>
+          </a:xfrm>
+          <a:prstGeom prst="rightArrow">
+            <a:avLst/>
+          </a:prstGeom>
+        </p:spPr>
+        <p:style>
+          <a:lnRef idx="2">
+            <a:schemeClr val="dk1">
+              <a:shade val="50000"/>
+            </a:schemeClr>
+          </a:lnRef>
+          <a:fillRef idx="1">
+            <a:schemeClr val="dk1"/>
+          </a:fillRef>
+          <a:effectRef idx="0">
+            <a:schemeClr val="dk1"/>
+          </a:effectRef>
+          <a:fontRef idx="minor">
+            <a:schemeClr val="lt1"/>
+          </a:fontRef>
+        </p:style>
+        <p:txBody>
+          <a:bodyPr rtlCol="0" anchor="ctr"/>
+          <a:lstStyle/>
+          <a:p>
+            <a:pPr algn="ctr"/>
+            <a:endParaRPr lang="zh-TW" altLang="en-US"/>
+          </a:p>
+        </p:txBody>
+      </p:sp>
+      <p:sp>
+        <p:nvSpPr>
+          <p:cNvPr id="21" name="箭號: 向右 20">
+            <a:extLst>
+              <a:ext uri="{FF2B5EF4-FFF2-40B4-BE49-F238E27FC236}">
+                <a16:creationId xmlns:a16="http://schemas.microsoft.com/office/drawing/2014/main" id="{3C7A0B87-5698-4E3C-AD7C-2C16D4AA5B83}"/>
+              </a:ext>
+            </a:extLst>
+          </p:cNvPr>
+          <p:cNvSpPr/>
+          <p:nvPr/>
+        </p:nvSpPr>
+        <p:spPr>
+          <a:xfrm>
+            <a:off x="5272225" y="2370379"/>
+            <a:ext cx="394792" cy="88244"/>
+          </a:xfrm>
+          <a:prstGeom prst="rightArrow">
+            <a:avLst/>
+          </a:prstGeom>
+        </p:spPr>
+        <p:style>
+          <a:lnRef idx="2">
+            <a:schemeClr val="dk1">
+              <a:shade val="50000"/>
+            </a:schemeClr>
+          </a:lnRef>
+          <a:fillRef idx="1">
+            <a:schemeClr val="dk1"/>
+          </a:fillRef>
+          <a:effectRef idx="0">
+            <a:schemeClr val="dk1"/>
+          </a:effectRef>
+          <a:fontRef idx="minor">
+            <a:schemeClr val="lt1"/>
+          </a:fontRef>
+        </p:style>
+        <p:txBody>
+          <a:bodyPr rtlCol="0" anchor="ctr"/>
+          <a:lstStyle/>
+          <a:p>
+            <a:pPr algn="ctr"/>
+            <a:endParaRPr lang="zh-TW" altLang="en-US"/>
+          </a:p>
+        </p:txBody>
+      </p:sp>
+      <p:sp>
+        <p:nvSpPr>
+          <p:cNvPr id="22" name="箭號: 向右 21">
+            <a:extLst>
+              <a:ext uri="{FF2B5EF4-FFF2-40B4-BE49-F238E27FC236}">
+                <a16:creationId xmlns:a16="http://schemas.microsoft.com/office/drawing/2014/main" id="{58F0A7E8-5988-4D02-874D-67634884D22A}"/>
+              </a:ext>
+            </a:extLst>
+          </p:cNvPr>
+          <p:cNvSpPr/>
+          <p:nvPr/>
+        </p:nvSpPr>
+        <p:spPr>
+          <a:xfrm>
+            <a:off x="6752183" y="2350775"/>
+            <a:ext cx="394792" cy="88244"/>
+          </a:xfrm>
+          <a:prstGeom prst="rightArrow">
+            <a:avLst/>
+          </a:prstGeom>
+        </p:spPr>
+        <p:style>
+          <a:lnRef idx="2">
+            <a:schemeClr val="dk1">
+              <a:shade val="50000"/>
+            </a:schemeClr>
+          </a:lnRef>
+          <a:fillRef idx="1">
+            <a:schemeClr val="dk1"/>
+          </a:fillRef>
+          <a:effectRef idx="0">
+            <a:schemeClr val="dk1"/>
+          </a:effectRef>
+          <a:fontRef idx="minor">
+            <a:schemeClr val="lt1"/>
+          </a:fontRef>
+        </p:style>
+        <p:txBody>
+          <a:bodyPr rtlCol="0" anchor="ctr"/>
+          <a:lstStyle/>
+          <a:p>
+            <a:pPr algn="ctr"/>
+            <a:endParaRPr lang="zh-TW" altLang="en-US"/>
+          </a:p>
+        </p:txBody>
+      </p:sp>
+      <p:sp>
+        <p:nvSpPr>
+          <p:cNvPr id="23" name="箭號: 向右 22">
+            <a:extLst>
+              <a:ext uri="{FF2B5EF4-FFF2-40B4-BE49-F238E27FC236}">
+                <a16:creationId xmlns:a16="http://schemas.microsoft.com/office/drawing/2014/main" id="{6BCA75C8-BD1D-40FD-A0B9-B87045D5E384}"/>
+              </a:ext>
+            </a:extLst>
+          </p:cNvPr>
+          <p:cNvSpPr/>
+          <p:nvPr/>
+        </p:nvSpPr>
+        <p:spPr>
+          <a:xfrm>
+            <a:off x="8304590" y="2326257"/>
+            <a:ext cx="394792" cy="88244"/>
+          </a:xfrm>
+          <a:prstGeom prst="rightArrow">
+            <a:avLst/>
+          </a:prstGeom>
+        </p:spPr>
+        <p:style>
+          <a:lnRef idx="2">
+            <a:schemeClr val="dk1">
+              <a:shade val="50000"/>
+            </a:schemeClr>
+          </a:lnRef>
+          <a:fillRef idx="1">
+            <a:schemeClr val="dk1"/>
+          </a:fillRef>
+          <a:effectRef idx="0">
+            <a:schemeClr val="dk1"/>
+          </a:effectRef>
+          <a:fontRef idx="minor">
+            <a:schemeClr val="lt1"/>
+          </a:fontRef>
+        </p:style>
+        <p:txBody>
+          <a:bodyPr rtlCol="0" anchor="ctr"/>
+          <a:lstStyle/>
+          <a:p>
+            <a:pPr algn="ctr"/>
+            <a:endParaRPr lang="zh-TW" altLang="en-US"/>
+          </a:p>
+        </p:txBody>
+      </p:sp>
+      <p:sp>
+        <p:nvSpPr>
+          <p:cNvPr id="24" name="箭號: 向下 23">
+            <a:extLst>
+              <a:ext uri="{FF2B5EF4-FFF2-40B4-BE49-F238E27FC236}">
+                <a16:creationId xmlns:a16="http://schemas.microsoft.com/office/drawing/2014/main" id="{BAA1BF0D-8708-4E60-AC98-AEE05995F95A}"/>
+              </a:ext>
+            </a:extLst>
+          </p:cNvPr>
+          <p:cNvSpPr/>
+          <p:nvPr/>
+        </p:nvSpPr>
+        <p:spPr>
+          <a:xfrm>
+            <a:off x="9274029" y="2633742"/>
+            <a:ext cx="88085" cy="744844"/>
+          </a:xfrm>
+          <a:prstGeom prst="downArrow">
+            <a:avLst/>
+          </a:prstGeom>
+        </p:spPr>
+        <p:style>
+          <a:lnRef idx="2">
+            <a:schemeClr val="dk1">
+              <a:shade val="50000"/>
+            </a:schemeClr>
+          </a:lnRef>
+          <a:fillRef idx="1">
+            <a:schemeClr val="dk1"/>
+          </a:fillRef>
+          <a:effectRef idx="0">
+            <a:schemeClr val="dk1"/>
+          </a:effectRef>
+          <a:fontRef idx="minor">
+            <a:schemeClr val="lt1"/>
+          </a:fontRef>
+        </p:style>
+        <p:txBody>
+          <a:bodyPr rtlCol="0" anchor="ctr"/>
+          <a:lstStyle/>
+          <a:p>
+            <a:pPr algn="ctr"/>
+            <a:endParaRPr lang="zh-TW" altLang="en-US"/>
+          </a:p>
+        </p:txBody>
+      </p:sp>
+      <p:sp>
+        <p:nvSpPr>
+          <p:cNvPr id="25" name="箭號: 向左 24">
+            <a:extLst>
+              <a:ext uri="{FF2B5EF4-FFF2-40B4-BE49-F238E27FC236}">
+                <a16:creationId xmlns:a16="http://schemas.microsoft.com/office/drawing/2014/main" id="{79057A38-75DF-4835-AEC7-2D991F4541B3}"/>
+              </a:ext>
+            </a:extLst>
+          </p:cNvPr>
+          <p:cNvSpPr/>
+          <p:nvPr/>
+        </p:nvSpPr>
+        <p:spPr>
+          <a:xfrm>
+            <a:off x="8281648" y="3602952"/>
+            <a:ext cx="440676" cy="163504"/>
+          </a:xfrm>
+          <a:prstGeom prst="leftArrow">
+            <a:avLst/>
+          </a:prstGeom>
+        </p:spPr>
+        <p:style>
+          <a:lnRef idx="2">
+            <a:schemeClr val="dk1">
+              <a:shade val="50000"/>
+            </a:schemeClr>
+          </a:lnRef>
+          <a:fillRef idx="1">
+            <a:schemeClr val="dk1"/>
+          </a:fillRef>
+          <a:effectRef idx="0">
+            <a:schemeClr val="dk1"/>
+          </a:effectRef>
+          <a:fontRef idx="minor">
+            <a:schemeClr val="lt1"/>
+          </a:fontRef>
+        </p:style>
+        <p:txBody>
+          <a:bodyPr rtlCol="0" anchor="ctr"/>
+          <a:lstStyle/>
+          <a:p>
+            <a:pPr algn="ctr"/>
+            <a:endParaRPr lang="zh-TW" altLang="en-US"/>
+          </a:p>
+        </p:txBody>
+      </p:sp>
+      <p:sp>
+        <p:nvSpPr>
+          <p:cNvPr id="26" name="箭號: 向左 25">
+            <a:extLst>
+              <a:ext uri="{FF2B5EF4-FFF2-40B4-BE49-F238E27FC236}">
+                <a16:creationId xmlns:a16="http://schemas.microsoft.com/office/drawing/2014/main" id="{14B0C661-68FB-4F07-9FD5-A55D1BAB3CDE}"/>
+              </a:ext>
+            </a:extLst>
+          </p:cNvPr>
+          <p:cNvSpPr/>
+          <p:nvPr/>
+        </p:nvSpPr>
+        <p:spPr>
+          <a:xfrm>
+            <a:off x="5921168" y="3619568"/>
+            <a:ext cx="440676" cy="163505"/>
+          </a:xfrm>
+          <a:prstGeom prst="leftArrow">
+            <a:avLst/>
+          </a:prstGeom>
+        </p:spPr>
+        <p:style>
+          <a:lnRef idx="2">
+            <a:schemeClr val="dk1">
+              <a:shade val="50000"/>
+            </a:schemeClr>
+          </a:lnRef>
+          <a:fillRef idx="1">
+            <a:schemeClr val="dk1"/>
+          </a:fillRef>
+          <a:effectRef idx="0">
+            <a:schemeClr val="dk1"/>
+          </a:effectRef>
+          <a:fontRef idx="minor">
+            <a:schemeClr val="lt1"/>
+          </a:fontRef>
+        </p:style>
+        <p:txBody>
+          <a:bodyPr rtlCol="0" anchor="ctr"/>
+          <a:lstStyle/>
+          <a:p>
+            <a:pPr algn="ctr"/>
+            <a:endParaRPr lang="zh-TW" altLang="en-US"/>
+          </a:p>
+        </p:txBody>
+      </p:sp>
+      <p:sp>
+        <p:nvSpPr>
+          <p:cNvPr id="27" name="箭號: 向左 26">
+            <a:extLst>
+              <a:ext uri="{FF2B5EF4-FFF2-40B4-BE49-F238E27FC236}">
+                <a16:creationId xmlns:a16="http://schemas.microsoft.com/office/drawing/2014/main" id="{297340A1-AB37-4D03-B7EC-19AD38151A3D}"/>
+              </a:ext>
+            </a:extLst>
+          </p:cNvPr>
+          <p:cNvSpPr/>
+          <p:nvPr/>
+        </p:nvSpPr>
+        <p:spPr>
+          <a:xfrm>
+            <a:off x="4259637" y="3602950"/>
+            <a:ext cx="440676" cy="163505"/>
+          </a:xfrm>
+          <a:prstGeom prst="leftArrow">
+            <a:avLst/>
+          </a:prstGeom>
+        </p:spPr>
+        <p:style>
+          <a:lnRef idx="2">
+            <a:schemeClr val="dk1">
+              <a:shade val="50000"/>
+            </a:schemeClr>
+          </a:lnRef>
+          <a:fillRef idx="1">
+            <a:schemeClr val="dk1"/>
+          </a:fillRef>
+          <a:effectRef idx="0">
+            <a:schemeClr val="dk1"/>
+          </a:effectRef>
+          <a:fontRef idx="minor">
+            <a:schemeClr val="lt1"/>
+          </a:fontRef>
+        </p:style>
+        <p:txBody>
+          <a:bodyPr rtlCol="0" anchor="ctr"/>
+          <a:lstStyle/>
+          <a:p>
+            <a:pPr algn="ctr"/>
+            <a:endParaRPr lang="zh-TW" altLang="en-US"/>
+          </a:p>
+        </p:txBody>
+      </p:sp>
+      <p:sp>
+        <p:nvSpPr>
+          <p:cNvPr id="28" name="箭號: 向左 27">
+            <a:extLst>
+              <a:ext uri="{FF2B5EF4-FFF2-40B4-BE49-F238E27FC236}">
+                <a16:creationId xmlns:a16="http://schemas.microsoft.com/office/drawing/2014/main" id="{E53038DB-B288-4CFB-80C0-BF10E3A50E73}"/>
+              </a:ext>
+            </a:extLst>
+          </p:cNvPr>
+          <p:cNvSpPr/>
+          <p:nvPr/>
+        </p:nvSpPr>
+        <p:spPr>
+          <a:xfrm>
+            <a:off x="2540914" y="3621343"/>
+            <a:ext cx="440676" cy="163505"/>
+          </a:xfrm>
+          <a:prstGeom prst="leftArrow">
+            <a:avLst/>
+          </a:prstGeom>
+        </p:spPr>
+        <p:style>
+          <a:lnRef idx="2">
+            <a:schemeClr val="dk1">
+              <a:shade val="50000"/>
+            </a:schemeClr>
+          </a:lnRef>
+          <a:fillRef idx="1">
+            <a:schemeClr val="dk1"/>
+          </a:fillRef>
+          <a:effectRef idx="0">
+            <a:schemeClr val="dk1"/>
+          </a:effectRef>
+          <a:fontRef idx="minor">
+            <a:schemeClr val="lt1"/>
+          </a:fontRef>
+        </p:style>
+        <p:txBody>
+          <a:bodyPr rtlCol="0" anchor="ctr"/>
+          <a:lstStyle/>
+          <a:p>
+            <a:pPr algn="ctr"/>
+            <a:endParaRPr lang="zh-TW" altLang="en-US"/>
           </a:p>
         </p:txBody>
       </p:sp>
     </p:spTree>
     <p:extLst>
       <p:ext uri="{BB962C8B-B14F-4D97-AF65-F5344CB8AC3E}">
-        <p14:creationId xmlns:p14="http://schemas.microsoft.com/office/powerpoint/2010/main" val="2694080659"/>
+        <p14:creationId xmlns:p14="http://schemas.microsoft.com/office/powerpoint/2010/main" val="2927232232"/>
       </p:ext>
     </p:extLst>
   </p:cSld>
   <p:clrMapOvr>
     <a:masterClrMapping/>
   </p:clrMapOvr>
-  <p:timing>
-    <p:tnLst>
-      <p:par>
-        <p:cTn id="1" dur="indefinite" restart="never" nodeType="tmRoot"/>
-      </p:par>
-    </p:tnLst>
-  </p:timing>
 </p:sld>
 </file>
 
@@ -16074,7 +17732,13 @@
       </p:grpSpPr>
       <p:sp>
         <p:nvSpPr>
-          <p:cNvPr id="2" name="標題 1"/>
+          <p:cNvPr id="2" name="標題 1">
+            <a:extLst>
+              <a:ext uri="{FF2B5EF4-FFF2-40B4-BE49-F238E27FC236}">
+                <a16:creationId xmlns:a16="http://schemas.microsoft.com/office/drawing/2014/main" id="{3222FD48-FCF8-455D-AE7F-7E9505BE4D2F}"/>
+              </a:ext>
+            </a:extLst>
+          </p:cNvPr>
           <p:cNvSpPr>
             <a:spLocks noGrp="1"/>
           </p:cNvSpPr>
@@ -16088,27 +17752,25 @@
           <a:lstStyle/>
           <a:p>
             <a:r>
-              <a:rPr lang="en-US" altLang="zh-TW" dirty="0" smtClean="0"/>
-              <a:t>2.</a:t>
-            </a:r>
-            <a:r>
-              <a:rPr lang="zh-TW" altLang="en-US" dirty="0" smtClean="0"/>
-              <a:t>生成</a:t>
-            </a:r>
-            <a:r>
               <a:rPr lang="en-US" altLang="zh-TW" dirty="0"/>
-              <a:t>box</a:t>
+              <a:t>OCR</a:t>
             </a:r>
             <a:r>
               <a:rPr lang="zh-TW" altLang="en-US" dirty="0"/>
-              <a:t>文件</a:t>
-            </a:r>
-          </a:p>
-        </p:txBody>
-      </p:sp>
-      <p:sp>
-        <p:nvSpPr>
-          <p:cNvPr id="3" name="內容版面配置區 2"/>
+              <a:t>說明</a:t>
+            </a:r>
+          </a:p>
+        </p:txBody>
+      </p:sp>
+      <p:sp>
+        <p:nvSpPr>
+          <p:cNvPr id="3" name="內容版面配置區 2">
+            <a:extLst>
+              <a:ext uri="{FF2B5EF4-FFF2-40B4-BE49-F238E27FC236}">
+                <a16:creationId xmlns:a16="http://schemas.microsoft.com/office/drawing/2014/main" id="{34CE3FEC-8175-480A-AF0E-89331E1DC19D}"/>
+              </a:ext>
+            </a:extLst>
+          </p:cNvPr>
           <p:cNvSpPr>
             <a:spLocks noGrp="1"/>
           </p:cNvSpPr>
@@ -16118,232 +17780,231 @@
         </p:nvSpPr>
         <p:spPr>
           <a:xfrm>
-            <a:off x="1141412" y="2249486"/>
-            <a:ext cx="9905999" cy="4339203"/>
+            <a:off x="1141413" y="1845578"/>
+            <a:ext cx="10586397" cy="4706224"/>
           </a:xfrm>
         </p:spPr>
         <p:txBody>
-          <a:bodyPr/>
+          <a:bodyPr>
+            <a:normAutofit fontScale="92500" lnSpcReduction="10000"/>
+          </a:bodyPr>
           <a:lstStyle/>
           <a:p>
-            <a:r>
-              <a:rPr lang="zh-TW" altLang="en-US" dirty="0" smtClean="0"/>
-              <a:t>將上面兩個圖片轉換為</a:t>
-            </a:r>
-            <a:r>
-              <a:rPr lang="en-US" altLang="zh-TW" dirty="0" smtClean="0"/>
-              <a:t>box</a:t>
-            </a:r>
-            <a:r>
-              <a:rPr lang="zh-TW" altLang="en-US" dirty="0" smtClean="0"/>
-              <a:t>檔 在</a:t>
-            </a:r>
-            <a:r>
-              <a:rPr lang="en-US" altLang="zh-TW" dirty="0" err="1" smtClean="0"/>
-              <a:t>cmd</a:t>
-            </a:r>
-            <a:r>
-              <a:rPr lang="zh-TW" altLang="en-US" dirty="0" smtClean="0"/>
-              <a:t>終端指令中輸入 </a:t>
-            </a:r>
-            <a:endParaRPr lang="en-US" altLang="zh-TW" dirty="0" smtClean="0"/>
-          </a:p>
-          <a:p>
             <a:pPr marL="0" indent="0">
               <a:buNone/>
             </a:pPr>
-            <a:endParaRPr lang="en-US" altLang="zh-TW" dirty="0" smtClean="0"/>
+            <a:r>
+              <a:rPr lang="zh-TW" altLang="en-US" sz="1400" dirty="0"/>
+              <a:t>灰度化 </a:t>
+            </a:r>
+            <a:r>
+              <a:rPr lang="en-US" altLang="zh-TW" sz="1400" dirty="0"/>
+              <a:t>:</a:t>
+            </a:r>
+            <a:r>
+              <a:rPr lang="zh-TW" altLang="en-US" sz="1400" dirty="0"/>
+              <a:t> 在</a:t>
+            </a:r>
+            <a:r>
+              <a:rPr lang="en-US" altLang="zh-TW" sz="1400" dirty="0"/>
+              <a:t>RGB</a:t>
+            </a:r>
+            <a:r>
+              <a:rPr lang="zh-TW" altLang="en-US" sz="1400" dirty="0"/>
+              <a:t>模型中，如果</a:t>
+            </a:r>
+            <a:r>
+              <a:rPr lang="en-US" altLang="zh-TW" sz="1400" dirty="0"/>
+              <a:t>R=G=B</a:t>
+            </a:r>
+            <a:r>
+              <a:rPr lang="zh-TW" altLang="en-US" sz="1400" dirty="0"/>
+              <a:t>時，則彩色表示一種灰度顏色，其中</a:t>
+            </a:r>
+            <a:r>
+              <a:rPr lang="en-US" altLang="zh-TW" sz="1400" dirty="0"/>
+              <a:t>R=G=B</a:t>
+            </a:r>
+            <a:r>
+              <a:rPr lang="zh-TW" altLang="en-US" sz="1400" dirty="0"/>
+              <a:t>的值叫灰度值，因此，灰度圖像每個像素只需一個字節存放灰度值（又稱強度值、亮度值），灰度範圍為</a:t>
+            </a:r>
+            <a:r>
+              <a:rPr lang="en-US" altLang="zh-TW" sz="1400" dirty="0"/>
+              <a:t>0-255</a:t>
+            </a:r>
+            <a:r>
+              <a:rPr lang="zh-TW" altLang="en-US" sz="1400" dirty="0"/>
+              <a:t>。說通俗一點，就是將一張彩色圖片變為黑白圖片。</a:t>
+            </a:r>
+            <a:endParaRPr lang="en-US" altLang="zh-TW" sz="1400" dirty="0"/>
           </a:p>
           <a:p>
             <a:pPr marL="0" indent="0">
               <a:buNone/>
             </a:pPr>
             <a:r>
-              <a:rPr lang="zh-TW" altLang="en-US" sz="1800" b="1" dirty="0" smtClean="0">
-                <a:solidFill>
-                  <a:srgbClr val="FF0000"/>
-                </a:solidFill>
-              </a:rPr>
-              <a:t>         </a:t>
-            </a:r>
-            <a:r>
-              <a:rPr lang="en-US" altLang="zh-TW" sz="1800" b="1" dirty="0" smtClean="0">
-                <a:solidFill>
-                  <a:srgbClr val="FF0000"/>
-                </a:solidFill>
-              </a:rPr>
-              <a:t>tesseract </a:t>
-            </a:r>
-            <a:r>
-              <a:rPr lang="en-US" altLang="zh-TW" sz="1800" b="1" dirty="0">
-                <a:solidFill>
-                  <a:srgbClr val="FF0000"/>
-                </a:solidFill>
-              </a:rPr>
-              <a:t>mjorcen.normal.exp0.jpg mjorcen.normal.exp0 -l </a:t>
-            </a:r>
-            <a:r>
-              <a:rPr lang="en-US" altLang="zh-TW" sz="1800" b="1" dirty="0" err="1" smtClean="0">
-                <a:solidFill>
-                  <a:srgbClr val="FF0000"/>
-                </a:solidFill>
-              </a:rPr>
-              <a:t>eng</a:t>
-            </a:r>
-            <a:r>
-              <a:rPr lang="zh-TW" altLang="en-US" sz="1800" b="1" dirty="0" smtClean="0">
-                <a:solidFill>
-                  <a:srgbClr val="FF0000"/>
-                </a:solidFill>
-              </a:rPr>
-              <a:t> </a:t>
-            </a:r>
-            <a:r>
-              <a:rPr lang="en-US" altLang="zh-TW" sz="1800" b="1" dirty="0" err="1" smtClean="0">
-                <a:solidFill>
-                  <a:srgbClr val="FF0000"/>
-                </a:solidFill>
-              </a:rPr>
-              <a:t>batch.nochop</a:t>
-            </a:r>
-            <a:r>
-              <a:rPr lang="en-US" altLang="zh-TW" sz="1800" b="1" dirty="0" smtClean="0">
-                <a:solidFill>
-                  <a:srgbClr val="FF0000"/>
-                </a:solidFill>
-              </a:rPr>
-              <a:t> </a:t>
-            </a:r>
-            <a:r>
-              <a:rPr lang="en-US" altLang="zh-TW" sz="1800" b="1" dirty="0" err="1" smtClean="0">
-                <a:solidFill>
-                  <a:srgbClr val="FF0000"/>
-                </a:solidFill>
-              </a:rPr>
-              <a:t>makebox</a:t>
-            </a:r>
-            <a:endParaRPr lang="en-US" altLang="zh-TW" sz="1800" b="1" dirty="0" smtClean="0">
-              <a:solidFill>
-                <a:srgbClr val="FF0000"/>
-              </a:solidFill>
-            </a:endParaRPr>
+              <a:rPr lang="zh-TW" altLang="en-US" sz="1400" dirty="0"/>
+              <a:t>二值化 </a:t>
+            </a:r>
+            <a:r>
+              <a:rPr lang="en-US" altLang="zh-TW" sz="1400" dirty="0"/>
+              <a:t>:</a:t>
+            </a:r>
+            <a:r>
+              <a:rPr lang="zh-TW" altLang="en-US" sz="1400" dirty="0"/>
+              <a:t> 一幅圖像包括目標物體、背景還有噪聲，要想從多值的數字圖像中直接提取出目標物體，最常用的方法就是設定一個閾值</a:t>
+            </a:r>
+            <a:r>
+              <a:rPr lang="en-US" altLang="zh-TW" sz="1400" dirty="0"/>
+              <a:t>T</a:t>
+            </a:r>
+            <a:r>
+              <a:rPr lang="zh-TW" altLang="en-US" sz="1400" dirty="0"/>
+              <a:t>，用</a:t>
+            </a:r>
+            <a:r>
+              <a:rPr lang="en-US" altLang="zh-TW" sz="1400" dirty="0"/>
+              <a:t>T</a:t>
+            </a:r>
+            <a:r>
+              <a:rPr lang="zh-TW" altLang="en-US" sz="1400" dirty="0"/>
+              <a:t>將圖像的數據分成兩部分：大於</a:t>
+            </a:r>
+            <a:r>
+              <a:rPr lang="en-US" altLang="zh-TW" sz="1400" dirty="0"/>
+              <a:t>T</a:t>
+            </a:r>
+            <a:r>
+              <a:rPr lang="zh-TW" altLang="en-US" sz="1400" dirty="0"/>
+              <a:t>的像素群和小於</a:t>
+            </a:r>
+            <a:r>
+              <a:rPr lang="en-US" altLang="zh-TW" sz="1400" dirty="0"/>
+              <a:t>T</a:t>
+            </a:r>
+            <a:r>
+              <a:rPr lang="zh-TW" altLang="en-US" sz="1400" dirty="0"/>
+              <a:t>的像素群。這是研究灰度變換的最特殊的方法，稱為圖像的二值化。</a:t>
+            </a:r>
+            <a:endParaRPr lang="en-US" altLang="zh-TW" sz="1400" dirty="0"/>
           </a:p>
           <a:p>
             <a:pPr marL="0" indent="0">
               <a:buNone/>
             </a:pPr>
-            <a:endParaRPr lang="en-US" altLang="zh-TW" sz="1800" dirty="0">
-              <a:solidFill>
-                <a:srgbClr val="FF0000"/>
-              </a:solidFill>
-            </a:endParaRPr>
+            <a:r>
+              <a:rPr lang="zh-TW" altLang="en-US" sz="1400" dirty="0"/>
+              <a:t>圖像降噪 </a:t>
+            </a:r>
+            <a:r>
+              <a:rPr lang="en-US" altLang="zh-TW" sz="1400" dirty="0"/>
+              <a:t>:</a:t>
+            </a:r>
+            <a:r>
+              <a:rPr lang="zh-TW" altLang="en-US" sz="1400" dirty="0"/>
+              <a:t> 現實中的數字圖像在數字化和傳輸過程中常受到成像設備與外部環境噪聲干擾等影響，稱為含噪圖像或噪聲圖像。減少數字圖像中噪聲的過程稱為圖像降噪，圖像中噪聲的來源有許多種，這些噪聲來源於圖像採集、傳輸、壓縮等各個方面。在上一步得到的圖像中可以看到很多零星的小黑點，這就是圖像中的噪聲，會極大干擾到我們程序對於圖片的切割和識別，因此我們需要降噪處理。降噪在這個階段非常重要，降噪算法的好壞對特徵提取的影響很大。</a:t>
+            </a:r>
+            <a:endParaRPr lang="en-US" altLang="zh-TW" sz="1400" dirty="0"/>
           </a:p>
           <a:p>
             <a:pPr marL="0" indent="0">
               <a:buNone/>
             </a:pPr>
             <a:r>
-              <a:rPr lang="en-US" altLang="zh-TW" sz="1800" dirty="0" smtClean="0"/>
-              <a:t>                            </a:t>
-            </a:r>
+              <a:rPr lang="zh-TW" altLang="en-US" sz="1400" dirty="0"/>
+              <a:t>傾斜矯正 </a:t>
+            </a:r>
+            <a:r>
+              <a:rPr lang="en-US" altLang="zh-TW" sz="1400" dirty="0"/>
+              <a:t>: </a:t>
+            </a:r>
+            <a:r>
+              <a:rPr lang="zh-TW" altLang="en-US" sz="1400" dirty="0"/>
+              <a:t>對於用戶而言，拍照的時候不可能絕對的水平，所以，我們需要通過程序將圖像做旋轉處理，來找一個認為最可能水平的位置，這樣切出來的圖，才有可能是最好的一個效果。傾斜矯正最常用的方法是霍夫變換，其原理是將圖片進行膨脹處理，將斷續的文字連成一條直線，便於直線檢測。計算出直線的角度後就可以利用旋轉算法，將傾斜圖片矯正到水平位置。</a:t>
+            </a:r>
+            <a:endParaRPr lang="en-US" altLang="zh-TW" sz="1400" dirty="0"/>
           </a:p>
           <a:p>
             <a:pPr marL="0" indent="0">
               <a:buNone/>
             </a:pPr>
-            <a:endParaRPr lang="en-US" altLang="zh-TW" sz="1800" dirty="0"/>
+            <a:r>
+              <a:rPr lang="zh-TW" altLang="en-US" sz="1400" dirty="0"/>
+              <a:t>文字切分：對於一段多行文本來講，文字切分包含了行切分與字符切分兩個步驟，傾斜矯正是文字切分的前提。我們將傾斜矯正後的文字投影到 </a:t>
+            </a:r>
+            <a:r>
+              <a:rPr lang="en-US" altLang="zh-TW" sz="1400" dirty="0"/>
+              <a:t>Y</a:t>
+            </a:r>
+            <a:r>
+              <a:rPr lang="zh-TW" altLang="en-US" sz="1400" dirty="0"/>
+              <a:t>軸，並將所有值累加，這樣就能得到一個在</a:t>
+            </a:r>
+            <a:r>
+              <a:rPr lang="en-US" altLang="zh-TW" sz="1400" dirty="0"/>
+              <a:t>y</a:t>
+            </a:r>
+            <a:r>
+              <a:rPr lang="zh-TW" altLang="en-US" sz="1400" dirty="0"/>
+              <a:t>軸上的直方圖。</a:t>
+            </a:r>
+            <a:endParaRPr lang="en-US" altLang="zh-TW" sz="1400" dirty="0"/>
           </a:p>
           <a:p>
             <a:pPr marL="0" indent="0">
               <a:buNone/>
             </a:pPr>
             <a:r>
-              <a:rPr lang="en-US" altLang="zh-TW" sz="1800" dirty="0"/>
-              <a:t>                             box</a:t>
-            </a:r>
-            <a:r>
-              <a:rPr lang="zh-TW" altLang="en-US" sz="1800" dirty="0"/>
-              <a:t>文件和對應的</a:t>
-            </a:r>
-            <a:r>
-              <a:rPr lang="en-US" altLang="zh-TW" sz="1800" dirty="0" err="1"/>
-              <a:t>tif</a:t>
-            </a:r>
-            <a:r>
-              <a:rPr lang="zh-TW" altLang="en-US" sz="1800" dirty="0"/>
-              <a:t>一定要在相同的目錄下，不然後面打不開。</a:t>
-            </a:r>
-            <a:endParaRPr lang="en-US" altLang="zh-TW" sz="1800" dirty="0" smtClean="0"/>
+              <a:rPr lang="zh-TW" altLang="en-US" sz="1400" dirty="0"/>
+              <a:t>特徵提取和降維：特徵是用來識別文字的關鍵信息，每個不同的文字都能通過特徵來和其他文字進行區分。對於數字和英文字母來說，這個特徵提取是比較容易的，總共就 </a:t>
+            </a:r>
+            <a:r>
+              <a:rPr lang="en-US" altLang="zh-TW" sz="1400" dirty="0"/>
+              <a:t>10 + 26 x 2 = 52 </a:t>
+            </a:r>
+            <a:r>
+              <a:rPr lang="zh-TW" altLang="en-US" sz="1400" dirty="0"/>
+              <a:t>個字符，而且都是小字符集。對於漢字來說，特徵提取的難度就比較大了，因為首先漢字是大字符集；其次國標中光是最常用的第一級漢字就有</a:t>
+            </a:r>
+            <a:r>
+              <a:rPr lang="en-US" altLang="zh-TW" sz="1400" dirty="0"/>
+              <a:t>3755</a:t>
+            </a:r>
+            <a:r>
+              <a:rPr lang="zh-TW" altLang="en-US" sz="1400" dirty="0"/>
+              <a:t>個；最後漢字結構複雜，形近字多，特徵維度就比較大。</a:t>
+            </a:r>
+            <a:endParaRPr lang="en-US" altLang="zh-TW" sz="1400" dirty="0"/>
           </a:p>
           <a:p>
             <a:pPr marL="0" indent="0">
               <a:buNone/>
             </a:pPr>
-            <a:endParaRPr lang="en-US" altLang="zh-TW" sz="1800" dirty="0" smtClean="0"/>
+            <a:r>
+              <a:rPr lang="zh-TW" altLang="en-US" sz="1100" dirty="0"/>
+              <a:t>                                                                                                                                                                                                                                                                                           參考網路</a:t>
+            </a:r>
+            <a:endParaRPr lang="en-US" altLang="zh-TW" sz="1100" dirty="0"/>
           </a:p>
           <a:p>
             <a:pPr marL="0" indent="0">
               <a:buNone/>
             </a:pPr>
-            <a:r>
-              <a:rPr lang="en-US" altLang="zh-TW" sz="1800" dirty="0"/>
-              <a:t> </a:t>
-            </a:r>
-            <a:r>
-              <a:rPr lang="en-US" altLang="zh-TW" sz="1800" dirty="0" smtClean="0"/>
-              <a:t>                            </a:t>
-            </a:r>
-            <a:endParaRPr lang="zh-TW" altLang="en-US" sz="1800" dirty="0"/>
-          </a:p>
-        </p:txBody>
-      </p:sp>
-      <p:pic>
-        <p:nvPicPr>
-          <p:cNvPr id="5" name="圖片 4"/>
-          <p:cNvPicPr>
-            <a:picLocks noChangeAspect="1"/>
-          </p:cNvPicPr>
-          <p:nvPr/>
-        </p:nvPicPr>
-        <p:blipFill>
-          <a:blip r:embed="rId2">
-            <a:extLst>
-              <a:ext uri="{28A0092B-C50C-407E-A947-70E740481C1C}">
-                <a14:useLocalDpi xmlns:a14="http://schemas.microsoft.com/office/drawing/2010/main" val="0"/>
-              </a:ext>
-            </a:extLst>
-          </a:blip>
-          <a:stretch>
-            <a:fillRect/>
-          </a:stretch>
-        </p:blipFill>
-        <p:spPr>
-          <a:xfrm>
-            <a:off x="1884636" y="4193619"/>
-            <a:ext cx="1057423" cy="1343212"/>
-          </a:xfrm>
-          <a:prstGeom prst="rect">
-            <a:avLst/>
-          </a:prstGeom>
-        </p:spPr>
-      </p:pic>
+            <a:endParaRPr lang="zh-TW" altLang="en-US" sz="1400" dirty="0"/>
+          </a:p>
+        </p:txBody>
+      </p:sp>
     </p:spTree>
     <p:extLst>
       <p:ext uri="{BB962C8B-B14F-4D97-AF65-F5344CB8AC3E}">
-        <p14:creationId xmlns:p14="http://schemas.microsoft.com/office/powerpoint/2010/main" val="2469697569"/>
+        <p14:creationId xmlns:p14="http://schemas.microsoft.com/office/powerpoint/2010/main" val="1291592107"/>
       </p:ext>
     </p:extLst>
   </p:cSld>
   <p:clrMapOvr>
     <a:masterClrMapping/>
   </p:clrMapOvr>
-  <p:timing>
-    <p:tnLst>
-      <p:par>
-        <p:cTn id="1" dur="indefinite" restart="never" nodeType="tmRoot"/>
-      </p:par>
-    </p:tnLst>
-  </p:timing>
 </p:sld>
 </file>
 
